--- a/Kaggle_MoA.pptx
+++ b/Kaggle_MoA.pptx
@@ -4,9 +4,16 @@
   <p:sldMasterIdLst>
     <p:sldMasterId id="2147483648" r:id="rId1"/>
   </p:sldMasterIdLst>
+  <p:notesMasterIdLst>
+    <p:notesMasterId r:id="rId8"/>
+  </p:notesMasterIdLst>
   <p:sldIdLst>
     <p:sldId id="256" r:id="rId2"/>
     <p:sldId id="257" r:id="rId3"/>
+    <p:sldId id="263" r:id="rId4"/>
+    <p:sldId id="259" r:id="rId5"/>
+    <p:sldId id="260" r:id="rId6"/>
+    <p:sldId id="261" r:id="rId7"/>
   </p:sldIdLst>
   <p:sldSz cx="12192000" cy="6858000"/>
   <p:notesSz cx="6858000" cy="9144000"/>
@@ -105,7 +112,657 @@
       </a:defRPr>
     </a:lvl9pPr>
   </p:defaultTextStyle>
+  <p:extLst>
+    <p:ext uri="{EFAFB233-063F-42B5-8137-9DF3F51BA10A}">
+      <p15:sldGuideLst xmlns:p15="http://schemas.microsoft.com/office/powerpoint/2012/main"/>
+    </p:ext>
+  </p:extLst>
 </p:presentation>
+</file>
+
+<file path=ppt/notesMasters/notesMaster1.xml><?xml version="1.0" encoding="utf-8"?>
+<p:notesMaster xmlns:a="http://schemas.openxmlformats.org/drawingml/2006/main" xmlns:r="http://schemas.openxmlformats.org/officeDocument/2006/relationships" xmlns:p="http://schemas.openxmlformats.org/presentationml/2006/main">
+  <p:cSld>
+    <p:bg>
+      <p:bgRef idx="1001">
+        <a:schemeClr val="bg1"/>
+      </p:bgRef>
+    </p:bg>
+    <p:spTree>
+      <p:nvGrpSpPr>
+        <p:cNvPr id="1" name=""/>
+        <p:cNvGrpSpPr/>
+        <p:nvPr/>
+      </p:nvGrpSpPr>
+      <p:grpSpPr>
+        <a:xfrm>
+          <a:off x="0" y="0"/>
+          <a:ext cx="0" cy="0"/>
+          <a:chOff x="0" y="0"/>
+          <a:chExt cx="0" cy="0"/>
+        </a:xfrm>
+      </p:grpSpPr>
+      <p:sp>
+        <p:nvSpPr>
+          <p:cNvPr id="2" name="ヘッダー プレースホルダー 1"/>
+          <p:cNvSpPr>
+            <a:spLocks noGrp="1"/>
+          </p:cNvSpPr>
+          <p:nvPr>
+            <p:ph type="hdr" sz="quarter"/>
+          </p:nvPr>
+        </p:nvSpPr>
+        <p:spPr>
+          <a:xfrm>
+            <a:off x="0" y="0"/>
+            <a:ext cx="2971800" cy="458788"/>
+          </a:xfrm>
+          <a:prstGeom prst="rect">
+            <a:avLst/>
+          </a:prstGeom>
+        </p:spPr>
+        <p:txBody>
+          <a:bodyPr vert="horz" lIns="91440" tIns="45720" rIns="91440" bIns="45720" rtlCol="0"/>
+          <a:lstStyle>
+            <a:lvl1pPr algn="l">
+              <a:defRPr sz="1200"/>
+            </a:lvl1pPr>
+          </a:lstStyle>
+          <a:p>
+            <a:endParaRPr kumimoji="1" lang="ja-JP" altLang="en-US"/>
+          </a:p>
+        </p:txBody>
+      </p:sp>
+      <p:sp>
+        <p:nvSpPr>
+          <p:cNvPr id="3" name="日付プレースホルダー 2"/>
+          <p:cNvSpPr>
+            <a:spLocks noGrp="1"/>
+          </p:cNvSpPr>
+          <p:nvPr>
+            <p:ph type="dt" idx="1"/>
+          </p:nvPr>
+        </p:nvSpPr>
+        <p:spPr>
+          <a:xfrm>
+            <a:off x="3884613" y="0"/>
+            <a:ext cx="2971800" cy="458788"/>
+          </a:xfrm>
+          <a:prstGeom prst="rect">
+            <a:avLst/>
+          </a:prstGeom>
+        </p:spPr>
+        <p:txBody>
+          <a:bodyPr vert="horz" lIns="91440" tIns="45720" rIns="91440" bIns="45720" rtlCol="0"/>
+          <a:lstStyle>
+            <a:lvl1pPr algn="r">
+              <a:defRPr sz="1200"/>
+            </a:lvl1pPr>
+          </a:lstStyle>
+          <a:p>
+            <a:fld id="{20E8D8B0-DEC6-4D85-AF34-2CB4B66E100B}" type="datetimeFigureOut">
+              <a:rPr kumimoji="1" lang="ja-JP" altLang="en-US" smtClean="0"/>
+              <a:t>2020/10/27</a:t>
+            </a:fld>
+            <a:endParaRPr kumimoji="1" lang="ja-JP" altLang="en-US"/>
+          </a:p>
+        </p:txBody>
+      </p:sp>
+      <p:sp>
+        <p:nvSpPr>
+          <p:cNvPr id="4" name="スライド イメージ プレースホルダー 3"/>
+          <p:cNvSpPr>
+            <a:spLocks noGrp="1" noRot="1" noChangeAspect="1"/>
+          </p:cNvSpPr>
+          <p:nvPr>
+            <p:ph type="sldImg" idx="2"/>
+          </p:nvPr>
+        </p:nvSpPr>
+        <p:spPr>
+          <a:xfrm>
+            <a:off x="685800" y="1143000"/>
+            <a:ext cx="5486400" cy="3086100"/>
+          </a:xfrm>
+          <a:prstGeom prst="rect">
+            <a:avLst/>
+          </a:prstGeom>
+          <a:noFill/>
+          <a:ln w="12700">
+            <a:solidFill>
+              <a:prstClr val="black"/>
+            </a:solidFill>
+          </a:ln>
+        </p:spPr>
+        <p:txBody>
+          <a:bodyPr vert="horz" lIns="91440" tIns="45720" rIns="91440" bIns="45720" rtlCol="0" anchor="ctr"/>
+          <a:lstStyle/>
+          <a:p>
+            <a:endParaRPr lang="ja-JP" altLang="en-US"/>
+          </a:p>
+        </p:txBody>
+      </p:sp>
+      <p:sp>
+        <p:nvSpPr>
+          <p:cNvPr id="5" name="ノート プレースホルダー 4"/>
+          <p:cNvSpPr>
+            <a:spLocks noGrp="1"/>
+          </p:cNvSpPr>
+          <p:nvPr>
+            <p:ph type="body" sz="quarter" idx="3"/>
+          </p:nvPr>
+        </p:nvSpPr>
+        <p:spPr>
+          <a:xfrm>
+            <a:off x="685800" y="4400550"/>
+            <a:ext cx="5486400" cy="3600450"/>
+          </a:xfrm>
+          <a:prstGeom prst="rect">
+            <a:avLst/>
+          </a:prstGeom>
+        </p:spPr>
+        <p:txBody>
+          <a:bodyPr vert="horz" lIns="91440" tIns="45720" rIns="91440" bIns="45720" rtlCol="0"/>
+          <a:lstStyle/>
+          <a:p>
+            <a:pPr lvl="0"/>
+            <a:r>
+              <a:rPr kumimoji="1" lang="ja-JP" altLang="en-US"/>
+              <a:t>マスター テキストの書式設定</a:t>
+            </a:r>
+          </a:p>
+          <a:p>
+            <a:pPr lvl="1"/>
+            <a:r>
+              <a:rPr kumimoji="1" lang="ja-JP" altLang="en-US"/>
+              <a:t>第 </a:t>
+            </a:r>
+            <a:r>
+              <a:rPr kumimoji="1" lang="en-US" altLang="ja-JP"/>
+              <a:t>2 </a:t>
+            </a:r>
+            <a:r>
+              <a:rPr kumimoji="1" lang="ja-JP" altLang="en-US"/>
+              <a:t>レベル</a:t>
+            </a:r>
+          </a:p>
+          <a:p>
+            <a:pPr lvl="2"/>
+            <a:r>
+              <a:rPr kumimoji="1" lang="ja-JP" altLang="en-US"/>
+              <a:t>第 </a:t>
+            </a:r>
+            <a:r>
+              <a:rPr kumimoji="1" lang="en-US" altLang="ja-JP"/>
+              <a:t>3 </a:t>
+            </a:r>
+            <a:r>
+              <a:rPr kumimoji="1" lang="ja-JP" altLang="en-US"/>
+              <a:t>レベル</a:t>
+            </a:r>
+          </a:p>
+          <a:p>
+            <a:pPr lvl="3"/>
+            <a:r>
+              <a:rPr kumimoji="1" lang="ja-JP" altLang="en-US"/>
+              <a:t>第 </a:t>
+            </a:r>
+            <a:r>
+              <a:rPr kumimoji="1" lang="en-US" altLang="ja-JP"/>
+              <a:t>4 </a:t>
+            </a:r>
+            <a:r>
+              <a:rPr kumimoji="1" lang="ja-JP" altLang="en-US"/>
+              <a:t>レベル</a:t>
+            </a:r>
+          </a:p>
+          <a:p>
+            <a:pPr lvl="4"/>
+            <a:r>
+              <a:rPr kumimoji="1" lang="ja-JP" altLang="en-US"/>
+              <a:t>第 </a:t>
+            </a:r>
+            <a:r>
+              <a:rPr kumimoji="1" lang="en-US" altLang="ja-JP"/>
+              <a:t>5 </a:t>
+            </a:r>
+            <a:r>
+              <a:rPr kumimoji="1" lang="ja-JP" altLang="en-US"/>
+              <a:t>レベル</a:t>
+            </a:r>
+          </a:p>
+        </p:txBody>
+      </p:sp>
+      <p:sp>
+        <p:nvSpPr>
+          <p:cNvPr id="6" name="フッター プレースホルダー 5"/>
+          <p:cNvSpPr>
+            <a:spLocks noGrp="1"/>
+          </p:cNvSpPr>
+          <p:nvPr>
+            <p:ph type="ftr" sz="quarter" idx="4"/>
+          </p:nvPr>
+        </p:nvSpPr>
+        <p:spPr>
+          <a:xfrm>
+            <a:off x="0" y="8685213"/>
+            <a:ext cx="2971800" cy="458787"/>
+          </a:xfrm>
+          <a:prstGeom prst="rect">
+            <a:avLst/>
+          </a:prstGeom>
+        </p:spPr>
+        <p:txBody>
+          <a:bodyPr vert="horz" lIns="91440" tIns="45720" rIns="91440" bIns="45720" rtlCol="0" anchor="b"/>
+          <a:lstStyle>
+            <a:lvl1pPr algn="l">
+              <a:defRPr sz="1200"/>
+            </a:lvl1pPr>
+          </a:lstStyle>
+          <a:p>
+            <a:endParaRPr kumimoji="1" lang="ja-JP" altLang="en-US"/>
+          </a:p>
+        </p:txBody>
+      </p:sp>
+      <p:sp>
+        <p:nvSpPr>
+          <p:cNvPr id="7" name="スライド番号プレースホルダー 6"/>
+          <p:cNvSpPr>
+            <a:spLocks noGrp="1"/>
+          </p:cNvSpPr>
+          <p:nvPr>
+            <p:ph type="sldNum" sz="quarter" idx="5"/>
+          </p:nvPr>
+        </p:nvSpPr>
+        <p:spPr>
+          <a:xfrm>
+            <a:off x="3884613" y="8685213"/>
+            <a:ext cx="2971800" cy="458787"/>
+          </a:xfrm>
+          <a:prstGeom prst="rect">
+            <a:avLst/>
+          </a:prstGeom>
+        </p:spPr>
+        <p:txBody>
+          <a:bodyPr vert="horz" lIns="91440" tIns="45720" rIns="91440" bIns="45720" rtlCol="0" anchor="b"/>
+          <a:lstStyle>
+            <a:lvl1pPr algn="r">
+              <a:defRPr sz="1200"/>
+            </a:lvl1pPr>
+          </a:lstStyle>
+          <a:p>
+            <a:fld id="{A398EE22-1D8E-4C5D-B5CD-DB0DE9C89355}" type="slidenum">
+              <a:rPr kumimoji="1" lang="ja-JP" altLang="en-US" smtClean="0"/>
+              <a:t>‹#›</a:t>
+            </a:fld>
+            <a:endParaRPr kumimoji="1" lang="ja-JP" altLang="en-US"/>
+          </a:p>
+        </p:txBody>
+      </p:sp>
+    </p:spTree>
+    <p:extLst>
+      <p:ext uri="{BB962C8B-B14F-4D97-AF65-F5344CB8AC3E}">
+        <p14:creationId xmlns:p14="http://schemas.microsoft.com/office/powerpoint/2010/main" val="2347421441"/>
+      </p:ext>
+    </p:extLst>
+  </p:cSld>
+  <p:clrMap bg1="lt1" tx1="dk1" bg2="lt2" tx2="dk2" accent1="accent1" accent2="accent2" accent3="accent3" accent4="accent4" accent5="accent5" accent6="accent6" hlink="hlink" folHlink="folHlink"/>
+  <p:notesStyle>
+    <a:lvl1pPr marL="0" algn="l" defTabSz="914400" rtl="0" eaLnBrk="1" latinLnBrk="0" hangingPunct="1">
+      <a:defRPr kumimoji="1" sz="1200" kern="1200">
+        <a:solidFill>
+          <a:schemeClr val="tx1"/>
+        </a:solidFill>
+        <a:latin typeface="+mn-lt"/>
+        <a:ea typeface="+mn-ea"/>
+        <a:cs typeface="+mn-cs"/>
+      </a:defRPr>
+    </a:lvl1pPr>
+    <a:lvl2pPr marL="457200" algn="l" defTabSz="914400" rtl="0" eaLnBrk="1" latinLnBrk="0" hangingPunct="1">
+      <a:defRPr kumimoji="1" sz="1200" kern="1200">
+        <a:solidFill>
+          <a:schemeClr val="tx1"/>
+        </a:solidFill>
+        <a:latin typeface="+mn-lt"/>
+        <a:ea typeface="+mn-ea"/>
+        <a:cs typeface="+mn-cs"/>
+      </a:defRPr>
+    </a:lvl2pPr>
+    <a:lvl3pPr marL="914400" algn="l" defTabSz="914400" rtl="0" eaLnBrk="1" latinLnBrk="0" hangingPunct="1">
+      <a:defRPr kumimoji="1" sz="1200" kern="1200">
+        <a:solidFill>
+          <a:schemeClr val="tx1"/>
+        </a:solidFill>
+        <a:latin typeface="+mn-lt"/>
+        <a:ea typeface="+mn-ea"/>
+        <a:cs typeface="+mn-cs"/>
+      </a:defRPr>
+    </a:lvl3pPr>
+    <a:lvl4pPr marL="1371600" algn="l" defTabSz="914400" rtl="0" eaLnBrk="1" latinLnBrk="0" hangingPunct="1">
+      <a:defRPr kumimoji="1" sz="1200" kern="1200">
+        <a:solidFill>
+          <a:schemeClr val="tx1"/>
+        </a:solidFill>
+        <a:latin typeface="+mn-lt"/>
+        <a:ea typeface="+mn-ea"/>
+        <a:cs typeface="+mn-cs"/>
+      </a:defRPr>
+    </a:lvl4pPr>
+    <a:lvl5pPr marL="1828800" algn="l" defTabSz="914400" rtl="0" eaLnBrk="1" latinLnBrk="0" hangingPunct="1">
+      <a:defRPr kumimoji="1" sz="1200" kern="1200">
+        <a:solidFill>
+          <a:schemeClr val="tx1"/>
+        </a:solidFill>
+        <a:latin typeface="+mn-lt"/>
+        <a:ea typeface="+mn-ea"/>
+        <a:cs typeface="+mn-cs"/>
+      </a:defRPr>
+    </a:lvl5pPr>
+    <a:lvl6pPr marL="2286000" algn="l" defTabSz="914400" rtl="0" eaLnBrk="1" latinLnBrk="0" hangingPunct="1">
+      <a:defRPr kumimoji="1" sz="1200" kern="1200">
+        <a:solidFill>
+          <a:schemeClr val="tx1"/>
+        </a:solidFill>
+        <a:latin typeface="+mn-lt"/>
+        <a:ea typeface="+mn-ea"/>
+        <a:cs typeface="+mn-cs"/>
+      </a:defRPr>
+    </a:lvl6pPr>
+    <a:lvl7pPr marL="2743200" algn="l" defTabSz="914400" rtl="0" eaLnBrk="1" latinLnBrk="0" hangingPunct="1">
+      <a:defRPr kumimoji="1" sz="1200" kern="1200">
+        <a:solidFill>
+          <a:schemeClr val="tx1"/>
+        </a:solidFill>
+        <a:latin typeface="+mn-lt"/>
+        <a:ea typeface="+mn-ea"/>
+        <a:cs typeface="+mn-cs"/>
+      </a:defRPr>
+    </a:lvl7pPr>
+    <a:lvl8pPr marL="3200400" algn="l" defTabSz="914400" rtl="0" eaLnBrk="1" latinLnBrk="0" hangingPunct="1">
+      <a:defRPr kumimoji="1" sz="1200" kern="1200">
+        <a:solidFill>
+          <a:schemeClr val="tx1"/>
+        </a:solidFill>
+        <a:latin typeface="+mn-lt"/>
+        <a:ea typeface="+mn-ea"/>
+        <a:cs typeface="+mn-cs"/>
+      </a:defRPr>
+    </a:lvl8pPr>
+    <a:lvl9pPr marL="3657600" algn="l" defTabSz="914400" rtl="0" eaLnBrk="1" latinLnBrk="0" hangingPunct="1">
+      <a:defRPr kumimoji="1" sz="1200" kern="1200">
+        <a:solidFill>
+          <a:schemeClr val="tx1"/>
+        </a:solidFill>
+        <a:latin typeface="+mn-lt"/>
+        <a:ea typeface="+mn-ea"/>
+        <a:cs typeface="+mn-cs"/>
+      </a:defRPr>
+    </a:lvl9pPr>
+  </p:notesStyle>
+</p:notesMaster>
+</file>
+
+<file path=ppt/notesSlides/notesSlide1.xml><?xml version="1.0" encoding="utf-8"?>
+<p:notes xmlns:a="http://schemas.openxmlformats.org/drawingml/2006/main" xmlns:r="http://schemas.openxmlformats.org/officeDocument/2006/relationships" xmlns:p="http://schemas.openxmlformats.org/presentationml/2006/main">
+  <p:cSld>
+    <p:spTree>
+      <p:nvGrpSpPr>
+        <p:cNvPr id="1" name=""/>
+        <p:cNvGrpSpPr/>
+        <p:nvPr/>
+      </p:nvGrpSpPr>
+      <p:grpSpPr>
+        <a:xfrm>
+          <a:off x="0" y="0"/>
+          <a:ext cx="0" cy="0"/>
+          <a:chOff x="0" y="0"/>
+          <a:chExt cx="0" cy="0"/>
+        </a:xfrm>
+      </p:grpSpPr>
+      <p:sp>
+        <p:nvSpPr>
+          <p:cNvPr id="2" name="スライド イメージ プレースホルダー 1"/>
+          <p:cNvSpPr>
+            <a:spLocks noGrp="1" noRot="1" noChangeAspect="1"/>
+          </p:cNvSpPr>
+          <p:nvPr>
+            <p:ph type="sldImg"/>
+          </p:nvPr>
+        </p:nvSpPr>
+        <p:spPr/>
+      </p:sp>
+      <p:sp>
+        <p:nvSpPr>
+          <p:cNvPr id="3" name="ノート プレースホルダー 2"/>
+          <p:cNvSpPr>
+            <a:spLocks noGrp="1"/>
+          </p:cNvSpPr>
+          <p:nvPr>
+            <p:ph type="body" idx="1"/>
+          </p:nvPr>
+        </p:nvSpPr>
+        <p:spPr/>
+        <p:txBody>
+          <a:bodyPr/>
+          <a:lstStyle/>
+          <a:p>
+            <a:r>
+              <a:rPr kumimoji="1" lang="en-US" altLang="ja-JP" dirty="0"/>
+              <a:t>https://www.kaggle.com/c/lish-moa/data</a:t>
+            </a:r>
+            <a:endParaRPr kumimoji="1" lang="ja-JP" altLang="en-US" dirty="0"/>
+          </a:p>
+        </p:txBody>
+      </p:sp>
+      <p:sp>
+        <p:nvSpPr>
+          <p:cNvPr id="4" name="スライド番号プレースホルダー 3"/>
+          <p:cNvSpPr>
+            <a:spLocks noGrp="1"/>
+          </p:cNvSpPr>
+          <p:nvPr>
+            <p:ph type="sldNum" sz="quarter" idx="5"/>
+          </p:nvPr>
+        </p:nvSpPr>
+        <p:spPr/>
+        <p:txBody>
+          <a:bodyPr/>
+          <a:lstStyle/>
+          <a:p>
+            <a:fld id="{A398EE22-1D8E-4C5D-B5CD-DB0DE9C89355}" type="slidenum">
+              <a:rPr kumimoji="1" lang="ja-JP" altLang="en-US" smtClean="0"/>
+              <a:t>3</a:t>
+            </a:fld>
+            <a:endParaRPr kumimoji="1" lang="ja-JP" altLang="en-US"/>
+          </a:p>
+        </p:txBody>
+      </p:sp>
+    </p:spTree>
+    <p:extLst>
+      <p:ext uri="{BB962C8B-B14F-4D97-AF65-F5344CB8AC3E}">
+        <p14:creationId xmlns:p14="http://schemas.microsoft.com/office/powerpoint/2010/main" val="2431346452"/>
+      </p:ext>
+    </p:extLst>
+  </p:cSld>
+  <p:clrMapOvr>
+    <a:masterClrMapping/>
+  </p:clrMapOvr>
+</p:notes>
+</file>
+
+<file path=ppt/notesSlides/notesSlide2.xml><?xml version="1.0" encoding="utf-8"?>
+<p:notes xmlns:a="http://schemas.openxmlformats.org/drawingml/2006/main" xmlns:r="http://schemas.openxmlformats.org/officeDocument/2006/relationships" xmlns:p="http://schemas.openxmlformats.org/presentationml/2006/main">
+  <p:cSld>
+    <p:spTree>
+      <p:nvGrpSpPr>
+        <p:cNvPr id="1" name=""/>
+        <p:cNvGrpSpPr/>
+        <p:nvPr/>
+      </p:nvGrpSpPr>
+      <p:grpSpPr>
+        <a:xfrm>
+          <a:off x="0" y="0"/>
+          <a:ext cx="0" cy="0"/>
+          <a:chOff x="0" y="0"/>
+          <a:chExt cx="0" cy="0"/>
+        </a:xfrm>
+      </p:grpSpPr>
+      <p:sp>
+        <p:nvSpPr>
+          <p:cNvPr id="2" name="スライド イメージ プレースホルダー 1"/>
+          <p:cNvSpPr>
+            <a:spLocks noGrp="1" noRot="1" noChangeAspect="1"/>
+          </p:cNvSpPr>
+          <p:nvPr>
+            <p:ph type="sldImg"/>
+          </p:nvPr>
+        </p:nvSpPr>
+        <p:spPr/>
+      </p:sp>
+      <p:sp>
+        <p:nvSpPr>
+          <p:cNvPr id="3" name="ノート プレースホルダー 2"/>
+          <p:cNvSpPr>
+            <a:spLocks noGrp="1"/>
+          </p:cNvSpPr>
+          <p:nvPr>
+            <p:ph type="body" idx="1"/>
+          </p:nvPr>
+        </p:nvSpPr>
+        <p:spPr/>
+        <p:txBody>
+          <a:bodyPr/>
+          <a:lstStyle/>
+          <a:p>
+            <a:r>
+              <a:rPr kumimoji="1" lang="en-US" altLang="ja-JP" dirty="0"/>
+              <a:t>https://www.kaggle.com/c/lish-moa/discussion/193363</a:t>
+            </a:r>
+            <a:endParaRPr kumimoji="1" lang="ja-JP" altLang="en-US" dirty="0"/>
+          </a:p>
+        </p:txBody>
+      </p:sp>
+      <p:sp>
+        <p:nvSpPr>
+          <p:cNvPr id="4" name="スライド番号プレースホルダー 3"/>
+          <p:cNvSpPr>
+            <a:spLocks noGrp="1"/>
+          </p:cNvSpPr>
+          <p:nvPr>
+            <p:ph type="sldNum" sz="quarter" idx="5"/>
+          </p:nvPr>
+        </p:nvSpPr>
+        <p:spPr/>
+        <p:txBody>
+          <a:bodyPr/>
+          <a:lstStyle/>
+          <a:p>
+            <a:fld id="{A398EE22-1D8E-4C5D-B5CD-DB0DE9C89355}" type="slidenum">
+              <a:rPr kumimoji="1" lang="ja-JP" altLang="en-US" smtClean="0"/>
+              <a:t>4</a:t>
+            </a:fld>
+            <a:endParaRPr kumimoji="1" lang="ja-JP" altLang="en-US"/>
+          </a:p>
+        </p:txBody>
+      </p:sp>
+    </p:spTree>
+    <p:extLst>
+      <p:ext uri="{BB962C8B-B14F-4D97-AF65-F5344CB8AC3E}">
+        <p14:creationId xmlns:p14="http://schemas.microsoft.com/office/powerpoint/2010/main" val="2205225935"/>
+      </p:ext>
+    </p:extLst>
+  </p:cSld>
+  <p:clrMapOvr>
+    <a:masterClrMapping/>
+  </p:clrMapOvr>
+</p:notes>
+</file>
+
+<file path=ppt/notesSlides/notesSlide3.xml><?xml version="1.0" encoding="utf-8"?>
+<p:notes xmlns:a="http://schemas.openxmlformats.org/drawingml/2006/main" xmlns:r="http://schemas.openxmlformats.org/officeDocument/2006/relationships" xmlns:p="http://schemas.openxmlformats.org/presentationml/2006/main">
+  <p:cSld>
+    <p:spTree>
+      <p:nvGrpSpPr>
+        <p:cNvPr id="1" name=""/>
+        <p:cNvGrpSpPr/>
+        <p:nvPr/>
+      </p:nvGrpSpPr>
+      <p:grpSpPr>
+        <a:xfrm>
+          <a:off x="0" y="0"/>
+          <a:ext cx="0" cy="0"/>
+          <a:chOff x="0" y="0"/>
+          <a:chExt cx="0" cy="0"/>
+        </a:xfrm>
+      </p:grpSpPr>
+      <p:sp>
+        <p:nvSpPr>
+          <p:cNvPr id="2" name="スライド イメージ プレースホルダー 1"/>
+          <p:cNvSpPr>
+            <a:spLocks noGrp="1" noRot="1" noChangeAspect="1"/>
+          </p:cNvSpPr>
+          <p:nvPr>
+            <p:ph type="sldImg"/>
+          </p:nvPr>
+        </p:nvSpPr>
+        <p:spPr/>
+      </p:sp>
+      <p:sp>
+        <p:nvSpPr>
+          <p:cNvPr id="3" name="ノート プレースホルダー 2"/>
+          <p:cNvSpPr>
+            <a:spLocks noGrp="1"/>
+          </p:cNvSpPr>
+          <p:nvPr>
+            <p:ph type="body" idx="1"/>
+          </p:nvPr>
+        </p:nvSpPr>
+        <p:spPr/>
+        <p:txBody>
+          <a:bodyPr/>
+          <a:lstStyle/>
+          <a:p>
+            <a:r>
+              <a:rPr kumimoji="1" lang="en-US" altLang="ja-JP" dirty="0"/>
+              <a:t>https://www.kaggle.com/c/lish-moa/overview/evaluation</a:t>
+            </a:r>
+            <a:endParaRPr kumimoji="1" lang="ja-JP" altLang="en-US" dirty="0"/>
+          </a:p>
+        </p:txBody>
+      </p:sp>
+      <p:sp>
+        <p:nvSpPr>
+          <p:cNvPr id="4" name="スライド番号プレースホルダー 3"/>
+          <p:cNvSpPr>
+            <a:spLocks noGrp="1"/>
+          </p:cNvSpPr>
+          <p:nvPr>
+            <p:ph type="sldNum" sz="quarter" idx="5"/>
+          </p:nvPr>
+        </p:nvSpPr>
+        <p:spPr/>
+        <p:txBody>
+          <a:bodyPr/>
+          <a:lstStyle/>
+          <a:p>
+            <a:fld id="{A398EE22-1D8E-4C5D-B5CD-DB0DE9C89355}" type="slidenum">
+              <a:rPr kumimoji="1" lang="ja-JP" altLang="en-US" smtClean="0"/>
+              <a:t>6</a:t>
+            </a:fld>
+            <a:endParaRPr kumimoji="1" lang="ja-JP" altLang="en-US"/>
+          </a:p>
+        </p:txBody>
+      </p:sp>
+    </p:spTree>
+    <p:extLst>
+      <p:ext uri="{BB962C8B-B14F-4D97-AF65-F5344CB8AC3E}">
+        <p14:creationId xmlns:p14="http://schemas.microsoft.com/office/powerpoint/2010/main" val="1815080822"/>
+      </p:ext>
+    </p:extLst>
+  </p:cSld>
+  <p:clrMapOvr>
+    <a:masterClrMapping/>
+  </p:clrMapOvr>
+</p:notes>
 </file>
 
 <file path=ppt/slideLayouts/slideLayout1.xml><?xml version="1.0" encoding="utf-8"?>
@@ -255,7 +912,7 @@
           <a:p>
             <a:fld id="{DE38A0FA-1066-4405-A9B4-B20FDCFA17CE}" type="datetimeFigureOut">
               <a:rPr kumimoji="1" lang="ja-JP" altLang="en-US" smtClean="0"/>
-              <a:t>2020/10/24</a:t>
+              <a:t>2020/10/27</a:t>
             </a:fld>
             <a:endParaRPr kumimoji="1" lang="ja-JP" altLang="en-US"/>
           </a:p>
@@ -485,7 +1142,7 @@
           <a:p>
             <a:fld id="{DE38A0FA-1066-4405-A9B4-B20FDCFA17CE}" type="datetimeFigureOut">
               <a:rPr kumimoji="1" lang="ja-JP" altLang="en-US" smtClean="0"/>
-              <a:t>2020/10/24</a:t>
+              <a:t>2020/10/27</a:t>
             </a:fld>
             <a:endParaRPr kumimoji="1" lang="ja-JP" altLang="en-US"/>
           </a:p>
@@ -725,7 +1382,7 @@
           <a:p>
             <a:fld id="{DE38A0FA-1066-4405-A9B4-B20FDCFA17CE}" type="datetimeFigureOut">
               <a:rPr kumimoji="1" lang="ja-JP" altLang="en-US" smtClean="0"/>
-              <a:t>2020/10/24</a:t>
+              <a:t>2020/10/27</a:t>
             </a:fld>
             <a:endParaRPr kumimoji="1" lang="ja-JP" altLang="en-US"/>
           </a:p>
@@ -955,7 +1612,7 @@
           <a:p>
             <a:fld id="{DE38A0FA-1066-4405-A9B4-B20FDCFA17CE}" type="datetimeFigureOut">
               <a:rPr kumimoji="1" lang="ja-JP" altLang="en-US" smtClean="0"/>
-              <a:t>2020/10/24</a:t>
+              <a:t>2020/10/27</a:t>
             </a:fld>
             <a:endParaRPr kumimoji="1" lang="ja-JP" altLang="en-US"/>
           </a:p>
@@ -1230,7 +1887,7 @@
           <a:p>
             <a:fld id="{DE38A0FA-1066-4405-A9B4-B20FDCFA17CE}" type="datetimeFigureOut">
               <a:rPr kumimoji="1" lang="ja-JP" altLang="en-US" smtClean="0"/>
-              <a:t>2020/10/24</a:t>
+              <a:t>2020/10/27</a:t>
             </a:fld>
             <a:endParaRPr kumimoji="1" lang="ja-JP" altLang="en-US"/>
           </a:p>
@@ -1559,7 +2216,7 @@
           <a:p>
             <a:fld id="{DE38A0FA-1066-4405-A9B4-B20FDCFA17CE}" type="datetimeFigureOut">
               <a:rPr kumimoji="1" lang="ja-JP" altLang="en-US" smtClean="0"/>
-              <a:t>2020/10/24</a:t>
+              <a:t>2020/10/27</a:t>
             </a:fld>
             <a:endParaRPr kumimoji="1" lang="ja-JP" altLang="en-US"/>
           </a:p>
@@ -2035,7 +2692,7 @@
           <a:p>
             <a:fld id="{DE38A0FA-1066-4405-A9B4-B20FDCFA17CE}" type="datetimeFigureOut">
               <a:rPr kumimoji="1" lang="ja-JP" altLang="en-US" smtClean="0"/>
-              <a:t>2020/10/24</a:t>
+              <a:t>2020/10/27</a:t>
             </a:fld>
             <a:endParaRPr kumimoji="1" lang="ja-JP" altLang="en-US"/>
           </a:p>
@@ -2176,7 +2833,7 @@
           <a:p>
             <a:fld id="{DE38A0FA-1066-4405-A9B4-B20FDCFA17CE}" type="datetimeFigureOut">
               <a:rPr kumimoji="1" lang="ja-JP" altLang="en-US" smtClean="0"/>
-              <a:t>2020/10/24</a:t>
+              <a:t>2020/10/27</a:t>
             </a:fld>
             <a:endParaRPr kumimoji="1" lang="ja-JP" altLang="en-US"/>
           </a:p>
@@ -2289,7 +2946,7 @@
           <a:p>
             <a:fld id="{DE38A0FA-1066-4405-A9B4-B20FDCFA17CE}" type="datetimeFigureOut">
               <a:rPr kumimoji="1" lang="ja-JP" altLang="en-US" smtClean="0"/>
-              <a:t>2020/10/24</a:t>
+              <a:t>2020/10/27</a:t>
             </a:fld>
             <a:endParaRPr kumimoji="1" lang="ja-JP" altLang="en-US"/>
           </a:p>
@@ -2632,7 +3289,7 @@
           <a:p>
             <a:fld id="{DE38A0FA-1066-4405-A9B4-B20FDCFA17CE}" type="datetimeFigureOut">
               <a:rPr kumimoji="1" lang="ja-JP" altLang="en-US" smtClean="0"/>
-              <a:t>2020/10/24</a:t>
+              <a:t>2020/10/27</a:t>
             </a:fld>
             <a:endParaRPr kumimoji="1" lang="ja-JP" altLang="en-US"/>
           </a:p>
@@ -2920,7 +3577,7 @@
           <a:p>
             <a:fld id="{DE38A0FA-1066-4405-A9B4-B20FDCFA17CE}" type="datetimeFigureOut">
               <a:rPr kumimoji="1" lang="ja-JP" altLang="en-US" smtClean="0"/>
-              <a:t>2020/10/24</a:t>
+              <a:t>2020/10/27</a:t>
             </a:fld>
             <a:endParaRPr kumimoji="1" lang="ja-JP" altLang="en-US"/>
           </a:p>
@@ -3193,7 +3850,7 @@
           <a:p>
             <a:fld id="{DE38A0FA-1066-4405-A9B4-B20FDCFA17CE}" type="datetimeFigureOut">
               <a:rPr kumimoji="1" lang="ja-JP" altLang="en-US" smtClean="0"/>
-              <a:t>2020/10/24</a:t>
+              <a:t>2020/10/27</a:t>
             </a:fld>
             <a:endParaRPr kumimoji="1" lang="ja-JP" altLang="en-US"/>
           </a:p>
@@ -3714,73 +4371,113 @@
             <p:ph type="title"/>
           </p:nvPr>
         </p:nvSpPr>
-        <p:spPr/>
-        <p:txBody>
-          <a:bodyPr/>
-          <a:lstStyle/>
-          <a:p>
-            <a:r>
-              <a:rPr kumimoji="1" lang="ja-JP" altLang="en-US" dirty="0"/>
-              <a:t>コンペ概要</a:t>
-            </a:r>
-          </a:p>
-        </p:txBody>
-      </p:sp>
-      <p:sp>
-        <p:nvSpPr>
-          <p:cNvPr id="3" name="コンテンツ プレースホルダー 2">
-            <a:extLst>
-              <a:ext uri="{FF2B5EF4-FFF2-40B4-BE49-F238E27FC236}">
-                <a16:creationId xmlns:a16="http://schemas.microsoft.com/office/drawing/2014/main" id="{7EF4750E-39A8-42FE-AEAA-01E439CBA84B}"/>
-              </a:ext>
-            </a:extLst>
-          </p:cNvPr>
-          <p:cNvSpPr>
-            <a:spLocks noGrp="1"/>
-          </p:cNvSpPr>
-          <p:nvPr>
-            <p:ph idx="1"/>
-          </p:nvPr>
-        </p:nvSpPr>
         <p:spPr>
           <a:xfrm>
-            <a:off x="261257" y="1825625"/>
-            <a:ext cx="11092543" cy="4351338"/>
+            <a:off x="261257" y="84914"/>
+            <a:ext cx="11092543" cy="888488"/>
           </a:xfrm>
         </p:spPr>
         <p:txBody>
-          <a:bodyPr/>
+          <a:bodyPr>
+            <a:normAutofit/>
+          </a:bodyPr>
           <a:lstStyle/>
           <a:p>
             <a:r>
+              <a:rPr kumimoji="1" lang="ja-JP" altLang="en-US" sz="3600" dirty="0"/>
+              <a:t>コンペ概要</a:t>
+            </a:r>
+          </a:p>
+        </p:txBody>
+      </p:sp>
+      <p:sp>
+        <p:nvSpPr>
+          <p:cNvPr id="3" name="コンテンツ プレースホルダー 2">
+            <a:extLst>
+              <a:ext uri="{FF2B5EF4-FFF2-40B4-BE49-F238E27FC236}">
+                <a16:creationId xmlns:a16="http://schemas.microsoft.com/office/drawing/2014/main" id="{7EF4750E-39A8-42FE-AEAA-01E439CBA84B}"/>
+              </a:ext>
+            </a:extLst>
+          </p:cNvPr>
+          <p:cNvSpPr>
+            <a:spLocks noGrp="1"/>
+          </p:cNvSpPr>
+          <p:nvPr>
+            <p:ph idx="1"/>
+          </p:nvPr>
+        </p:nvSpPr>
+        <p:spPr>
+          <a:xfrm>
+            <a:off x="261257" y="1120877"/>
+            <a:ext cx="11092543" cy="5574890"/>
+          </a:xfrm>
+        </p:spPr>
+        <p:txBody>
+          <a:bodyPr>
+            <a:normAutofit fontScale="92500" lnSpcReduction="20000"/>
+          </a:bodyPr>
+          <a:lstStyle/>
+          <a:p>
+            <a:pPr>
+              <a:lnSpc>
+                <a:spcPct val="110000"/>
+              </a:lnSpc>
+            </a:pPr>
+            <a:r>
+              <a:rPr lang="ja-JP" altLang="en-US" b="0" i="0" dirty="0">
+                <a:effectLst/>
+                <a:latin typeface="Inter"/>
+              </a:rPr>
+              <a:t>遺伝子発現値や細胞生存率から</a:t>
+            </a:r>
+            <a:r>
+              <a:rPr kumimoji="1" lang="ja-JP" altLang="en-US" b="1" dirty="0"/>
+              <a:t>薬の作用機序</a:t>
+            </a:r>
+            <a:r>
+              <a:rPr kumimoji="1" lang="en-US" altLang="ja-JP" b="1" dirty="0"/>
+              <a:t>(</a:t>
+            </a:r>
+            <a:r>
+              <a:rPr kumimoji="1" lang="en-US" altLang="ja-JP" b="1" dirty="0" err="1"/>
+              <a:t>MoA</a:t>
+            </a:r>
+            <a:r>
+              <a:rPr kumimoji="1" lang="en-US" altLang="ja-JP" b="1" dirty="0"/>
+              <a:t>)</a:t>
+            </a:r>
+            <a:r>
+              <a:rPr kumimoji="1" lang="ja-JP" altLang="en-US" b="1" dirty="0"/>
+              <a:t>の</a:t>
+            </a:r>
+            <a:r>
+              <a:rPr lang="ja-JP" altLang="en-US" b="1" i="0" dirty="0">
+                <a:effectLst/>
+                <a:latin typeface="Inter"/>
+              </a:rPr>
+              <a:t>応答</a:t>
+            </a:r>
+            <a:r>
+              <a:rPr kumimoji="1" lang="ja-JP" altLang="en-US" b="1" dirty="0"/>
+              <a:t>を予測</a:t>
+            </a:r>
+            <a:r>
               <a:rPr kumimoji="1" lang="ja-JP" altLang="en-US" dirty="0"/>
-              <a:t>薬物の作用機序</a:t>
-            </a:r>
-            <a:r>
-              <a:rPr kumimoji="1" lang="en-US" altLang="ja-JP" dirty="0"/>
-              <a:t>(</a:t>
-            </a:r>
+              <a:t>する</a:t>
+            </a:r>
+            <a:endParaRPr kumimoji="1" lang="en-US" altLang="ja-JP" dirty="0"/>
+          </a:p>
+          <a:p>
+            <a:pPr lvl="1">
+              <a:lnSpc>
+                <a:spcPct val="110000"/>
+              </a:lnSpc>
+            </a:pPr>
             <a:r>
               <a:rPr kumimoji="1" lang="en-US" altLang="ja-JP" dirty="0" err="1"/>
               <a:t>MoA</a:t>
             </a:r>
             <a:r>
-              <a:rPr kumimoji="1" lang="en-US" altLang="ja-JP" dirty="0"/>
-              <a:t>)</a:t>
-            </a:r>
-            <a:r>
-              <a:rPr kumimoji="1" lang="ja-JP" altLang="en-US" dirty="0"/>
-              <a:t>を予測する</a:t>
-            </a:r>
-            <a:endParaRPr kumimoji="1" lang="en-US" altLang="ja-JP" dirty="0"/>
-          </a:p>
-          <a:p>
-            <a:pPr lvl="1"/>
-            <a:r>
-              <a:rPr kumimoji="1" lang="en-US" altLang="ja-JP" dirty="0" err="1"/>
-              <a:t>MoA</a:t>
-            </a:r>
-            <a:r>
               <a:rPr lang="en-US" altLang="ja-JP" dirty="0"/>
               <a:t>(</a:t>
             </a:r>
@@ -3790,12 +4487,16 @@
             </a:r>
             <a:r>
               <a:rPr kumimoji="1" lang="ja-JP" altLang="en-US" dirty="0"/>
-              <a:t>お薬が病気のタンパク質に作用する化学反応の流れ</a:t>
+              <a:t>薬が病気のタンパク質などに作用する化学反応の流れ</a:t>
             </a:r>
             <a:endParaRPr kumimoji="1" lang="en-US" altLang="ja-JP" dirty="0"/>
           </a:p>
           <a:p>
-            <a:pPr lvl="2"/>
+            <a:pPr lvl="2">
+              <a:lnSpc>
+                <a:spcPct val="110000"/>
+              </a:lnSpc>
+            </a:pPr>
             <a:r>
               <a:rPr kumimoji="1" lang="ja-JP" altLang="en-US" dirty="0"/>
               <a:t>例</a:t>
@@ -3923,14 +4624,18 @@
             </a:endParaRPr>
           </a:p>
           <a:p>
-            <a:pPr lvl="2"/>
-            <a:r>
-              <a:rPr kumimoji="1" lang="en-US" altLang="ja-JP">
+            <a:pPr lvl="2">
+              <a:lnSpc>
+                <a:spcPct val="110000"/>
+              </a:lnSpc>
+            </a:pPr>
+            <a:r>
+              <a:rPr kumimoji="1" lang="en-US" altLang="ja-JP" dirty="0">
                 <a:hlinkClick r:id="rId2"/>
               </a:rPr>
               <a:t>https://www.opdivo.jp/basic-info/action/</a:t>
             </a:r>
-            <a:endParaRPr kumimoji="1" lang="en-US" altLang="ja-JP">
+            <a:endParaRPr kumimoji="1" lang="en-US" altLang="ja-JP" dirty="0">
               <a:solidFill>
                 <a:srgbClr val="333333"/>
               </a:solidFill>
@@ -3938,10 +4643,19 @@
             </a:endParaRPr>
           </a:p>
           <a:p>
-            <a:pPr lvl="2"/>
+            <a:pPr lvl="2">
+              <a:lnSpc>
+                <a:spcPct val="110000"/>
+              </a:lnSpc>
+            </a:pPr>
             <a:endParaRPr kumimoji="1" lang="en-US" altLang="ja-JP" dirty="0"/>
           </a:p>
           <a:p>
+            <a:pPr>
+              <a:lnSpc>
+                <a:spcPct val="110000"/>
+              </a:lnSpc>
+            </a:pPr>
             <a:r>
               <a:rPr lang="ja-JP" altLang="en-US" dirty="0"/>
               <a:t>テーブルコンペ</a:t>
@@ -3949,9 +4663,95 @@
             <a:endParaRPr lang="en-US" altLang="ja-JP" dirty="0"/>
           </a:p>
           <a:p>
+            <a:pPr lvl="1">
+              <a:lnSpc>
+                <a:spcPct val="110000"/>
+              </a:lnSpc>
+            </a:pPr>
+            <a:r>
+              <a:rPr lang="en-US" altLang="ja-JP" dirty="0"/>
+              <a:t>train data: 23,814</a:t>
+            </a:r>
+            <a:r>
+              <a:rPr lang="ja-JP" altLang="en-US" dirty="0"/>
+              <a:t>行、</a:t>
+            </a:r>
+            <a:r>
+              <a:rPr lang="en-US" altLang="ja-JP" dirty="0"/>
+              <a:t>public test data: 3,982</a:t>
+            </a:r>
+            <a:r>
+              <a:rPr lang="ja-JP" altLang="en-US" dirty="0"/>
+              <a:t>行</a:t>
+            </a:r>
             <a:endParaRPr lang="en-US" altLang="ja-JP" dirty="0"/>
           </a:p>
           <a:p>
+            <a:pPr lvl="1">
+              <a:lnSpc>
+                <a:spcPct val="110000"/>
+              </a:lnSpc>
+            </a:pPr>
+            <a:r>
+              <a:rPr lang="en-US" altLang="ja-JP" dirty="0"/>
+              <a:t>private test data</a:t>
+            </a:r>
+            <a:r>
+              <a:rPr lang="ja-JP" altLang="en-US" dirty="0"/>
+              <a:t>は</a:t>
+            </a:r>
+            <a:r>
+              <a:rPr lang="en-US" altLang="ja-JP" dirty="0"/>
+              <a:t>public</a:t>
+            </a:r>
+            <a:r>
+              <a:rPr lang="ja-JP" altLang="en-US" dirty="0"/>
+              <a:t>の</a:t>
+            </a:r>
+            <a:r>
+              <a:rPr lang="en-US" altLang="ja-JP" dirty="0"/>
+              <a:t>4</a:t>
+            </a:r>
+            <a:r>
+              <a:rPr lang="ja-JP" altLang="en-US" dirty="0"/>
+              <a:t>倍</a:t>
+            </a:r>
+            <a:endParaRPr lang="en-US" altLang="ja-JP" dirty="0"/>
+          </a:p>
+          <a:p>
+            <a:pPr lvl="2">
+              <a:lnSpc>
+                <a:spcPct val="110000"/>
+              </a:lnSpc>
+            </a:pPr>
+            <a:r>
+              <a:rPr lang="ja-JP" altLang="en-US" dirty="0"/>
+              <a:t>コンペ終了後</a:t>
+            </a:r>
+            <a:r>
+              <a:rPr lang="en-US" altLang="ja-JP" dirty="0"/>
+              <a:t>private test set</a:t>
+            </a:r>
+            <a:r>
+              <a:rPr lang="ja-JP" altLang="en-US" dirty="0"/>
+              <a:t>追加されて順位決まる</a:t>
+            </a:r>
+            <a:endParaRPr lang="en-US" altLang="ja-JP" dirty="0"/>
+          </a:p>
+          <a:p>
+            <a:pPr>
+              <a:lnSpc>
+                <a:spcPct val="110000"/>
+              </a:lnSpc>
+            </a:pPr>
+            <a:endParaRPr lang="en-US" altLang="ja-JP" dirty="0"/>
+          </a:p>
+          <a:p>
+            <a:pPr>
+              <a:lnSpc>
+                <a:spcPct val="110000"/>
+              </a:lnSpc>
+            </a:pPr>
             <a:r>
               <a:rPr kumimoji="1" lang="ja-JP" altLang="en-US" dirty="0"/>
               <a:t>マルチラベル分類問題</a:t>
@@ -3960,10 +4760,1959 @@
           </a:p>
         </p:txBody>
       </p:sp>
+      <p:pic>
+        <p:nvPicPr>
+          <p:cNvPr id="5" name="図 4">
+            <a:extLst>
+              <a:ext uri="{FF2B5EF4-FFF2-40B4-BE49-F238E27FC236}">
+                <a16:creationId xmlns:a16="http://schemas.microsoft.com/office/drawing/2014/main" id="{2F06C12E-349E-48FF-9E82-AD355221E0A4}"/>
+              </a:ext>
+            </a:extLst>
+          </p:cNvPr>
+          <p:cNvPicPr>
+            <a:picLocks noChangeAspect="1"/>
+          </p:cNvPicPr>
+          <p:nvPr/>
+        </p:nvPicPr>
+        <p:blipFill>
+          <a:blip r:embed="rId3"/>
+          <a:stretch>
+            <a:fillRect/>
+          </a:stretch>
+        </p:blipFill>
+        <p:spPr>
+          <a:xfrm>
+            <a:off x="7730009" y="84914"/>
+            <a:ext cx="4200734" cy="888488"/>
+          </a:xfrm>
+          <a:prstGeom prst="rect">
+            <a:avLst/>
+          </a:prstGeom>
+        </p:spPr>
+      </p:pic>
     </p:spTree>
     <p:extLst>
       <p:ext uri="{BB962C8B-B14F-4D97-AF65-F5344CB8AC3E}">
         <p14:creationId xmlns:p14="http://schemas.microsoft.com/office/powerpoint/2010/main" val="3214326211"/>
+      </p:ext>
+    </p:extLst>
+  </p:cSld>
+  <p:clrMapOvr>
+    <a:masterClrMapping/>
+  </p:clrMapOvr>
+</p:sld>
+</file>
+
+<file path=ppt/slides/slide3.xml><?xml version="1.0" encoding="utf-8"?>
+<p:sld xmlns:a="http://schemas.openxmlformats.org/drawingml/2006/main" xmlns:r="http://schemas.openxmlformats.org/officeDocument/2006/relationships" xmlns:p="http://schemas.openxmlformats.org/presentationml/2006/main">
+  <p:cSld>
+    <p:spTree>
+      <p:nvGrpSpPr>
+        <p:cNvPr id="1" name=""/>
+        <p:cNvGrpSpPr/>
+        <p:nvPr/>
+      </p:nvGrpSpPr>
+      <p:grpSpPr>
+        <a:xfrm>
+          <a:off x="0" y="0"/>
+          <a:ext cx="0" cy="0"/>
+          <a:chOff x="0" y="0"/>
+          <a:chExt cx="0" cy="0"/>
+        </a:xfrm>
+      </p:grpSpPr>
+      <p:sp>
+        <p:nvSpPr>
+          <p:cNvPr id="2" name="タイトル 1">
+            <a:extLst>
+              <a:ext uri="{FF2B5EF4-FFF2-40B4-BE49-F238E27FC236}">
+                <a16:creationId xmlns:a16="http://schemas.microsoft.com/office/drawing/2014/main" id="{E89653CF-AF58-423B-AF9D-BB441894D76B}"/>
+              </a:ext>
+            </a:extLst>
+          </p:cNvPr>
+          <p:cNvSpPr>
+            <a:spLocks noGrp="1"/>
+          </p:cNvSpPr>
+          <p:nvPr>
+            <p:ph type="title"/>
+          </p:nvPr>
+        </p:nvSpPr>
+        <p:spPr>
+          <a:xfrm>
+            <a:off x="261257" y="84914"/>
+            <a:ext cx="11092543" cy="888488"/>
+          </a:xfrm>
+        </p:spPr>
+        <p:txBody>
+          <a:bodyPr>
+            <a:normAutofit/>
+          </a:bodyPr>
+          <a:lstStyle/>
+          <a:p>
+            <a:r>
+              <a:rPr kumimoji="1" lang="ja-JP" altLang="en-US" sz="3600"/>
+              <a:t>データファイル</a:t>
+            </a:r>
+            <a:endParaRPr kumimoji="1" lang="ja-JP" altLang="en-US" sz="3600" dirty="0"/>
+          </a:p>
+        </p:txBody>
+      </p:sp>
+      <p:sp>
+        <p:nvSpPr>
+          <p:cNvPr id="3" name="コンテンツ プレースホルダー 2">
+            <a:extLst>
+              <a:ext uri="{FF2B5EF4-FFF2-40B4-BE49-F238E27FC236}">
+                <a16:creationId xmlns:a16="http://schemas.microsoft.com/office/drawing/2014/main" id="{7EF4750E-39A8-42FE-AEAA-01E439CBA84B}"/>
+              </a:ext>
+            </a:extLst>
+          </p:cNvPr>
+          <p:cNvSpPr>
+            <a:spLocks noGrp="1"/>
+          </p:cNvSpPr>
+          <p:nvPr>
+            <p:ph idx="1"/>
+          </p:nvPr>
+        </p:nvSpPr>
+        <p:spPr>
+          <a:xfrm>
+            <a:off x="261257" y="1120877"/>
+            <a:ext cx="11092543" cy="545692"/>
+          </a:xfrm>
+        </p:spPr>
+        <p:txBody>
+          <a:bodyPr>
+            <a:normAutofit/>
+          </a:bodyPr>
+          <a:lstStyle/>
+          <a:p>
+            <a:pPr>
+              <a:lnSpc>
+                <a:spcPct val="110000"/>
+              </a:lnSpc>
+            </a:pPr>
+            <a:r>
+              <a:rPr kumimoji="1" lang="en-US" altLang="ja-JP" dirty="0"/>
+              <a:t>5</a:t>
+            </a:r>
+            <a:r>
+              <a:rPr kumimoji="1" lang="ja-JP" altLang="en-US" dirty="0"/>
+              <a:t>ファイル</a:t>
+            </a:r>
+            <a:endParaRPr kumimoji="1" lang="en-US" altLang="ja-JP" dirty="0"/>
+          </a:p>
+        </p:txBody>
+      </p:sp>
+      <p:graphicFrame>
+        <p:nvGraphicFramePr>
+          <p:cNvPr id="4" name="表 3">
+            <a:extLst>
+              <a:ext uri="{FF2B5EF4-FFF2-40B4-BE49-F238E27FC236}">
+                <a16:creationId xmlns:a16="http://schemas.microsoft.com/office/drawing/2014/main" id="{9562D010-C0AC-4F80-B363-CC13DB8079E9}"/>
+              </a:ext>
+            </a:extLst>
+          </p:cNvPr>
+          <p:cNvGraphicFramePr>
+            <a:graphicFrameLocks noGrp="1"/>
+          </p:cNvGraphicFramePr>
+          <p:nvPr>
+            <p:extLst>
+              <p:ext uri="{D42A27DB-BD31-4B8C-83A1-F6EECF244321}">
+                <p14:modId xmlns:p14="http://schemas.microsoft.com/office/powerpoint/2010/main" val="3874302246"/>
+              </p:ext>
+            </p:extLst>
+          </p:nvPr>
+        </p:nvGraphicFramePr>
+        <p:xfrm>
+          <a:off x="549058" y="1814043"/>
+          <a:ext cx="11097350" cy="4704744"/>
+        </p:xfrm>
+        <a:graphic>
+          <a:graphicData uri="http://schemas.openxmlformats.org/drawingml/2006/table">
+            <a:tbl>
+              <a:tblPr firstRow="1" bandRow="1">
+                <a:tableStyleId>{5C22544A-7EE6-4342-B048-85BDC9FD1C3A}</a:tableStyleId>
+              </a:tblPr>
+              <a:tblGrid>
+                <a:gridCol w="585311">
+                  <a:extLst>
+                    <a:ext uri="{9D8B030D-6E8A-4147-A177-3AD203B41FA5}">
+                      <a16:colId xmlns:a16="http://schemas.microsoft.com/office/drawing/2014/main" val="684499159"/>
+                    </a:ext>
+                  </a:extLst>
+                </a:gridCol>
+                <a:gridCol w="5364746">
+                  <a:extLst>
+                    <a:ext uri="{9D8B030D-6E8A-4147-A177-3AD203B41FA5}">
+                      <a16:colId xmlns:a16="http://schemas.microsoft.com/office/drawing/2014/main" val="588426709"/>
+                    </a:ext>
+                  </a:extLst>
+                </a:gridCol>
+                <a:gridCol w="5147293">
+                  <a:extLst>
+                    <a:ext uri="{9D8B030D-6E8A-4147-A177-3AD203B41FA5}">
+                      <a16:colId xmlns:a16="http://schemas.microsoft.com/office/drawing/2014/main" val="1216879330"/>
+                    </a:ext>
+                  </a:extLst>
+                </a:gridCol>
+              </a:tblGrid>
+              <a:tr h="784124">
+                <a:tc>
+                  <a:txBody>
+                    <a:bodyPr/>
+                    <a:lstStyle/>
+                    <a:p>
+                      <a:pPr algn="l" fontAlgn="ctr"/>
+                      <a:r>
+                        <a:rPr lang="en-US" altLang="ja-JP" sz="3100" u="none" strike="noStrike">
+                          <a:effectLst/>
+                        </a:rPr>
+                        <a:t>#</a:t>
+                      </a:r>
+                      <a:endParaRPr lang="en-US" altLang="ja-JP" sz="3100" b="0" i="0" u="none" strike="noStrike">
+                        <a:solidFill>
+                          <a:srgbClr val="000000"/>
+                        </a:solidFill>
+                        <a:effectLst/>
+                        <a:latin typeface="游ゴシック" panose="020B0400000000000000" pitchFamily="50" charset="-128"/>
+                        <a:ea typeface="游ゴシック" panose="020B0400000000000000" pitchFamily="50" charset="-128"/>
+                      </a:endParaRPr>
+                    </a:p>
+                  </a:txBody>
+                  <a:tcPr marL="27182" marR="27182" marT="27182" marB="0" anchor="ctr"/>
+                </a:tc>
+                <a:tc>
+                  <a:txBody>
+                    <a:bodyPr/>
+                    <a:lstStyle/>
+                    <a:p>
+                      <a:pPr algn="l" fontAlgn="ctr"/>
+                      <a:r>
+                        <a:rPr lang="ja-JP" altLang="en-US" sz="3100" u="none" strike="noStrike" dirty="0">
+                          <a:effectLst/>
+                        </a:rPr>
+                        <a:t>ファイル名</a:t>
+                      </a:r>
+                      <a:endParaRPr lang="ja-JP" altLang="en-US" sz="3100" b="0" i="0" u="none" strike="noStrike" dirty="0">
+                        <a:solidFill>
+                          <a:srgbClr val="000000"/>
+                        </a:solidFill>
+                        <a:effectLst/>
+                        <a:latin typeface="游ゴシック" panose="020B0400000000000000" pitchFamily="50" charset="-128"/>
+                        <a:ea typeface="游ゴシック" panose="020B0400000000000000" pitchFamily="50" charset="-128"/>
+                      </a:endParaRPr>
+                    </a:p>
+                  </a:txBody>
+                  <a:tcPr marL="27182" marR="27182" marT="27182" marB="0" anchor="ctr"/>
+                </a:tc>
+                <a:tc>
+                  <a:txBody>
+                    <a:bodyPr/>
+                    <a:lstStyle/>
+                    <a:p>
+                      <a:pPr algn="l" fontAlgn="ctr"/>
+                      <a:r>
+                        <a:rPr lang="ja-JP" altLang="en-US" sz="3100" u="none" strike="noStrike">
+                          <a:effectLst/>
+                        </a:rPr>
+                        <a:t>説明</a:t>
+                      </a:r>
+                      <a:endParaRPr lang="ja-JP" altLang="en-US" sz="3100" b="0" i="0" u="none" strike="noStrike">
+                        <a:solidFill>
+                          <a:srgbClr val="000000"/>
+                        </a:solidFill>
+                        <a:effectLst/>
+                        <a:latin typeface="游ゴシック" panose="020B0400000000000000" pitchFamily="50" charset="-128"/>
+                        <a:ea typeface="游ゴシック" panose="020B0400000000000000" pitchFamily="50" charset="-128"/>
+                      </a:endParaRPr>
+                    </a:p>
+                  </a:txBody>
+                  <a:tcPr marL="27182" marR="27182" marT="27182" marB="0" anchor="ctr"/>
+                </a:tc>
+                <a:extLst>
+                  <a:ext uri="{0D108BD9-81ED-4DB2-BD59-A6C34878D82A}">
+                    <a16:rowId xmlns:a16="http://schemas.microsoft.com/office/drawing/2014/main" val="816621376"/>
+                  </a:ext>
+                </a:extLst>
+              </a:tr>
+              <a:tr h="784124">
+                <a:tc>
+                  <a:txBody>
+                    <a:bodyPr/>
+                    <a:lstStyle/>
+                    <a:p>
+                      <a:pPr algn="r" fontAlgn="ctr"/>
+                      <a:r>
+                        <a:rPr lang="en-US" altLang="ja-JP" sz="3100" u="none" strike="noStrike">
+                          <a:effectLst/>
+                        </a:rPr>
+                        <a:t>1</a:t>
+                      </a:r>
+                      <a:endParaRPr lang="en-US" altLang="ja-JP" sz="3100" b="0" i="0" u="none" strike="noStrike">
+                        <a:solidFill>
+                          <a:srgbClr val="000000"/>
+                        </a:solidFill>
+                        <a:effectLst/>
+                        <a:latin typeface="游ゴシック" panose="020B0400000000000000" pitchFamily="50" charset="-128"/>
+                        <a:ea typeface="游ゴシック" panose="020B0400000000000000" pitchFamily="50" charset="-128"/>
+                      </a:endParaRPr>
+                    </a:p>
+                  </a:txBody>
+                  <a:tcPr marL="27182" marR="27182" marT="27182" marB="0" anchor="ctr"/>
+                </a:tc>
+                <a:tc>
+                  <a:txBody>
+                    <a:bodyPr/>
+                    <a:lstStyle/>
+                    <a:p>
+                      <a:pPr algn="l" fontAlgn="ctr"/>
+                      <a:r>
+                        <a:rPr lang="en-US" sz="3100" u="none" strike="noStrike" dirty="0">
+                          <a:effectLst/>
+                        </a:rPr>
+                        <a:t>train_features.csv</a:t>
+                      </a:r>
+                      <a:endParaRPr lang="en-US" sz="3100" b="0" i="0" u="none" strike="noStrike" dirty="0">
+                        <a:solidFill>
+                          <a:srgbClr val="000000"/>
+                        </a:solidFill>
+                        <a:effectLst/>
+                        <a:latin typeface="游ゴシック" panose="020B0400000000000000" pitchFamily="50" charset="-128"/>
+                        <a:ea typeface="游ゴシック" panose="020B0400000000000000" pitchFamily="50" charset="-128"/>
+                      </a:endParaRPr>
+                    </a:p>
+                  </a:txBody>
+                  <a:tcPr marL="27182" marR="27182" marT="27182" marB="0" anchor="ctr"/>
+                </a:tc>
+                <a:tc>
+                  <a:txBody>
+                    <a:bodyPr/>
+                    <a:lstStyle/>
+                    <a:p>
+                      <a:pPr algn="l" fontAlgn="ctr"/>
+                      <a:r>
+                        <a:rPr lang="en-US" sz="3100" u="none" strike="noStrike">
+                          <a:effectLst/>
+                        </a:rPr>
+                        <a:t>train data</a:t>
+                      </a:r>
+                      <a:r>
+                        <a:rPr lang="ja-JP" altLang="en-US" sz="3100" u="none" strike="noStrike">
+                          <a:effectLst/>
+                        </a:rPr>
+                        <a:t>の特徴量</a:t>
+                      </a:r>
+                      <a:endParaRPr lang="ja-JP" altLang="en-US" sz="3100" b="0" i="0" u="none" strike="noStrike">
+                        <a:solidFill>
+                          <a:srgbClr val="000000"/>
+                        </a:solidFill>
+                        <a:effectLst/>
+                        <a:latin typeface="游ゴシック" panose="020B0400000000000000" pitchFamily="50" charset="-128"/>
+                        <a:ea typeface="游ゴシック" panose="020B0400000000000000" pitchFamily="50" charset="-128"/>
+                      </a:endParaRPr>
+                    </a:p>
+                  </a:txBody>
+                  <a:tcPr marL="27182" marR="27182" marT="27182" marB="0" anchor="ctr"/>
+                </a:tc>
+                <a:extLst>
+                  <a:ext uri="{0D108BD9-81ED-4DB2-BD59-A6C34878D82A}">
+                    <a16:rowId xmlns:a16="http://schemas.microsoft.com/office/drawing/2014/main" val="2680652053"/>
+                  </a:ext>
+                </a:extLst>
+              </a:tr>
+              <a:tr h="784124">
+                <a:tc>
+                  <a:txBody>
+                    <a:bodyPr/>
+                    <a:lstStyle/>
+                    <a:p>
+                      <a:pPr algn="r" fontAlgn="ctr"/>
+                      <a:r>
+                        <a:rPr lang="en-US" altLang="ja-JP" sz="3100" u="none" strike="noStrike">
+                          <a:effectLst/>
+                        </a:rPr>
+                        <a:t>2</a:t>
+                      </a:r>
+                      <a:endParaRPr lang="en-US" altLang="ja-JP" sz="3100" b="0" i="0" u="none" strike="noStrike">
+                        <a:solidFill>
+                          <a:srgbClr val="000000"/>
+                        </a:solidFill>
+                        <a:effectLst/>
+                        <a:latin typeface="游ゴシック" panose="020B0400000000000000" pitchFamily="50" charset="-128"/>
+                        <a:ea typeface="游ゴシック" panose="020B0400000000000000" pitchFamily="50" charset="-128"/>
+                      </a:endParaRPr>
+                    </a:p>
+                  </a:txBody>
+                  <a:tcPr marL="27182" marR="27182" marT="27182" marB="0" anchor="ctr"/>
+                </a:tc>
+                <a:tc>
+                  <a:txBody>
+                    <a:bodyPr/>
+                    <a:lstStyle/>
+                    <a:p>
+                      <a:pPr algn="l" fontAlgn="ctr"/>
+                      <a:r>
+                        <a:rPr lang="en-US" sz="3100" u="none" strike="noStrike" dirty="0">
+                          <a:effectLst/>
+                        </a:rPr>
+                        <a:t>test_features.csv</a:t>
+                      </a:r>
+                      <a:endParaRPr lang="en-US" sz="3100" b="0" i="0" u="none" strike="noStrike" dirty="0">
+                        <a:solidFill>
+                          <a:srgbClr val="000000"/>
+                        </a:solidFill>
+                        <a:effectLst/>
+                        <a:latin typeface="游ゴシック" panose="020B0400000000000000" pitchFamily="50" charset="-128"/>
+                        <a:ea typeface="游ゴシック" panose="020B0400000000000000" pitchFamily="50" charset="-128"/>
+                      </a:endParaRPr>
+                    </a:p>
+                  </a:txBody>
+                  <a:tcPr marL="27182" marR="27182" marT="27182" marB="0" anchor="ctr"/>
+                </a:tc>
+                <a:tc>
+                  <a:txBody>
+                    <a:bodyPr/>
+                    <a:lstStyle/>
+                    <a:p>
+                      <a:pPr algn="l" fontAlgn="ctr"/>
+                      <a:r>
+                        <a:rPr lang="en-US" sz="3100" u="none" strike="noStrike">
+                          <a:effectLst/>
+                        </a:rPr>
+                        <a:t>public test data</a:t>
+                      </a:r>
+                      <a:r>
+                        <a:rPr lang="ja-JP" altLang="en-US" sz="3100" u="none" strike="noStrike">
+                          <a:effectLst/>
+                        </a:rPr>
+                        <a:t>の特徴量</a:t>
+                      </a:r>
+                      <a:endParaRPr lang="ja-JP" altLang="en-US" sz="3100" b="0" i="0" u="none" strike="noStrike">
+                        <a:solidFill>
+                          <a:srgbClr val="000000"/>
+                        </a:solidFill>
+                        <a:effectLst/>
+                        <a:latin typeface="游ゴシック" panose="020B0400000000000000" pitchFamily="50" charset="-128"/>
+                        <a:ea typeface="游ゴシック" panose="020B0400000000000000" pitchFamily="50" charset="-128"/>
+                      </a:endParaRPr>
+                    </a:p>
+                  </a:txBody>
+                  <a:tcPr marL="27182" marR="27182" marT="27182" marB="0" anchor="ctr"/>
+                </a:tc>
+                <a:extLst>
+                  <a:ext uri="{0D108BD9-81ED-4DB2-BD59-A6C34878D82A}">
+                    <a16:rowId xmlns:a16="http://schemas.microsoft.com/office/drawing/2014/main" val="936794920"/>
+                  </a:ext>
+                </a:extLst>
+              </a:tr>
+              <a:tr h="784124">
+                <a:tc>
+                  <a:txBody>
+                    <a:bodyPr/>
+                    <a:lstStyle/>
+                    <a:p>
+                      <a:pPr algn="r" fontAlgn="ctr"/>
+                      <a:r>
+                        <a:rPr lang="en-US" altLang="ja-JP" sz="3100" u="none" strike="noStrike">
+                          <a:effectLst/>
+                        </a:rPr>
+                        <a:t>3</a:t>
+                      </a:r>
+                      <a:endParaRPr lang="en-US" altLang="ja-JP" sz="3100" b="0" i="0" u="none" strike="noStrike">
+                        <a:solidFill>
+                          <a:srgbClr val="000000"/>
+                        </a:solidFill>
+                        <a:effectLst/>
+                        <a:latin typeface="游ゴシック" panose="020B0400000000000000" pitchFamily="50" charset="-128"/>
+                        <a:ea typeface="游ゴシック" panose="020B0400000000000000" pitchFamily="50" charset="-128"/>
+                      </a:endParaRPr>
+                    </a:p>
+                  </a:txBody>
+                  <a:tcPr marL="27182" marR="27182" marT="27182" marB="0" anchor="ctr"/>
+                </a:tc>
+                <a:tc>
+                  <a:txBody>
+                    <a:bodyPr/>
+                    <a:lstStyle/>
+                    <a:p>
+                      <a:pPr algn="l" fontAlgn="ctr"/>
+                      <a:r>
+                        <a:rPr lang="en-US" sz="3100" u="none" strike="noStrike">
+                          <a:effectLst/>
+                        </a:rPr>
+                        <a:t>train_targets_scored.csv</a:t>
+                      </a:r>
+                      <a:endParaRPr lang="en-US" sz="3100" b="0" i="0" u="none" strike="noStrike">
+                        <a:solidFill>
+                          <a:srgbClr val="000000"/>
+                        </a:solidFill>
+                        <a:effectLst/>
+                        <a:latin typeface="游ゴシック" panose="020B0400000000000000" pitchFamily="50" charset="-128"/>
+                        <a:ea typeface="游ゴシック" panose="020B0400000000000000" pitchFamily="50" charset="-128"/>
+                      </a:endParaRPr>
+                    </a:p>
+                  </a:txBody>
+                  <a:tcPr marL="27182" marR="27182" marT="27182" marB="0" anchor="ctr"/>
+                </a:tc>
+                <a:tc>
+                  <a:txBody>
+                    <a:bodyPr/>
+                    <a:lstStyle/>
+                    <a:p>
+                      <a:pPr algn="l" fontAlgn="ctr"/>
+                      <a:r>
+                        <a:rPr lang="ja-JP" altLang="en-US" sz="3100" u="none" strike="noStrike">
+                          <a:effectLst/>
+                        </a:rPr>
+                        <a:t>ラベルデータ</a:t>
+                      </a:r>
+                      <a:endParaRPr lang="ja-JP" altLang="en-US" sz="3100" b="0" i="0" u="none" strike="noStrike">
+                        <a:solidFill>
+                          <a:srgbClr val="000000"/>
+                        </a:solidFill>
+                        <a:effectLst/>
+                        <a:latin typeface="游ゴシック" panose="020B0400000000000000" pitchFamily="50" charset="-128"/>
+                        <a:ea typeface="游ゴシック" panose="020B0400000000000000" pitchFamily="50" charset="-128"/>
+                      </a:endParaRPr>
+                    </a:p>
+                  </a:txBody>
+                  <a:tcPr marL="27182" marR="27182" marT="27182" marB="0" anchor="ctr"/>
+                </a:tc>
+                <a:extLst>
+                  <a:ext uri="{0D108BD9-81ED-4DB2-BD59-A6C34878D82A}">
+                    <a16:rowId xmlns:a16="http://schemas.microsoft.com/office/drawing/2014/main" val="25431531"/>
+                  </a:ext>
+                </a:extLst>
+              </a:tr>
+              <a:tr h="784124">
+                <a:tc>
+                  <a:txBody>
+                    <a:bodyPr/>
+                    <a:lstStyle/>
+                    <a:p>
+                      <a:pPr algn="r" fontAlgn="ctr"/>
+                      <a:r>
+                        <a:rPr lang="en-US" altLang="ja-JP" sz="3100" u="none" strike="noStrike" dirty="0">
+                          <a:effectLst/>
+                        </a:rPr>
+                        <a:t>4</a:t>
+                      </a:r>
+                      <a:endParaRPr lang="en-US" altLang="ja-JP" sz="3100" b="0" i="0" u="none" strike="noStrike" dirty="0">
+                        <a:solidFill>
+                          <a:srgbClr val="000000"/>
+                        </a:solidFill>
+                        <a:effectLst/>
+                        <a:latin typeface="游ゴシック" panose="020B0400000000000000" pitchFamily="50" charset="-128"/>
+                        <a:ea typeface="游ゴシック" panose="020B0400000000000000" pitchFamily="50" charset="-128"/>
+                      </a:endParaRPr>
+                    </a:p>
+                  </a:txBody>
+                  <a:tcPr marL="27182" marR="27182" marT="27182" marB="0" anchor="ctr">
+                    <a:solidFill>
+                      <a:schemeClr val="tx1">
+                        <a:lumMod val="50000"/>
+                        <a:lumOff val="50000"/>
+                      </a:schemeClr>
+                    </a:solidFill>
+                  </a:tcPr>
+                </a:tc>
+                <a:tc>
+                  <a:txBody>
+                    <a:bodyPr/>
+                    <a:lstStyle/>
+                    <a:p>
+                      <a:pPr algn="l" fontAlgn="ctr"/>
+                      <a:r>
+                        <a:rPr lang="en-US" sz="3100" u="none" strike="noStrike" dirty="0">
+                          <a:effectLst/>
+                        </a:rPr>
+                        <a:t>train_targets_nonscored.csv</a:t>
+                      </a:r>
+                      <a:endParaRPr lang="en-US" sz="3100" b="0" i="0" u="none" strike="noStrike" dirty="0">
+                        <a:solidFill>
+                          <a:srgbClr val="000000"/>
+                        </a:solidFill>
+                        <a:effectLst/>
+                        <a:latin typeface="游ゴシック" panose="020B0400000000000000" pitchFamily="50" charset="-128"/>
+                        <a:ea typeface="游ゴシック" panose="020B0400000000000000" pitchFamily="50" charset="-128"/>
+                      </a:endParaRPr>
+                    </a:p>
+                  </a:txBody>
+                  <a:tcPr marL="27182" marR="27182" marT="27182" marB="0" anchor="ctr">
+                    <a:solidFill>
+                      <a:schemeClr val="tx1">
+                        <a:lumMod val="50000"/>
+                        <a:lumOff val="50000"/>
+                      </a:schemeClr>
+                    </a:solidFill>
+                  </a:tcPr>
+                </a:tc>
+                <a:tc>
+                  <a:txBody>
+                    <a:bodyPr/>
+                    <a:lstStyle/>
+                    <a:p>
+                      <a:pPr algn="l" fontAlgn="ctr"/>
+                      <a:r>
+                        <a:rPr lang="ja-JP" altLang="en-US" sz="3100" u="none" strike="noStrike" dirty="0">
+                          <a:effectLst/>
+                        </a:rPr>
+                        <a:t>予測対象外のラベルデータ</a:t>
+                      </a:r>
+                      <a:endParaRPr lang="ja-JP" altLang="en-US" sz="3100" b="0" i="0" u="none" strike="noStrike" dirty="0">
+                        <a:solidFill>
+                          <a:srgbClr val="000000"/>
+                        </a:solidFill>
+                        <a:effectLst/>
+                        <a:latin typeface="游ゴシック" panose="020B0400000000000000" pitchFamily="50" charset="-128"/>
+                        <a:ea typeface="游ゴシック" panose="020B0400000000000000" pitchFamily="50" charset="-128"/>
+                      </a:endParaRPr>
+                    </a:p>
+                  </a:txBody>
+                  <a:tcPr marL="27182" marR="27182" marT="27182" marB="0" anchor="ctr">
+                    <a:solidFill>
+                      <a:schemeClr val="tx1">
+                        <a:lumMod val="50000"/>
+                        <a:lumOff val="50000"/>
+                      </a:schemeClr>
+                    </a:solidFill>
+                  </a:tcPr>
+                </a:tc>
+                <a:extLst>
+                  <a:ext uri="{0D108BD9-81ED-4DB2-BD59-A6C34878D82A}">
+                    <a16:rowId xmlns:a16="http://schemas.microsoft.com/office/drawing/2014/main" val="3471508928"/>
+                  </a:ext>
+                </a:extLst>
+              </a:tr>
+              <a:tr h="784124">
+                <a:tc>
+                  <a:txBody>
+                    <a:bodyPr/>
+                    <a:lstStyle/>
+                    <a:p>
+                      <a:pPr algn="r" fontAlgn="ctr"/>
+                      <a:r>
+                        <a:rPr lang="en-US" altLang="ja-JP" sz="3100" u="none" strike="noStrike">
+                          <a:effectLst/>
+                        </a:rPr>
+                        <a:t>5</a:t>
+                      </a:r>
+                      <a:endParaRPr lang="en-US" altLang="ja-JP" sz="3100" b="0" i="0" u="none" strike="noStrike">
+                        <a:solidFill>
+                          <a:srgbClr val="000000"/>
+                        </a:solidFill>
+                        <a:effectLst/>
+                        <a:latin typeface="游ゴシック" panose="020B0400000000000000" pitchFamily="50" charset="-128"/>
+                        <a:ea typeface="游ゴシック" panose="020B0400000000000000" pitchFamily="50" charset="-128"/>
+                      </a:endParaRPr>
+                    </a:p>
+                  </a:txBody>
+                  <a:tcPr marL="27182" marR="27182" marT="27182" marB="0" anchor="ctr"/>
+                </a:tc>
+                <a:tc>
+                  <a:txBody>
+                    <a:bodyPr/>
+                    <a:lstStyle/>
+                    <a:p>
+                      <a:pPr algn="l" fontAlgn="ctr"/>
+                      <a:r>
+                        <a:rPr lang="en-US" sz="3100" u="none" strike="noStrike">
+                          <a:effectLst/>
+                        </a:rPr>
+                        <a:t>sample_submission.csv</a:t>
+                      </a:r>
+                      <a:endParaRPr lang="en-US" sz="3100" b="0" i="0" u="none" strike="noStrike">
+                        <a:solidFill>
+                          <a:srgbClr val="000000"/>
+                        </a:solidFill>
+                        <a:effectLst/>
+                        <a:latin typeface="游ゴシック" panose="020B0400000000000000" pitchFamily="50" charset="-128"/>
+                        <a:ea typeface="游ゴシック" panose="020B0400000000000000" pitchFamily="50" charset="-128"/>
+                      </a:endParaRPr>
+                    </a:p>
+                  </a:txBody>
+                  <a:tcPr marL="27182" marR="27182" marT="27182" marB="0" anchor="ctr"/>
+                </a:tc>
+                <a:tc>
+                  <a:txBody>
+                    <a:bodyPr/>
+                    <a:lstStyle/>
+                    <a:p>
+                      <a:pPr algn="l" fontAlgn="ctr"/>
+                      <a:r>
+                        <a:rPr lang="ja-JP" altLang="en-US" sz="3100" u="none" strike="noStrike" dirty="0">
+                          <a:effectLst/>
+                        </a:rPr>
+                        <a:t>提出ファイルのサンプル</a:t>
+                      </a:r>
+                      <a:endParaRPr lang="ja-JP" altLang="en-US" sz="3100" b="0" i="0" u="none" strike="noStrike" dirty="0">
+                        <a:solidFill>
+                          <a:srgbClr val="000000"/>
+                        </a:solidFill>
+                        <a:effectLst/>
+                        <a:latin typeface="游ゴシック" panose="020B0400000000000000" pitchFamily="50" charset="-128"/>
+                        <a:ea typeface="游ゴシック" panose="020B0400000000000000" pitchFamily="50" charset="-128"/>
+                      </a:endParaRPr>
+                    </a:p>
+                  </a:txBody>
+                  <a:tcPr marL="27182" marR="27182" marT="27182" marB="0" anchor="ctr"/>
+                </a:tc>
+                <a:extLst>
+                  <a:ext uri="{0D108BD9-81ED-4DB2-BD59-A6C34878D82A}">
+                    <a16:rowId xmlns:a16="http://schemas.microsoft.com/office/drawing/2014/main" val="2816462121"/>
+                  </a:ext>
+                </a:extLst>
+              </a:tr>
+            </a:tbl>
+          </a:graphicData>
+        </a:graphic>
+      </p:graphicFrame>
+    </p:spTree>
+    <p:extLst>
+      <p:ext uri="{BB962C8B-B14F-4D97-AF65-F5344CB8AC3E}">
+        <p14:creationId xmlns:p14="http://schemas.microsoft.com/office/powerpoint/2010/main" val="3635966629"/>
+      </p:ext>
+    </p:extLst>
+  </p:cSld>
+  <p:clrMapOvr>
+    <a:masterClrMapping/>
+  </p:clrMapOvr>
+</p:sld>
+</file>
+
+<file path=ppt/slides/slide4.xml><?xml version="1.0" encoding="utf-8"?>
+<p:sld xmlns:a="http://schemas.openxmlformats.org/drawingml/2006/main" xmlns:r="http://schemas.openxmlformats.org/officeDocument/2006/relationships" xmlns:p="http://schemas.openxmlformats.org/presentationml/2006/main">
+  <p:cSld>
+    <p:spTree>
+      <p:nvGrpSpPr>
+        <p:cNvPr id="1" name=""/>
+        <p:cNvGrpSpPr/>
+        <p:nvPr/>
+      </p:nvGrpSpPr>
+      <p:grpSpPr>
+        <a:xfrm>
+          <a:off x="0" y="0"/>
+          <a:ext cx="0" cy="0"/>
+          <a:chOff x="0" y="0"/>
+          <a:chExt cx="0" cy="0"/>
+        </a:xfrm>
+      </p:grpSpPr>
+      <p:sp>
+        <p:nvSpPr>
+          <p:cNvPr id="2" name="タイトル 1">
+            <a:extLst>
+              <a:ext uri="{FF2B5EF4-FFF2-40B4-BE49-F238E27FC236}">
+                <a16:creationId xmlns:a16="http://schemas.microsoft.com/office/drawing/2014/main" id="{86DE422A-A957-46F4-B02F-7181E846007B}"/>
+              </a:ext>
+            </a:extLst>
+          </p:cNvPr>
+          <p:cNvSpPr>
+            <a:spLocks noGrp="1"/>
+          </p:cNvSpPr>
+          <p:nvPr>
+            <p:ph type="title"/>
+          </p:nvPr>
+        </p:nvSpPr>
+        <p:spPr>
+          <a:xfrm>
+            <a:off x="261257" y="158652"/>
+            <a:ext cx="11625943" cy="805564"/>
+          </a:xfrm>
+        </p:spPr>
+        <p:txBody>
+          <a:bodyPr>
+            <a:normAutofit/>
+          </a:bodyPr>
+          <a:lstStyle/>
+          <a:p>
+            <a:r>
+              <a:rPr kumimoji="1" lang="ja-JP" altLang="en-US" sz="3600"/>
+              <a:t>特徴量</a:t>
+            </a:r>
+            <a:r>
+              <a:rPr kumimoji="1" lang="en-US" altLang="ja-JP" sz="3600"/>
+              <a:t>:</a:t>
+            </a:r>
+            <a:r>
+              <a:rPr lang="ja-JP" altLang="en-US" sz="3600"/>
+              <a:t> </a:t>
+            </a:r>
+            <a:r>
+              <a:rPr kumimoji="1" lang="en-US" altLang="ja-JP" sz="3600"/>
+              <a:t>train_features.csv/test_features.csv</a:t>
+            </a:r>
+            <a:endParaRPr kumimoji="1" lang="ja-JP" altLang="en-US" sz="3600" dirty="0"/>
+          </a:p>
+        </p:txBody>
+      </p:sp>
+      <p:grpSp>
+        <p:nvGrpSpPr>
+          <p:cNvPr id="28" name="グループ化 27">
+            <a:extLst>
+              <a:ext uri="{FF2B5EF4-FFF2-40B4-BE49-F238E27FC236}">
+                <a16:creationId xmlns:a16="http://schemas.microsoft.com/office/drawing/2014/main" id="{DC542FA5-30DE-49E0-ACCA-46919E9AEAAC}"/>
+              </a:ext>
+            </a:extLst>
+          </p:cNvPr>
+          <p:cNvGrpSpPr/>
+          <p:nvPr/>
+        </p:nvGrpSpPr>
+        <p:grpSpPr>
+          <a:xfrm>
+            <a:off x="1215280" y="4173793"/>
+            <a:ext cx="9846010" cy="2529805"/>
+            <a:chOff x="812700" y="2174409"/>
+            <a:chExt cx="10705797" cy="3888744"/>
+          </a:xfrm>
+        </p:grpSpPr>
+        <p:pic>
+          <p:nvPicPr>
+            <p:cNvPr id="5" name="図 4">
+              <a:extLst>
+                <a:ext uri="{FF2B5EF4-FFF2-40B4-BE49-F238E27FC236}">
+                  <a16:creationId xmlns:a16="http://schemas.microsoft.com/office/drawing/2014/main" id="{9C1F8AC2-F1FB-48EF-8FE8-0F38CDDF3C2C}"/>
+                </a:ext>
+              </a:extLst>
+            </p:cNvPr>
+            <p:cNvPicPr>
+              <a:picLocks noChangeAspect="1"/>
+            </p:cNvPicPr>
+            <p:nvPr/>
+          </p:nvPicPr>
+          <p:blipFill>
+            <a:blip r:embed="rId3"/>
+            <a:stretch>
+              <a:fillRect/>
+            </a:stretch>
+          </p:blipFill>
+          <p:spPr>
+            <a:xfrm>
+              <a:off x="951092" y="3034021"/>
+              <a:ext cx="5879310" cy="1951268"/>
+            </a:xfrm>
+            <a:prstGeom prst="rect">
+              <a:avLst/>
+            </a:prstGeom>
+          </p:spPr>
+        </p:pic>
+        <p:sp>
+          <p:nvSpPr>
+            <p:cNvPr id="6" name="吹き出し: 四角形 5">
+              <a:extLst>
+                <a:ext uri="{FF2B5EF4-FFF2-40B4-BE49-F238E27FC236}">
+                  <a16:creationId xmlns:a16="http://schemas.microsoft.com/office/drawing/2014/main" id="{D1B8ECCB-7212-4E4D-B766-7D22353ED02C}"/>
+                </a:ext>
+              </a:extLst>
+            </p:cNvPr>
+            <p:cNvSpPr/>
+            <p:nvPr/>
+          </p:nvSpPr>
+          <p:spPr>
+            <a:xfrm>
+              <a:off x="1332278" y="2213018"/>
+              <a:ext cx="1219201" cy="542852"/>
+            </a:xfrm>
+            <a:prstGeom prst="wedgeRectCallout">
+              <a:avLst>
+                <a:gd name="adj1" fmla="val -41967"/>
+                <a:gd name="adj2" fmla="val 132884"/>
+              </a:avLst>
+            </a:prstGeom>
+          </p:spPr>
+          <p:style>
+            <a:lnRef idx="2">
+              <a:schemeClr val="accent1">
+                <a:shade val="50000"/>
+              </a:schemeClr>
+            </a:lnRef>
+            <a:fillRef idx="1">
+              <a:schemeClr val="accent1"/>
+            </a:fillRef>
+            <a:effectRef idx="0">
+              <a:schemeClr val="accent1"/>
+            </a:effectRef>
+            <a:fontRef idx="minor">
+              <a:schemeClr val="lt1"/>
+            </a:fontRef>
+          </p:style>
+          <p:txBody>
+            <a:bodyPr rtlCol="0" anchor="ctr"/>
+            <a:lstStyle/>
+            <a:p>
+              <a:pPr algn="ctr"/>
+              <a:r>
+                <a:rPr kumimoji="1" lang="ja-JP" altLang="en-US" sz="1400" dirty="0"/>
+                <a:t>実験</a:t>
+              </a:r>
+              <a:r>
+                <a:rPr kumimoji="1" lang="en-US" altLang="ja-JP" sz="1400" dirty="0"/>
+                <a:t>id</a:t>
+              </a:r>
+              <a:endParaRPr kumimoji="1" lang="ja-JP" altLang="en-US" sz="1400" dirty="0"/>
+            </a:p>
+          </p:txBody>
+        </p:sp>
+        <p:sp>
+          <p:nvSpPr>
+            <p:cNvPr id="8" name="吹き出し: 四角形 7">
+              <a:extLst>
+                <a:ext uri="{FF2B5EF4-FFF2-40B4-BE49-F238E27FC236}">
+                  <a16:creationId xmlns:a16="http://schemas.microsoft.com/office/drawing/2014/main" id="{22BF8587-33AB-4643-88C8-08C38C2215BF}"/>
+                </a:ext>
+              </a:extLst>
+            </p:cNvPr>
+            <p:cNvSpPr/>
+            <p:nvPr/>
+          </p:nvSpPr>
+          <p:spPr>
+            <a:xfrm>
+              <a:off x="812700" y="5266129"/>
+              <a:ext cx="3078047" cy="790496"/>
+            </a:xfrm>
+            <a:prstGeom prst="wedgeRectCallout">
+              <a:avLst>
+                <a:gd name="adj1" fmla="val 2173"/>
+                <a:gd name="adj2" fmla="val -104977"/>
+              </a:avLst>
+            </a:prstGeom>
+          </p:spPr>
+          <p:style>
+            <a:lnRef idx="2">
+              <a:schemeClr val="accent1">
+                <a:shade val="50000"/>
+              </a:schemeClr>
+            </a:lnRef>
+            <a:fillRef idx="1">
+              <a:schemeClr val="accent1"/>
+            </a:fillRef>
+            <a:effectRef idx="0">
+              <a:schemeClr val="accent1"/>
+            </a:effectRef>
+            <a:fontRef idx="minor">
+              <a:schemeClr val="lt1"/>
+            </a:fontRef>
+          </p:style>
+          <p:txBody>
+            <a:bodyPr rtlCol="0" anchor="ctr"/>
+            <a:lstStyle/>
+            <a:p>
+              <a:pPr algn="ctr"/>
+              <a:r>
+                <a:rPr lang="ja-JP" altLang="en-US" sz="1400" dirty="0"/>
+                <a:t>薬投与した実験</a:t>
+              </a:r>
+              <a:r>
+                <a:rPr kumimoji="1" lang="en-US" altLang="ja-JP" sz="1400" dirty="0"/>
+                <a:t>(</a:t>
+              </a:r>
+              <a:r>
+                <a:rPr kumimoji="1" lang="en-US" altLang="ja-JP" sz="1400" dirty="0" err="1"/>
+                <a:t>trt_cp</a:t>
+              </a:r>
+              <a:r>
+                <a:rPr kumimoji="1" lang="en-US" altLang="ja-JP" sz="1400" dirty="0"/>
+                <a:t>)</a:t>
+              </a:r>
+              <a:r>
+                <a:rPr lang="en-US" altLang="ja-JP" sz="1400" dirty="0"/>
+                <a:t>/</a:t>
+              </a:r>
+            </a:p>
+            <a:p>
+              <a:pPr algn="ctr"/>
+              <a:r>
+                <a:rPr lang="ja-JP" altLang="en-US" sz="1400" dirty="0"/>
+                <a:t>薬投与なし実験</a:t>
+              </a:r>
+              <a:r>
+                <a:rPr kumimoji="1" lang="en-US" altLang="ja-JP" sz="1400" dirty="0"/>
+                <a:t>(</a:t>
+              </a:r>
+              <a:r>
+                <a:rPr kumimoji="1" lang="en-US" altLang="ja-JP" sz="1400" dirty="0" err="1"/>
+                <a:t>ctl_vehicle</a:t>
+              </a:r>
+              <a:r>
+                <a:rPr kumimoji="1" lang="en-US" altLang="ja-JP" sz="1400" dirty="0"/>
+                <a:t>)</a:t>
+              </a:r>
+            </a:p>
+          </p:txBody>
+        </p:sp>
+        <p:sp>
+          <p:nvSpPr>
+            <p:cNvPr id="15" name="吹き出し: 四角形 14">
+              <a:extLst>
+                <a:ext uri="{FF2B5EF4-FFF2-40B4-BE49-F238E27FC236}">
+                  <a16:creationId xmlns:a16="http://schemas.microsoft.com/office/drawing/2014/main" id="{834F0DCB-52F2-4DA1-B049-CB5C5E0BB68A}"/>
+                </a:ext>
+              </a:extLst>
+            </p:cNvPr>
+            <p:cNvSpPr/>
+            <p:nvPr/>
+          </p:nvSpPr>
+          <p:spPr>
+            <a:xfrm>
+              <a:off x="2739213" y="2174409"/>
+              <a:ext cx="2900523" cy="620067"/>
+            </a:xfrm>
+            <a:prstGeom prst="wedgeRectCallout">
+              <a:avLst>
+                <a:gd name="adj1" fmla="val -38073"/>
+                <a:gd name="adj2" fmla="val 123474"/>
+              </a:avLst>
+            </a:prstGeom>
+          </p:spPr>
+          <p:style>
+            <a:lnRef idx="2">
+              <a:schemeClr val="accent1">
+                <a:shade val="50000"/>
+              </a:schemeClr>
+            </a:lnRef>
+            <a:fillRef idx="1">
+              <a:schemeClr val="accent1"/>
+            </a:fillRef>
+            <a:effectRef idx="0">
+              <a:schemeClr val="accent1"/>
+            </a:effectRef>
+            <a:fontRef idx="minor">
+              <a:schemeClr val="lt1"/>
+            </a:fontRef>
+          </p:style>
+          <p:txBody>
+            <a:bodyPr rtlCol="0" anchor="ctr"/>
+            <a:lstStyle/>
+            <a:p>
+              <a:pPr algn="ctr"/>
+              <a:r>
+                <a:rPr lang="ja-JP" altLang="en-US" sz="1400" dirty="0"/>
+                <a:t>処置時間</a:t>
+              </a:r>
+              <a:r>
+                <a:rPr lang="en-US" altLang="ja-JP" sz="1400" dirty="0"/>
+                <a:t>(24/48/72 hour)</a:t>
+              </a:r>
+              <a:endParaRPr kumimoji="1" lang="ja-JP" altLang="en-US" sz="1400" dirty="0"/>
+            </a:p>
+          </p:txBody>
+        </p:sp>
+        <p:sp>
+          <p:nvSpPr>
+            <p:cNvPr id="17" name="吹き出し: 四角形 16">
+              <a:extLst>
+                <a:ext uri="{FF2B5EF4-FFF2-40B4-BE49-F238E27FC236}">
+                  <a16:creationId xmlns:a16="http://schemas.microsoft.com/office/drawing/2014/main" id="{5E6743A9-2464-42C0-81DB-06BCE4D095C3}"/>
+                </a:ext>
+              </a:extLst>
+            </p:cNvPr>
+            <p:cNvSpPr/>
+            <p:nvPr/>
+          </p:nvSpPr>
+          <p:spPr>
+            <a:xfrm>
+              <a:off x="5289762" y="5443086"/>
+              <a:ext cx="2644877" cy="620067"/>
+            </a:xfrm>
+            <a:prstGeom prst="wedgeRectCallout">
+              <a:avLst>
+                <a:gd name="adj1" fmla="val -84187"/>
+                <a:gd name="adj2" fmla="val -156926"/>
+              </a:avLst>
+            </a:prstGeom>
+          </p:spPr>
+          <p:style>
+            <a:lnRef idx="2">
+              <a:schemeClr val="accent1">
+                <a:shade val="50000"/>
+              </a:schemeClr>
+            </a:lnRef>
+            <a:fillRef idx="1">
+              <a:schemeClr val="accent1"/>
+            </a:fillRef>
+            <a:effectRef idx="0">
+              <a:schemeClr val="accent1"/>
+            </a:effectRef>
+            <a:fontRef idx="minor">
+              <a:schemeClr val="lt1"/>
+            </a:fontRef>
+          </p:style>
+          <p:txBody>
+            <a:bodyPr rtlCol="0" anchor="ctr"/>
+            <a:lstStyle/>
+            <a:p>
+              <a:pPr algn="ctr"/>
+              <a:r>
+                <a:rPr lang="ja-JP" altLang="en-US" sz="1400" dirty="0"/>
+                <a:t>投与した薬の用量</a:t>
+              </a:r>
+              <a:r>
+                <a:rPr lang="en-US" altLang="ja-JP" sz="1400" dirty="0"/>
+                <a:t>(D1/D2)</a:t>
+              </a:r>
+              <a:endParaRPr kumimoji="1" lang="ja-JP" altLang="en-US" sz="1400" dirty="0"/>
+            </a:p>
+          </p:txBody>
+        </p:sp>
+        <p:pic>
+          <p:nvPicPr>
+            <p:cNvPr id="19" name="図 18">
+              <a:extLst>
+                <a:ext uri="{FF2B5EF4-FFF2-40B4-BE49-F238E27FC236}">
+                  <a16:creationId xmlns:a16="http://schemas.microsoft.com/office/drawing/2014/main" id="{AA108BA7-3732-4B69-A91A-AA9884DE431B}"/>
+                </a:ext>
+              </a:extLst>
+            </p:cNvPr>
+            <p:cNvPicPr>
+              <a:picLocks noChangeAspect="1"/>
+            </p:cNvPicPr>
+            <p:nvPr/>
+          </p:nvPicPr>
+          <p:blipFill>
+            <a:blip r:embed="rId4"/>
+            <a:stretch>
+              <a:fillRect/>
+            </a:stretch>
+          </p:blipFill>
+          <p:spPr>
+            <a:xfrm>
+              <a:off x="7277965" y="3034021"/>
+              <a:ext cx="4002602" cy="1951268"/>
+            </a:xfrm>
+            <a:prstGeom prst="rect">
+              <a:avLst/>
+            </a:prstGeom>
+          </p:spPr>
+        </p:pic>
+        <p:sp>
+          <p:nvSpPr>
+            <p:cNvPr id="22" name="吹き出し: 四角形 21">
+              <a:extLst>
+                <a:ext uri="{FF2B5EF4-FFF2-40B4-BE49-F238E27FC236}">
+                  <a16:creationId xmlns:a16="http://schemas.microsoft.com/office/drawing/2014/main" id="{D61007E2-D6CA-48D1-BCDE-00B316E8CB58}"/>
+                </a:ext>
+              </a:extLst>
+            </p:cNvPr>
+            <p:cNvSpPr/>
+            <p:nvPr/>
+          </p:nvSpPr>
+          <p:spPr>
+            <a:xfrm>
+              <a:off x="6356556" y="2176964"/>
+              <a:ext cx="2900524" cy="857057"/>
+            </a:xfrm>
+            <a:prstGeom prst="wedgeRectCallout">
+              <a:avLst>
+                <a:gd name="adj1" fmla="val -78053"/>
+                <a:gd name="adj2" fmla="val 149902"/>
+              </a:avLst>
+            </a:prstGeom>
+          </p:spPr>
+          <p:style>
+            <a:lnRef idx="2">
+              <a:schemeClr val="accent1">
+                <a:shade val="50000"/>
+              </a:schemeClr>
+            </a:lnRef>
+            <a:fillRef idx="1">
+              <a:schemeClr val="accent1"/>
+            </a:fillRef>
+            <a:effectRef idx="0">
+              <a:schemeClr val="accent1"/>
+            </a:effectRef>
+            <a:fontRef idx="minor">
+              <a:schemeClr val="lt1"/>
+            </a:fontRef>
+          </p:style>
+          <p:txBody>
+            <a:bodyPr rtlCol="0" anchor="ctr"/>
+            <a:lstStyle/>
+            <a:p>
+              <a:pPr algn="ctr"/>
+              <a:r>
+                <a:rPr kumimoji="1" lang="ja-JP" altLang="en-US" sz="1400" dirty="0"/>
+                <a:t>「</a:t>
+              </a:r>
+              <a:r>
+                <a:rPr kumimoji="1" lang="en-US" altLang="ja-JP" sz="1400" dirty="0"/>
+                <a:t>g-</a:t>
+              </a:r>
+              <a:r>
+                <a:rPr kumimoji="1" lang="ja-JP" altLang="en-US" sz="1400" dirty="0"/>
+                <a:t>」列は遺伝子発現値</a:t>
+              </a:r>
+              <a:endParaRPr kumimoji="1" lang="en-US" altLang="ja-JP" sz="1400" dirty="0"/>
+            </a:p>
+            <a:p>
+              <a:pPr algn="ctr"/>
+              <a:r>
+                <a:rPr lang="en-US" altLang="ja-JP" sz="1400" dirty="0"/>
+                <a:t>772</a:t>
+              </a:r>
+              <a:r>
+                <a:rPr lang="ja-JP" altLang="en-US" sz="1400" dirty="0"/>
+                <a:t>列ある</a:t>
+              </a:r>
+              <a:endParaRPr kumimoji="1" lang="ja-JP" altLang="en-US" sz="1400" dirty="0"/>
+            </a:p>
+          </p:txBody>
+        </p:sp>
+        <p:sp>
+          <p:nvSpPr>
+            <p:cNvPr id="24" name="吹き出し: 四角形 23">
+              <a:extLst>
+                <a:ext uri="{FF2B5EF4-FFF2-40B4-BE49-F238E27FC236}">
+                  <a16:creationId xmlns:a16="http://schemas.microsoft.com/office/drawing/2014/main" id="{6D932AF2-969A-4E1E-B977-F9BA60943B0E}"/>
+                </a:ext>
+              </a:extLst>
+            </p:cNvPr>
+            <p:cNvSpPr/>
+            <p:nvPr/>
+          </p:nvSpPr>
+          <p:spPr>
+            <a:xfrm>
+              <a:off x="8617975" y="5266129"/>
+              <a:ext cx="2900522" cy="795129"/>
+            </a:xfrm>
+            <a:prstGeom prst="wedgeRectCallout">
+              <a:avLst>
+                <a:gd name="adj1" fmla="val -26979"/>
+                <a:gd name="adj2" fmla="val -120333"/>
+              </a:avLst>
+            </a:prstGeom>
+          </p:spPr>
+          <p:style>
+            <a:lnRef idx="2">
+              <a:schemeClr val="accent1">
+                <a:shade val="50000"/>
+              </a:schemeClr>
+            </a:lnRef>
+            <a:fillRef idx="1">
+              <a:schemeClr val="accent1"/>
+            </a:fillRef>
+            <a:effectRef idx="0">
+              <a:schemeClr val="accent1"/>
+            </a:effectRef>
+            <a:fontRef idx="minor">
+              <a:schemeClr val="lt1"/>
+            </a:fontRef>
+          </p:style>
+          <p:txBody>
+            <a:bodyPr rtlCol="0" anchor="ctr"/>
+            <a:lstStyle/>
+            <a:p>
+              <a:pPr algn="ctr"/>
+              <a:r>
+                <a:rPr kumimoji="1" lang="ja-JP" altLang="en-US" sz="1400" dirty="0"/>
+                <a:t>「</a:t>
+              </a:r>
+              <a:r>
+                <a:rPr lang="en-US" altLang="ja-JP" sz="1400" dirty="0"/>
+                <a:t>c</a:t>
+              </a:r>
+              <a:r>
+                <a:rPr kumimoji="1" lang="en-US" altLang="ja-JP" sz="1400" dirty="0"/>
+                <a:t>-</a:t>
+              </a:r>
+              <a:r>
+                <a:rPr kumimoji="1" lang="ja-JP" altLang="en-US" sz="1400" dirty="0"/>
+                <a:t>」列は細胞生存率</a:t>
+              </a:r>
+              <a:endParaRPr kumimoji="1" lang="en-US" altLang="ja-JP" sz="1400" dirty="0"/>
+            </a:p>
+            <a:p>
+              <a:pPr algn="ctr"/>
+              <a:r>
+                <a:rPr lang="en-US" altLang="ja-JP" sz="1400" dirty="0"/>
+                <a:t>100</a:t>
+              </a:r>
+              <a:r>
+                <a:rPr lang="ja-JP" altLang="en-US" sz="1400" dirty="0"/>
+                <a:t>列ある</a:t>
+              </a:r>
+              <a:endParaRPr kumimoji="1" lang="ja-JP" altLang="en-US" sz="1400" dirty="0"/>
+            </a:p>
+          </p:txBody>
+        </p:sp>
+      </p:grpSp>
+      <p:sp>
+        <p:nvSpPr>
+          <p:cNvPr id="27" name="コンテンツ プレースホルダー 2">
+            <a:extLst>
+              <a:ext uri="{FF2B5EF4-FFF2-40B4-BE49-F238E27FC236}">
+                <a16:creationId xmlns:a16="http://schemas.microsoft.com/office/drawing/2014/main" id="{64261819-7151-4501-B6F9-D61773F35E1E}"/>
+              </a:ext>
+            </a:extLst>
+          </p:cNvPr>
+          <p:cNvSpPr>
+            <a:spLocks noGrp="1"/>
+          </p:cNvSpPr>
+          <p:nvPr>
+            <p:ph idx="1"/>
+          </p:nvPr>
+        </p:nvSpPr>
+        <p:spPr>
+          <a:xfrm>
+            <a:off x="261257" y="999726"/>
+            <a:ext cx="11625943" cy="3174066"/>
+          </a:xfrm>
+        </p:spPr>
+        <p:txBody>
+          <a:bodyPr>
+            <a:normAutofit lnSpcReduction="10000"/>
+          </a:bodyPr>
+          <a:lstStyle/>
+          <a:p>
+            <a:pPr>
+              <a:lnSpc>
+                <a:spcPct val="120000"/>
+              </a:lnSpc>
+            </a:pPr>
+            <a:r>
+              <a:rPr lang="ja-JP" altLang="en-US" sz="2400">
+                <a:latin typeface="游ゴシック 本文"/>
+              </a:rPr>
+              <a:t>約</a:t>
+            </a:r>
+            <a:r>
+              <a:rPr lang="en-US" altLang="ja-JP" sz="2400">
+                <a:latin typeface="游ゴシック 本文"/>
+              </a:rPr>
+              <a:t>5,000</a:t>
+            </a:r>
+            <a:r>
+              <a:rPr lang="ja-JP" altLang="en-US" sz="2400">
+                <a:latin typeface="游ゴシック 本文"/>
+              </a:rPr>
+              <a:t>種類の薬を使った実験データ</a:t>
+            </a:r>
+            <a:endParaRPr lang="en-US" altLang="ja-JP" sz="2400">
+              <a:latin typeface="游ゴシック 本文"/>
+            </a:endParaRPr>
+          </a:p>
+          <a:p>
+            <a:pPr lvl="1">
+              <a:lnSpc>
+                <a:spcPct val="120000"/>
+              </a:lnSpc>
+            </a:pPr>
+            <a:r>
+              <a:rPr lang="en-US" altLang="ja-JP" sz="2000">
+                <a:latin typeface="游ゴシック 本文"/>
+              </a:rPr>
+              <a:t>1</a:t>
+            </a:r>
+            <a:r>
+              <a:rPr lang="ja-JP" altLang="en-US" sz="2000">
+                <a:latin typeface="游ゴシック 本文"/>
+              </a:rPr>
+              <a:t>行</a:t>
+            </a:r>
+            <a:r>
+              <a:rPr kumimoji="1" lang="en-US" altLang="ja-JP" sz="2000">
+                <a:latin typeface="游ゴシック 本文"/>
+              </a:rPr>
+              <a:t>1</a:t>
+            </a:r>
+            <a:r>
+              <a:rPr lang="ja-JP" altLang="en-US" sz="2000">
+                <a:latin typeface="游ゴシック 本文"/>
+              </a:rPr>
+              <a:t>実験</a:t>
+            </a:r>
+            <a:endParaRPr lang="en-US" altLang="ja-JP" sz="2000">
+              <a:latin typeface="游ゴシック 本文"/>
+            </a:endParaRPr>
+          </a:p>
+          <a:p>
+            <a:pPr>
+              <a:lnSpc>
+                <a:spcPct val="120000"/>
+              </a:lnSpc>
+            </a:pPr>
+            <a:r>
+              <a:rPr lang="en-US" altLang="ja-JP" sz="2400" b="0" i="0">
+                <a:latin typeface="游ゴシック 本文"/>
+              </a:rPr>
+              <a:t>1</a:t>
+            </a:r>
+            <a:r>
+              <a:rPr lang="ja-JP" altLang="en-US" sz="2400" b="0" i="0">
+                <a:latin typeface="游ゴシック 本文"/>
+              </a:rPr>
+              <a:t>つの薬について</a:t>
+            </a:r>
+            <a:r>
+              <a:rPr lang="en-US" altLang="ja-JP" sz="2400" b="0" i="0">
+                <a:latin typeface="游ゴシック 本文"/>
+              </a:rPr>
+              <a:t>7</a:t>
+            </a:r>
+            <a:r>
+              <a:rPr lang="ja-JP" altLang="en-US" sz="2400" b="0" i="0">
+                <a:latin typeface="游ゴシック 本文"/>
+              </a:rPr>
+              <a:t>行ある</a:t>
+            </a:r>
+            <a:endParaRPr lang="en-US" altLang="ja-JP" sz="2400" b="0" i="0">
+              <a:latin typeface="游ゴシック 本文"/>
+            </a:endParaRPr>
+          </a:p>
+          <a:p>
+            <a:pPr lvl="1">
+              <a:lnSpc>
+                <a:spcPct val="120000"/>
+              </a:lnSpc>
+            </a:pPr>
+            <a:r>
+              <a:rPr lang="en-US" altLang="ja-JP" sz="2000" b="0" i="0">
+                <a:latin typeface="游ゴシック 本文"/>
+              </a:rPr>
+              <a:t>6</a:t>
+            </a:r>
+            <a:r>
+              <a:rPr lang="ja-JP" altLang="en-US" sz="2000">
+                <a:latin typeface="游ゴシック 本文"/>
+              </a:rPr>
+              <a:t>通りの実験条件</a:t>
+            </a:r>
+            <a:r>
+              <a:rPr lang="en-US" altLang="ja-JP" sz="2000" b="0" i="0">
+                <a:latin typeface="游ゴシック 本文"/>
+              </a:rPr>
+              <a:t>(cp_time</a:t>
+            </a:r>
+            <a:r>
+              <a:rPr lang="ja-JP" altLang="en-US" sz="2000" b="0" i="0">
+                <a:latin typeface="游ゴシック 本文"/>
+              </a:rPr>
+              <a:t>列</a:t>
+            </a:r>
+            <a:r>
+              <a:rPr lang="en-US" altLang="ja-JP" sz="2000" b="0" i="0">
+                <a:latin typeface="游ゴシック 本文"/>
+              </a:rPr>
+              <a:t>, cp_dose</a:t>
+            </a:r>
+            <a:r>
+              <a:rPr lang="ja-JP" altLang="en-US" sz="2000" b="0" i="0">
+                <a:latin typeface="游ゴシック 本文"/>
+              </a:rPr>
+              <a:t>列の組み合わせ</a:t>
+            </a:r>
+            <a:r>
+              <a:rPr lang="en-US" altLang="ja-JP" sz="2000" b="0" i="0">
+                <a:latin typeface="游ゴシック 本文"/>
+              </a:rPr>
+              <a:t>) + </a:t>
+            </a:r>
+            <a:r>
+              <a:rPr lang="ja-JP" altLang="en-US" sz="2000" b="0" i="0">
+                <a:latin typeface="游ゴシック 本文"/>
+              </a:rPr>
+              <a:t>薬投与なし の</a:t>
+            </a:r>
+            <a:r>
+              <a:rPr lang="en-US" altLang="ja-JP" sz="2000" b="0" i="0">
+                <a:latin typeface="游ゴシック 本文"/>
+              </a:rPr>
+              <a:t>7</a:t>
+            </a:r>
+            <a:r>
+              <a:rPr lang="ja-JP" altLang="en-US" sz="2000" b="0" i="0">
+                <a:latin typeface="游ゴシック 本文"/>
+              </a:rPr>
+              <a:t>行</a:t>
+            </a:r>
+            <a:endParaRPr lang="en-US" altLang="ja-JP" sz="2000" b="0" i="0">
+              <a:latin typeface="游ゴシック 本文"/>
+            </a:endParaRPr>
+          </a:p>
+          <a:p>
+            <a:pPr>
+              <a:lnSpc>
+                <a:spcPct val="120000"/>
+              </a:lnSpc>
+            </a:pPr>
+            <a:r>
+              <a:rPr lang="ja-JP" altLang="en-US" sz="2400" b="0" i="0">
+                <a:latin typeface="游ゴシック 本文"/>
+              </a:rPr>
+              <a:t>薬の種類を識別する情報なし</a:t>
+            </a:r>
+            <a:endParaRPr lang="en-US" altLang="ja-JP" sz="2400" b="0" i="0">
+              <a:latin typeface="游ゴシック 本文"/>
+            </a:endParaRPr>
+          </a:p>
+          <a:p>
+            <a:pPr lvl="1">
+              <a:lnSpc>
+                <a:spcPct val="120000"/>
+              </a:lnSpc>
+            </a:pPr>
+            <a:r>
+              <a:rPr lang="en-US" altLang="ja-JP" sz="2000">
+                <a:latin typeface="游ゴシック 本文"/>
+              </a:rPr>
+              <a:t>Kfold</a:t>
+            </a:r>
+            <a:r>
+              <a:rPr lang="ja-JP" altLang="en-US" sz="2000">
+                <a:latin typeface="游ゴシック 本文"/>
+              </a:rPr>
+              <a:t>で</a:t>
+            </a:r>
+            <a:r>
+              <a:rPr lang="en-US" altLang="ja-JP" sz="2000">
+                <a:latin typeface="游ゴシック 本文"/>
+              </a:rPr>
+              <a:t>CV</a:t>
+            </a:r>
+            <a:r>
+              <a:rPr lang="ja-JP" altLang="en-US" sz="2000">
+                <a:latin typeface="游ゴシック 本文"/>
+              </a:rPr>
+              <a:t>作ると同種の薬のデータが混じってリークする。薬の種類で</a:t>
+            </a:r>
+            <a:r>
+              <a:rPr lang="en-US" altLang="ja-JP" sz="2000">
+                <a:latin typeface="游ゴシック 本文"/>
+              </a:rPr>
+              <a:t>GroupKFold</a:t>
+            </a:r>
+            <a:r>
+              <a:rPr lang="ja-JP" altLang="en-US" sz="2000">
+                <a:latin typeface="游ゴシック 本文"/>
+              </a:rPr>
+              <a:t>したいができない</a:t>
+            </a:r>
+            <a:endParaRPr kumimoji="1" lang="en-US" altLang="ja-JP" sz="2000" dirty="0">
+              <a:latin typeface="游ゴシック 本文"/>
+            </a:endParaRPr>
+          </a:p>
+        </p:txBody>
+      </p:sp>
+    </p:spTree>
+    <p:extLst>
+      <p:ext uri="{BB962C8B-B14F-4D97-AF65-F5344CB8AC3E}">
+        <p14:creationId xmlns:p14="http://schemas.microsoft.com/office/powerpoint/2010/main" val="2309430605"/>
+      </p:ext>
+    </p:extLst>
+  </p:cSld>
+  <p:clrMapOvr>
+    <a:masterClrMapping/>
+  </p:clrMapOvr>
+</p:sld>
+</file>
+
+<file path=ppt/slides/slide5.xml><?xml version="1.0" encoding="utf-8"?>
+<p:sld xmlns:a="http://schemas.openxmlformats.org/drawingml/2006/main" xmlns:r="http://schemas.openxmlformats.org/officeDocument/2006/relationships" xmlns:p="http://schemas.openxmlformats.org/presentationml/2006/main">
+  <p:cSld>
+    <p:spTree>
+      <p:nvGrpSpPr>
+        <p:cNvPr id="1" name=""/>
+        <p:cNvGrpSpPr/>
+        <p:nvPr/>
+      </p:nvGrpSpPr>
+      <p:grpSpPr>
+        <a:xfrm>
+          <a:off x="0" y="0"/>
+          <a:ext cx="0" cy="0"/>
+          <a:chOff x="0" y="0"/>
+          <a:chExt cx="0" cy="0"/>
+        </a:xfrm>
+      </p:grpSpPr>
+      <p:sp>
+        <p:nvSpPr>
+          <p:cNvPr id="2" name="タイトル 1">
+            <a:extLst>
+              <a:ext uri="{FF2B5EF4-FFF2-40B4-BE49-F238E27FC236}">
+                <a16:creationId xmlns:a16="http://schemas.microsoft.com/office/drawing/2014/main" id="{E89653CF-AF58-423B-AF9D-BB441894D76B}"/>
+              </a:ext>
+            </a:extLst>
+          </p:cNvPr>
+          <p:cNvSpPr>
+            <a:spLocks noGrp="1"/>
+          </p:cNvSpPr>
+          <p:nvPr>
+            <p:ph type="title"/>
+          </p:nvPr>
+        </p:nvSpPr>
+        <p:spPr>
+          <a:xfrm>
+            <a:off x="261257" y="84914"/>
+            <a:ext cx="11092543" cy="888488"/>
+          </a:xfrm>
+        </p:spPr>
+        <p:txBody>
+          <a:bodyPr>
+            <a:normAutofit/>
+          </a:bodyPr>
+          <a:lstStyle/>
+          <a:p>
+            <a:r>
+              <a:rPr kumimoji="1" lang="ja-JP" altLang="en-US" sz="3600"/>
+              <a:t>ラベルデータ</a:t>
+            </a:r>
+            <a:r>
+              <a:rPr kumimoji="1" lang="en-US" altLang="ja-JP" sz="3600"/>
+              <a:t>: train_targets_scored.csv</a:t>
+            </a:r>
+            <a:endParaRPr kumimoji="1" lang="ja-JP" altLang="en-US" sz="3600" dirty="0"/>
+          </a:p>
+        </p:txBody>
+      </p:sp>
+      <p:sp>
+        <p:nvSpPr>
+          <p:cNvPr id="3" name="コンテンツ プレースホルダー 2">
+            <a:extLst>
+              <a:ext uri="{FF2B5EF4-FFF2-40B4-BE49-F238E27FC236}">
+                <a16:creationId xmlns:a16="http://schemas.microsoft.com/office/drawing/2014/main" id="{7EF4750E-39A8-42FE-AEAA-01E439CBA84B}"/>
+              </a:ext>
+            </a:extLst>
+          </p:cNvPr>
+          <p:cNvSpPr>
+            <a:spLocks noGrp="1"/>
+          </p:cNvSpPr>
+          <p:nvPr>
+            <p:ph idx="1"/>
+          </p:nvPr>
+        </p:nvSpPr>
+        <p:spPr>
+          <a:xfrm>
+            <a:off x="261257" y="1120875"/>
+            <a:ext cx="11092543" cy="2780073"/>
+          </a:xfrm>
+        </p:spPr>
+        <p:txBody>
+          <a:bodyPr>
+            <a:normAutofit lnSpcReduction="10000"/>
+          </a:bodyPr>
+          <a:lstStyle/>
+          <a:p>
+            <a:pPr>
+              <a:lnSpc>
+                <a:spcPct val="120000"/>
+              </a:lnSpc>
+            </a:pPr>
+            <a:r>
+              <a:rPr kumimoji="1" lang="en-US" altLang="ja-JP"/>
+              <a:t>206</a:t>
+            </a:r>
+            <a:r>
+              <a:rPr kumimoji="1" lang="ja-JP" altLang="en-US"/>
+              <a:t>種の薬の作用機序</a:t>
+            </a:r>
+            <a:r>
+              <a:rPr kumimoji="1" lang="en-US" altLang="ja-JP"/>
+              <a:t>(MoA)</a:t>
+            </a:r>
+            <a:r>
+              <a:rPr kumimoji="1" lang="ja-JP" altLang="en-US"/>
+              <a:t>の応答</a:t>
+            </a:r>
+            <a:r>
+              <a:rPr lang="ja-JP" altLang="en-US"/>
+              <a:t>（</a:t>
+            </a:r>
+            <a:r>
+              <a:rPr kumimoji="1" lang="en-US" altLang="ja-JP"/>
+              <a:t>0/1</a:t>
+            </a:r>
+            <a:r>
+              <a:rPr lang="ja-JP" altLang="en-US"/>
+              <a:t>）</a:t>
+            </a:r>
+            <a:endParaRPr kumimoji="1" lang="en-US" altLang="ja-JP"/>
+          </a:p>
+          <a:p>
+            <a:pPr lvl="1">
+              <a:lnSpc>
+                <a:spcPct val="120000"/>
+              </a:lnSpc>
+            </a:pPr>
+            <a:r>
+              <a:rPr kumimoji="1" lang="en-US" altLang="ja-JP"/>
+              <a:t>1</a:t>
+            </a:r>
+            <a:r>
+              <a:rPr kumimoji="1" lang="ja-JP" altLang="en-US"/>
+              <a:t>列</a:t>
+            </a:r>
+            <a:r>
+              <a:rPr kumimoji="1" lang="en-US" altLang="ja-JP"/>
+              <a:t>1</a:t>
+            </a:r>
+            <a:r>
+              <a:rPr kumimoji="1" lang="ja-JP" altLang="en-US"/>
+              <a:t>クラス</a:t>
+            </a:r>
+            <a:r>
+              <a:rPr lang="ja-JP" altLang="en-US"/>
+              <a:t>。クラス名が薬の名前</a:t>
+            </a:r>
+            <a:endParaRPr kumimoji="1" lang="en-US" altLang="ja-JP"/>
+          </a:p>
+          <a:p>
+            <a:pPr lvl="1">
+              <a:lnSpc>
+                <a:spcPct val="120000"/>
+              </a:lnSpc>
+            </a:pPr>
+            <a:r>
+              <a:rPr kumimoji="1" lang="ja-JP" altLang="en-US"/>
+              <a:t>薬は </a:t>
+            </a:r>
+            <a:r>
+              <a:rPr kumimoji="1" lang="en-US" altLang="ja-JP"/>
+              <a:t>5α</a:t>
+            </a:r>
+            <a:r>
+              <a:rPr kumimoji="1" lang="ja-JP" altLang="en-US"/>
+              <a:t>還元酵素阻害剤、</a:t>
+            </a:r>
+            <a:r>
+              <a:rPr kumimoji="1" lang="en-US" altLang="ja-JP"/>
+              <a:t>11-β-HSD1</a:t>
+            </a:r>
+            <a:r>
+              <a:rPr kumimoji="1" lang="ja-JP" altLang="en-US"/>
+              <a:t>阻害剤 など</a:t>
+            </a:r>
+            <a:endParaRPr kumimoji="1" lang="en-US" altLang="ja-JP"/>
+          </a:p>
+          <a:p>
+            <a:pPr>
+              <a:lnSpc>
+                <a:spcPct val="120000"/>
+              </a:lnSpc>
+            </a:pPr>
+            <a:r>
+              <a:rPr kumimoji="1" lang="ja-JP" altLang="en-US"/>
+              <a:t>マルチラベル</a:t>
+            </a:r>
+            <a:endParaRPr kumimoji="1" lang="en-US" altLang="ja-JP"/>
+          </a:p>
+          <a:p>
+            <a:pPr>
+              <a:lnSpc>
+                <a:spcPct val="120000"/>
+              </a:lnSpc>
+            </a:pPr>
+            <a:r>
+              <a:rPr lang="ja-JP" altLang="en-US" b="0" i="0">
+                <a:effectLst/>
+                <a:latin typeface="Inter"/>
+              </a:rPr>
+              <a:t>非常に不均衡（</a:t>
+            </a:r>
+            <a:r>
+              <a:rPr lang="en-US" altLang="ja-JP" b="0" i="0">
+                <a:effectLst/>
+                <a:latin typeface="Inter"/>
+              </a:rPr>
+              <a:t>0</a:t>
+            </a:r>
+            <a:r>
+              <a:rPr lang="ja-JP" altLang="en-US" b="0" i="0">
+                <a:effectLst/>
+                <a:latin typeface="Inter"/>
+              </a:rPr>
+              <a:t>のラベルが大半で</a:t>
+            </a:r>
+            <a:r>
+              <a:rPr lang="en-US" altLang="ja-JP" b="0" i="0">
+                <a:effectLst/>
+                <a:latin typeface="Inter"/>
+              </a:rPr>
+              <a:t>1</a:t>
+            </a:r>
+            <a:r>
+              <a:rPr lang="ja-JP" altLang="en-US" b="0" i="0">
+                <a:effectLst/>
+                <a:latin typeface="Inter"/>
+              </a:rPr>
+              <a:t>のラベルが非常に少ない）</a:t>
+            </a:r>
+            <a:endParaRPr kumimoji="1" lang="en-US" altLang="ja-JP" dirty="0"/>
+          </a:p>
+        </p:txBody>
+      </p:sp>
+      <p:pic>
+        <p:nvPicPr>
+          <p:cNvPr id="6" name="図 5">
+            <a:extLst>
+              <a:ext uri="{FF2B5EF4-FFF2-40B4-BE49-F238E27FC236}">
+                <a16:creationId xmlns:a16="http://schemas.microsoft.com/office/drawing/2014/main" id="{C1A5E149-45A2-4E02-84EC-7D50AC92DBBF}"/>
+              </a:ext>
+            </a:extLst>
+          </p:cNvPr>
+          <p:cNvPicPr>
+            <a:picLocks noChangeAspect="1"/>
+          </p:cNvPicPr>
+          <p:nvPr/>
+        </p:nvPicPr>
+        <p:blipFill>
+          <a:blip r:embed="rId2"/>
+          <a:stretch>
+            <a:fillRect/>
+          </a:stretch>
+        </p:blipFill>
+        <p:spPr>
+          <a:xfrm>
+            <a:off x="2976066" y="4210661"/>
+            <a:ext cx="6239867" cy="2388699"/>
+          </a:xfrm>
+          <a:prstGeom prst="rect">
+            <a:avLst/>
+          </a:prstGeom>
+        </p:spPr>
+      </p:pic>
+    </p:spTree>
+    <p:extLst>
+      <p:ext uri="{BB962C8B-B14F-4D97-AF65-F5344CB8AC3E}">
+        <p14:creationId xmlns:p14="http://schemas.microsoft.com/office/powerpoint/2010/main" val="1166550569"/>
+      </p:ext>
+    </p:extLst>
+  </p:cSld>
+  <p:clrMapOvr>
+    <a:masterClrMapping/>
+  </p:clrMapOvr>
+</p:sld>
+</file>
+
+<file path=ppt/slides/slide6.xml><?xml version="1.0" encoding="utf-8"?>
+<p:sld xmlns:a="http://schemas.openxmlformats.org/drawingml/2006/main" xmlns:r="http://schemas.openxmlformats.org/officeDocument/2006/relationships" xmlns:p="http://schemas.openxmlformats.org/presentationml/2006/main">
+  <p:cSld>
+    <p:spTree>
+      <p:nvGrpSpPr>
+        <p:cNvPr id="1" name=""/>
+        <p:cNvGrpSpPr/>
+        <p:nvPr/>
+      </p:nvGrpSpPr>
+      <p:grpSpPr>
+        <a:xfrm>
+          <a:off x="0" y="0"/>
+          <a:ext cx="0" cy="0"/>
+          <a:chOff x="0" y="0"/>
+          <a:chExt cx="0" cy="0"/>
+        </a:xfrm>
+      </p:grpSpPr>
+      <p:sp>
+        <p:nvSpPr>
+          <p:cNvPr id="2" name="タイトル 1">
+            <a:extLst>
+              <a:ext uri="{FF2B5EF4-FFF2-40B4-BE49-F238E27FC236}">
+                <a16:creationId xmlns:a16="http://schemas.microsoft.com/office/drawing/2014/main" id="{E89653CF-AF58-423B-AF9D-BB441894D76B}"/>
+              </a:ext>
+            </a:extLst>
+          </p:cNvPr>
+          <p:cNvSpPr>
+            <a:spLocks noGrp="1"/>
+          </p:cNvSpPr>
+          <p:nvPr>
+            <p:ph type="title"/>
+          </p:nvPr>
+        </p:nvSpPr>
+        <p:spPr>
+          <a:xfrm>
+            <a:off x="261257" y="84914"/>
+            <a:ext cx="11092543" cy="888488"/>
+          </a:xfrm>
+        </p:spPr>
+        <p:txBody>
+          <a:bodyPr>
+            <a:normAutofit/>
+          </a:bodyPr>
+          <a:lstStyle/>
+          <a:p>
+            <a:r>
+              <a:rPr kumimoji="1" lang="ja-JP" altLang="en-US" sz="3600" dirty="0"/>
+              <a:t>評価指標</a:t>
+            </a:r>
+          </a:p>
+        </p:txBody>
+      </p:sp>
+      <p:sp>
+        <p:nvSpPr>
+          <p:cNvPr id="3" name="コンテンツ プレースホルダー 2">
+            <a:extLst>
+              <a:ext uri="{FF2B5EF4-FFF2-40B4-BE49-F238E27FC236}">
+                <a16:creationId xmlns:a16="http://schemas.microsoft.com/office/drawing/2014/main" id="{7EF4750E-39A8-42FE-AEAA-01E439CBA84B}"/>
+              </a:ext>
+            </a:extLst>
+          </p:cNvPr>
+          <p:cNvSpPr>
+            <a:spLocks noGrp="1"/>
+          </p:cNvSpPr>
+          <p:nvPr>
+            <p:ph idx="1"/>
+          </p:nvPr>
+        </p:nvSpPr>
+        <p:spPr>
+          <a:xfrm>
+            <a:off x="261257" y="1120877"/>
+            <a:ext cx="11092543" cy="589936"/>
+          </a:xfrm>
+        </p:spPr>
+        <p:txBody>
+          <a:bodyPr>
+            <a:normAutofit/>
+          </a:bodyPr>
+          <a:lstStyle/>
+          <a:p>
+            <a:pPr>
+              <a:lnSpc>
+                <a:spcPct val="110000"/>
+              </a:lnSpc>
+            </a:pPr>
+            <a:r>
+              <a:rPr kumimoji="1" lang="ja-JP" altLang="en-US" dirty="0"/>
+              <a:t>各クラスの</a:t>
+            </a:r>
+            <a:r>
+              <a:rPr kumimoji="1" lang="en-US" altLang="ja-JP" dirty="0" err="1"/>
+              <a:t>log_loss</a:t>
+            </a:r>
+            <a:r>
+              <a:rPr kumimoji="1" lang="ja-JP" altLang="en-US" dirty="0"/>
+              <a:t>の平均値</a:t>
+            </a:r>
+            <a:endParaRPr kumimoji="1" lang="en-US" altLang="ja-JP" dirty="0"/>
+          </a:p>
+        </p:txBody>
+      </p:sp>
+      <p:pic>
+        <p:nvPicPr>
+          <p:cNvPr id="5" name="図 4">
+            <a:extLst>
+              <a:ext uri="{FF2B5EF4-FFF2-40B4-BE49-F238E27FC236}">
+                <a16:creationId xmlns:a16="http://schemas.microsoft.com/office/drawing/2014/main" id="{8D6300C6-495D-456D-A5EB-3F084D650410}"/>
+              </a:ext>
+            </a:extLst>
+          </p:cNvPr>
+          <p:cNvPicPr>
+            <a:picLocks noChangeAspect="1"/>
+          </p:cNvPicPr>
+          <p:nvPr/>
+        </p:nvPicPr>
+        <p:blipFill>
+          <a:blip r:embed="rId3"/>
+          <a:stretch>
+            <a:fillRect/>
+          </a:stretch>
+        </p:blipFill>
+        <p:spPr>
+          <a:xfrm>
+            <a:off x="1431971" y="1818766"/>
+            <a:ext cx="9328057" cy="4954320"/>
+          </a:xfrm>
+          <a:prstGeom prst="rect">
+            <a:avLst/>
+          </a:prstGeom>
+        </p:spPr>
+      </p:pic>
+    </p:spTree>
+    <p:extLst>
+      <p:ext uri="{BB962C8B-B14F-4D97-AF65-F5344CB8AC3E}">
+        <p14:creationId xmlns:p14="http://schemas.microsoft.com/office/powerpoint/2010/main" val="1676058948"/>
       </p:ext>
     </p:extLst>
   </p:cSld>
@@ -4266,4 +7015,299 @@
     </a:ext>
   </a:extLst>
 </a:theme>
+</file>
+
+<file path=ppt/theme/theme2.xml><?xml version="1.0" encoding="utf-8"?>
+<a:theme xmlns:a="http://schemas.openxmlformats.org/drawingml/2006/main" name="Office テーマ">
+  <a:themeElements>
+    <a:clrScheme name="Office">
+      <a:dk1>
+        <a:sysClr val="windowText" lastClr="000000"/>
+      </a:dk1>
+      <a:lt1>
+        <a:sysClr val="window" lastClr="FFFFFF"/>
+      </a:lt1>
+      <a:dk2>
+        <a:srgbClr val="44546A"/>
+      </a:dk2>
+      <a:lt2>
+        <a:srgbClr val="E7E6E6"/>
+      </a:lt2>
+      <a:accent1>
+        <a:srgbClr val="4472C4"/>
+      </a:accent1>
+      <a:accent2>
+        <a:srgbClr val="ED7D31"/>
+      </a:accent2>
+      <a:accent3>
+        <a:srgbClr val="A5A5A5"/>
+      </a:accent3>
+      <a:accent4>
+        <a:srgbClr val="FFC000"/>
+      </a:accent4>
+      <a:accent5>
+        <a:srgbClr val="5B9BD5"/>
+      </a:accent5>
+      <a:accent6>
+        <a:srgbClr val="70AD47"/>
+      </a:accent6>
+      <a:hlink>
+        <a:srgbClr val="0563C1"/>
+      </a:hlink>
+      <a:folHlink>
+        <a:srgbClr val="954F72"/>
+      </a:folHlink>
+    </a:clrScheme>
+    <a:fontScheme name="Office">
+      <a:majorFont>
+        <a:latin typeface="游ゴシック Light" panose="020F0302020204030204"/>
+        <a:ea typeface=""/>
+        <a:cs typeface=""/>
+        <a:font script="Jpan" typeface="游ゴシック Light"/>
+        <a:font script="Hang" typeface="맑은 고딕"/>
+        <a:font script="Hans" typeface="等线 Light"/>
+        <a:font script="Hant" typeface="新細明體"/>
+        <a:font script="Arab" typeface="Times New Roman"/>
+        <a:font script="Hebr" typeface="Times New Roman"/>
+        <a:font script="Thai" typeface="Angsana New"/>
+        <a:font script="Ethi" typeface="Nyala"/>
+        <a:font script="Beng" typeface="Vrinda"/>
+        <a:font script="Gujr" typeface="Shruti"/>
+        <a:font script="Khmr" typeface="MoolBoran"/>
+        <a:font script="Knda" typeface="Tunga"/>
+        <a:font script="Guru" typeface="Raavi"/>
+        <a:font script="Cans" typeface="Euphemia"/>
+        <a:font script="Cher" typeface="Plantagenet Cherokee"/>
+        <a:font script="Yiii" typeface="Microsoft Yi Baiti"/>
+        <a:font script="Tibt" typeface="Microsoft Himalaya"/>
+        <a:font script="Thaa" typeface="MV Boli"/>
+        <a:font script="Deva" typeface="Mangal"/>
+        <a:font script="Telu" typeface="Gautami"/>
+        <a:font script="Taml" typeface="Latha"/>
+        <a:font script="Syrc" typeface="Estrangelo Edessa"/>
+        <a:font script="Orya" typeface="Kalinga"/>
+        <a:font script="Mlym" typeface="Kartika"/>
+        <a:font script="Laoo" typeface="DokChampa"/>
+        <a:font script="Sinh" typeface="Iskoola Pota"/>
+        <a:font script="Mong" typeface="Mongolian Baiti"/>
+        <a:font script="Viet" typeface="Times New Roman"/>
+        <a:font script="Uigh" typeface="Microsoft Uighur"/>
+        <a:font script="Geor" typeface="Sylfaen"/>
+        <a:font script="Armn" typeface="Arial"/>
+        <a:font script="Bugi" typeface="Leelawadee UI"/>
+        <a:font script="Bopo" typeface="Microsoft JhengHei"/>
+        <a:font script="Java" typeface="Javanese Text"/>
+        <a:font script="Lisu" typeface="Segoe UI"/>
+        <a:font script="Mymr" typeface="Myanmar Text"/>
+        <a:font script="Nkoo" typeface="Ebrima"/>
+        <a:font script="Olck" typeface="Nirmala UI"/>
+        <a:font script="Osma" typeface="Ebrima"/>
+        <a:font script="Phag" typeface="Phagspa"/>
+        <a:font script="Syrn" typeface="Estrangelo Edessa"/>
+        <a:font script="Syrj" typeface="Estrangelo Edessa"/>
+        <a:font script="Syre" typeface="Estrangelo Edessa"/>
+        <a:font script="Sora" typeface="Nirmala UI"/>
+        <a:font script="Tale" typeface="Microsoft Tai Le"/>
+        <a:font script="Talu" typeface="Microsoft New Tai Lue"/>
+        <a:font script="Tfng" typeface="Ebrima"/>
+      </a:majorFont>
+      <a:minorFont>
+        <a:latin typeface="游ゴシック" panose="020F0502020204030204"/>
+        <a:ea typeface=""/>
+        <a:cs typeface=""/>
+        <a:font script="Jpan" typeface="游ゴシック"/>
+        <a:font script="Hang" typeface="맑은 고딕"/>
+        <a:font script="Hans" typeface="等线"/>
+        <a:font script="Hant" typeface="新細明體"/>
+        <a:font script="Arab" typeface="Arial"/>
+        <a:font script="Hebr" typeface="Arial"/>
+        <a:font script="Thai" typeface="Cordia New"/>
+        <a:font script="Ethi" typeface="Nyala"/>
+        <a:font script="Beng" typeface="Vrinda"/>
+        <a:font script="Gujr" typeface="Shruti"/>
+        <a:font script="Khmr" typeface="DaunPenh"/>
+        <a:font script="Knda" typeface="Tunga"/>
+        <a:font script="Guru" typeface="Raavi"/>
+        <a:font script="Cans" typeface="Euphemia"/>
+        <a:font script="Cher" typeface="Plantagenet Cherokee"/>
+        <a:font script="Yiii" typeface="Microsoft Yi Baiti"/>
+        <a:font script="Tibt" typeface="Microsoft Himalaya"/>
+        <a:font script="Thaa" typeface="MV Boli"/>
+        <a:font script="Deva" typeface="Mangal"/>
+        <a:font script="Telu" typeface="Gautami"/>
+        <a:font script="Taml" typeface="Latha"/>
+        <a:font script="Syrc" typeface="Estrangelo Edessa"/>
+        <a:font script="Orya" typeface="Kalinga"/>
+        <a:font script="Mlym" typeface="Kartika"/>
+        <a:font script="Laoo" typeface="DokChampa"/>
+        <a:font script="Sinh" typeface="Iskoola Pota"/>
+        <a:font script="Mong" typeface="Mongolian Baiti"/>
+        <a:font script="Viet" typeface="Arial"/>
+        <a:font script="Uigh" typeface="Microsoft Uighur"/>
+        <a:font script="Geor" typeface="Sylfaen"/>
+        <a:font script="Armn" typeface="Arial"/>
+        <a:font script="Bugi" typeface="Leelawadee UI"/>
+        <a:font script="Bopo" typeface="Microsoft JhengHei"/>
+        <a:font script="Java" typeface="Javanese Text"/>
+        <a:font script="Lisu" typeface="Segoe UI"/>
+        <a:font script="Mymr" typeface="Myanmar Text"/>
+        <a:font script="Nkoo" typeface="Ebrima"/>
+        <a:font script="Olck" typeface="Nirmala UI"/>
+        <a:font script="Osma" typeface="Ebrima"/>
+        <a:font script="Phag" typeface="Phagspa"/>
+        <a:font script="Syrn" typeface="Estrangelo Edessa"/>
+        <a:font script="Syrj" typeface="Estrangelo Edessa"/>
+        <a:font script="Syre" typeface="Estrangelo Edessa"/>
+        <a:font script="Sora" typeface="Nirmala UI"/>
+        <a:font script="Tale" typeface="Microsoft Tai Le"/>
+        <a:font script="Talu" typeface="Microsoft New Tai Lue"/>
+        <a:font script="Tfng" typeface="Ebrima"/>
+      </a:minorFont>
+    </a:fontScheme>
+    <a:fmtScheme name="Office">
+      <a:fillStyleLst>
+        <a:solidFill>
+          <a:schemeClr val="phClr"/>
+        </a:solidFill>
+        <a:gradFill rotWithShape="1">
+          <a:gsLst>
+            <a:gs pos="0">
+              <a:schemeClr val="phClr">
+                <a:lumMod val="110000"/>
+                <a:satMod val="105000"/>
+                <a:tint val="67000"/>
+              </a:schemeClr>
+            </a:gs>
+            <a:gs pos="50000">
+              <a:schemeClr val="phClr">
+                <a:lumMod val="105000"/>
+                <a:satMod val="103000"/>
+                <a:tint val="73000"/>
+              </a:schemeClr>
+            </a:gs>
+            <a:gs pos="100000">
+              <a:schemeClr val="phClr">
+                <a:lumMod val="105000"/>
+                <a:satMod val="109000"/>
+                <a:tint val="81000"/>
+              </a:schemeClr>
+            </a:gs>
+          </a:gsLst>
+          <a:lin ang="5400000" scaled="0"/>
+        </a:gradFill>
+        <a:gradFill rotWithShape="1">
+          <a:gsLst>
+            <a:gs pos="0">
+              <a:schemeClr val="phClr">
+                <a:satMod val="103000"/>
+                <a:lumMod val="102000"/>
+                <a:tint val="94000"/>
+              </a:schemeClr>
+            </a:gs>
+            <a:gs pos="50000">
+              <a:schemeClr val="phClr">
+                <a:satMod val="110000"/>
+                <a:lumMod val="100000"/>
+                <a:shade val="100000"/>
+              </a:schemeClr>
+            </a:gs>
+            <a:gs pos="100000">
+              <a:schemeClr val="phClr">
+                <a:lumMod val="99000"/>
+                <a:satMod val="120000"/>
+                <a:shade val="78000"/>
+              </a:schemeClr>
+            </a:gs>
+          </a:gsLst>
+          <a:lin ang="5400000" scaled="0"/>
+        </a:gradFill>
+      </a:fillStyleLst>
+      <a:lnStyleLst>
+        <a:ln w="6350" cap="flat" cmpd="sng" algn="ctr">
+          <a:solidFill>
+            <a:schemeClr val="phClr"/>
+          </a:solidFill>
+          <a:prstDash val="solid"/>
+          <a:miter lim="800000"/>
+        </a:ln>
+        <a:ln w="12700" cap="flat" cmpd="sng" algn="ctr">
+          <a:solidFill>
+            <a:schemeClr val="phClr"/>
+          </a:solidFill>
+          <a:prstDash val="solid"/>
+          <a:miter lim="800000"/>
+        </a:ln>
+        <a:ln w="19050" cap="flat" cmpd="sng" algn="ctr">
+          <a:solidFill>
+            <a:schemeClr val="phClr"/>
+          </a:solidFill>
+          <a:prstDash val="solid"/>
+          <a:miter lim="800000"/>
+        </a:ln>
+      </a:lnStyleLst>
+      <a:effectStyleLst>
+        <a:effectStyle>
+          <a:effectLst/>
+        </a:effectStyle>
+        <a:effectStyle>
+          <a:effectLst/>
+        </a:effectStyle>
+        <a:effectStyle>
+          <a:effectLst>
+            <a:outerShdw blurRad="57150" dist="19050" dir="5400000" algn="ctr" rotWithShape="0">
+              <a:srgbClr val="000000">
+                <a:alpha val="63000"/>
+              </a:srgbClr>
+            </a:outerShdw>
+          </a:effectLst>
+        </a:effectStyle>
+      </a:effectStyleLst>
+      <a:bgFillStyleLst>
+        <a:solidFill>
+          <a:schemeClr val="phClr"/>
+        </a:solidFill>
+        <a:solidFill>
+          <a:schemeClr val="phClr">
+            <a:tint val="95000"/>
+            <a:satMod val="170000"/>
+          </a:schemeClr>
+        </a:solidFill>
+        <a:gradFill rotWithShape="1">
+          <a:gsLst>
+            <a:gs pos="0">
+              <a:schemeClr val="phClr">
+                <a:tint val="93000"/>
+                <a:satMod val="150000"/>
+                <a:shade val="98000"/>
+                <a:lumMod val="102000"/>
+              </a:schemeClr>
+            </a:gs>
+            <a:gs pos="50000">
+              <a:schemeClr val="phClr">
+                <a:tint val="98000"/>
+                <a:satMod val="130000"/>
+                <a:shade val="90000"/>
+                <a:lumMod val="103000"/>
+              </a:schemeClr>
+            </a:gs>
+            <a:gs pos="100000">
+              <a:schemeClr val="phClr">
+                <a:shade val="63000"/>
+                <a:satMod val="120000"/>
+              </a:schemeClr>
+            </a:gs>
+          </a:gsLst>
+          <a:lin ang="5400000" scaled="0"/>
+        </a:gradFill>
+      </a:bgFillStyleLst>
+    </a:fmtScheme>
+  </a:themeElements>
+  <a:objectDefaults/>
+  <a:extraClrSchemeLst/>
+  <a:extLst>
+    <a:ext uri="{05A4C25C-085E-4340-85A3-A5531E510DB2}">
+      <thm15:themeFamily xmlns:thm15="http://schemas.microsoft.com/office/thememl/2012/main" name="Office Theme" id="{62F939B6-93AF-4DB8-9C6B-D6C7DFDC589F}" vid="{4A3C46E8-61CC-4603-A589-7422A47A8E4A}"/>
+    </a:ext>
+  </a:extLst>
+</a:theme>
 </file>
--- a/Kaggle_MoA.pptx
+++ b/Kaggle_MoA.pptx
@@ -202,7 +202,7 @@
           <a:p>
             <a:fld id="{20E8D8B0-DEC6-4D85-AF34-2CB4B66E100B}" type="datetimeFigureOut">
               <a:rPr kumimoji="1" lang="ja-JP" altLang="en-US" smtClean="0"/>
-              <a:t>2020/10/27</a:t>
+              <a:t>2020/10/28</a:t>
             </a:fld>
             <a:endParaRPr kumimoji="1" lang="ja-JP" altLang="en-US"/>
           </a:p>
@@ -637,6 +637,12 @@
               <a:rPr kumimoji="1" lang="en-US" altLang="ja-JP" dirty="0"/>
               <a:t>https://www.kaggle.com/c/lish-moa/discussion/193363</a:t>
             </a:r>
+          </a:p>
+          <a:p>
+            <a:r>
+              <a:rPr kumimoji="1" lang="en-US" altLang="ja-JP" dirty="0"/>
+              <a:t>https://www.kaggle.com/c/lish-moa/discussion/190693</a:t>
+            </a:r>
             <a:endParaRPr kumimoji="1" lang="ja-JP" altLang="en-US" dirty="0"/>
           </a:p>
         </p:txBody>
@@ -912,7 +918,7 @@
           <a:p>
             <a:fld id="{DE38A0FA-1066-4405-A9B4-B20FDCFA17CE}" type="datetimeFigureOut">
               <a:rPr kumimoji="1" lang="ja-JP" altLang="en-US" smtClean="0"/>
-              <a:t>2020/10/27</a:t>
+              <a:t>2020/10/28</a:t>
             </a:fld>
             <a:endParaRPr kumimoji="1" lang="ja-JP" altLang="en-US"/>
           </a:p>
@@ -1142,7 +1148,7 @@
           <a:p>
             <a:fld id="{DE38A0FA-1066-4405-A9B4-B20FDCFA17CE}" type="datetimeFigureOut">
               <a:rPr kumimoji="1" lang="ja-JP" altLang="en-US" smtClean="0"/>
-              <a:t>2020/10/27</a:t>
+              <a:t>2020/10/28</a:t>
             </a:fld>
             <a:endParaRPr kumimoji="1" lang="ja-JP" altLang="en-US"/>
           </a:p>
@@ -1382,7 +1388,7 @@
           <a:p>
             <a:fld id="{DE38A0FA-1066-4405-A9B4-B20FDCFA17CE}" type="datetimeFigureOut">
               <a:rPr kumimoji="1" lang="ja-JP" altLang="en-US" smtClean="0"/>
-              <a:t>2020/10/27</a:t>
+              <a:t>2020/10/28</a:t>
             </a:fld>
             <a:endParaRPr kumimoji="1" lang="ja-JP" altLang="en-US"/>
           </a:p>
@@ -1612,7 +1618,7 @@
           <a:p>
             <a:fld id="{DE38A0FA-1066-4405-A9B4-B20FDCFA17CE}" type="datetimeFigureOut">
               <a:rPr kumimoji="1" lang="ja-JP" altLang="en-US" smtClean="0"/>
-              <a:t>2020/10/27</a:t>
+              <a:t>2020/10/28</a:t>
             </a:fld>
             <a:endParaRPr kumimoji="1" lang="ja-JP" altLang="en-US"/>
           </a:p>
@@ -1887,7 +1893,7 @@
           <a:p>
             <a:fld id="{DE38A0FA-1066-4405-A9B4-B20FDCFA17CE}" type="datetimeFigureOut">
               <a:rPr kumimoji="1" lang="ja-JP" altLang="en-US" smtClean="0"/>
-              <a:t>2020/10/27</a:t>
+              <a:t>2020/10/28</a:t>
             </a:fld>
             <a:endParaRPr kumimoji="1" lang="ja-JP" altLang="en-US"/>
           </a:p>
@@ -2216,7 +2222,7 @@
           <a:p>
             <a:fld id="{DE38A0FA-1066-4405-A9B4-B20FDCFA17CE}" type="datetimeFigureOut">
               <a:rPr kumimoji="1" lang="ja-JP" altLang="en-US" smtClean="0"/>
-              <a:t>2020/10/27</a:t>
+              <a:t>2020/10/28</a:t>
             </a:fld>
             <a:endParaRPr kumimoji="1" lang="ja-JP" altLang="en-US"/>
           </a:p>
@@ -2692,7 +2698,7 @@
           <a:p>
             <a:fld id="{DE38A0FA-1066-4405-A9B4-B20FDCFA17CE}" type="datetimeFigureOut">
               <a:rPr kumimoji="1" lang="ja-JP" altLang="en-US" smtClean="0"/>
-              <a:t>2020/10/27</a:t>
+              <a:t>2020/10/28</a:t>
             </a:fld>
             <a:endParaRPr kumimoji="1" lang="ja-JP" altLang="en-US"/>
           </a:p>
@@ -2833,7 +2839,7 @@
           <a:p>
             <a:fld id="{DE38A0FA-1066-4405-A9B4-B20FDCFA17CE}" type="datetimeFigureOut">
               <a:rPr kumimoji="1" lang="ja-JP" altLang="en-US" smtClean="0"/>
-              <a:t>2020/10/27</a:t>
+              <a:t>2020/10/28</a:t>
             </a:fld>
             <a:endParaRPr kumimoji="1" lang="ja-JP" altLang="en-US"/>
           </a:p>
@@ -2946,7 +2952,7 @@
           <a:p>
             <a:fld id="{DE38A0FA-1066-4405-A9B4-B20FDCFA17CE}" type="datetimeFigureOut">
               <a:rPr kumimoji="1" lang="ja-JP" altLang="en-US" smtClean="0"/>
-              <a:t>2020/10/27</a:t>
+              <a:t>2020/10/28</a:t>
             </a:fld>
             <a:endParaRPr kumimoji="1" lang="ja-JP" altLang="en-US"/>
           </a:p>
@@ -3289,7 +3295,7 @@
           <a:p>
             <a:fld id="{DE38A0FA-1066-4405-A9B4-B20FDCFA17CE}" type="datetimeFigureOut">
               <a:rPr kumimoji="1" lang="ja-JP" altLang="en-US" smtClean="0"/>
-              <a:t>2020/10/27</a:t>
+              <a:t>2020/10/28</a:t>
             </a:fld>
             <a:endParaRPr kumimoji="1" lang="ja-JP" altLang="en-US"/>
           </a:p>
@@ -3577,7 +3583,7 @@
           <a:p>
             <a:fld id="{DE38A0FA-1066-4405-A9B4-B20FDCFA17CE}" type="datetimeFigureOut">
               <a:rPr kumimoji="1" lang="ja-JP" altLang="en-US" smtClean="0"/>
-              <a:t>2020/10/27</a:t>
+              <a:t>2020/10/28</a:t>
             </a:fld>
             <a:endParaRPr kumimoji="1" lang="ja-JP" altLang="en-US"/>
           </a:p>
@@ -3850,7 +3856,7 @@
           <a:p>
             <a:fld id="{DE38A0FA-1066-4405-A9B4-B20FDCFA17CE}" type="datetimeFigureOut">
               <a:rPr kumimoji="1" lang="ja-JP" altLang="en-US" smtClean="0"/>
-              <a:t>2020/10/27</a:t>
+              <a:t>2020/10/28</a:t>
             </a:fld>
             <a:endParaRPr kumimoji="1" lang="ja-JP" altLang="en-US"/>
           </a:p>
@@ -6013,7 +6019,23 @@
               </a:r>
               <a:r>
                 <a:rPr kumimoji="1" lang="ja-JP" altLang="en-US" sz="1400" dirty="0"/>
-                <a:t>」列は細胞生存率</a:t>
+                <a:t>」列は</a:t>
+              </a:r>
+              <a:r>
+                <a:rPr kumimoji="1" lang="en-US" altLang="ja-JP" sz="1400" dirty="0"/>
+                <a:t>(</a:t>
+              </a:r>
+              <a:r>
+                <a:rPr kumimoji="1" lang="ja-JP" altLang="en-US" sz="1400" dirty="0"/>
+                <a:t>癌</a:t>
+              </a:r>
+              <a:r>
+                <a:rPr kumimoji="1" lang="en-US" altLang="ja-JP" sz="1400" dirty="0"/>
+                <a:t>)</a:t>
+              </a:r>
+              <a:r>
+                <a:rPr kumimoji="1" lang="ja-JP" altLang="en-US" sz="1400" dirty="0"/>
+                <a:t>細胞生存率</a:t>
               </a:r>
               <a:endParaRPr kumimoji="1" lang="en-US" altLang="ja-JP" sz="1400" dirty="0"/>
             </a:p>
@@ -6066,24 +6088,24 @@
               </a:lnSpc>
             </a:pPr>
             <a:r>
-              <a:rPr lang="ja-JP" altLang="en-US" sz="2400">
+              <a:rPr lang="ja-JP" altLang="en-US" sz="2400" dirty="0">
                 <a:latin typeface="游ゴシック 本文"/>
               </a:rPr>
               <a:t>約</a:t>
             </a:r>
             <a:r>
-              <a:rPr lang="en-US" altLang="ja-JP" sz="2400">
+              <a:rPr lang="en-US" altLang="ja-JP" sz="2400" dirty="0">
                 <a:latin typeface="游ゴシック 本文"/>
               </a:rPr>
               <a:t>5,000</a:t>
             </a:r>
             <a:r>
-              <a:rPr lang="ja-JP" altLang="en-US" sz="2400">
+              <a:rPr lang="ja-JP" altLang="en-US" sz="2400" dirty="0">
                 <a:latin typeface="游ゴシック 本文"/>
               </a:rPr>
               <a:t>種類の薬を使った実験データ</a:t>
             </a:r>
-            <a:endParaRPr lang="en-US" altLang="ja-JP" sz="2400">
+            <a:endParaRPr lang="en-US" altLang="ja-JP" sz="2400" dirty="0">
               <a:latin typeface="游ゴシック 本文"/>
             </a:endParaRPr>
           </a:p>
@@ -6094,30 +6116,30 @@
               </a:lnSpc>
             </a:pPr>
             <a:r>
-              <a:rPr lang="en-US" altLang="ja-JP" sz="2000">
+              <a:rPr lang="en-US" altLang="ja-JP" sz="2000" dirty="0">
                 <a:latin typeface="游ゴシック 本文"/>
               </a:rPr>
               <a:t>1</a:t>
             </a:r>
             <a:r>
-              <a:rPr lang="ja-JP" altLang="en-US" sz="2000">
+              <a:rPr lang="ja-JP" altLang="en-US" sz="2000" dirty="0">
                 <a:latin typeface="游ゴシック 本文"/>
               </a:rPr>
               <a:t>行</a:t>
             </a:r>
             <a:r>
-              <a:rPr kumimoji="1" lang="en-US" altLang="ja-JP" sz="2000">
+              <a:rPr kumimoji="1" lang="en-US" altLang="ja-JP" sz="2000" dirty="0">
                 <a:latin typeface="游ゴシック 本文"/>
               </a:rPr>
               <a:t>1</a:t>
             </a:r>
             <a:r>
-              <a:rPr lang="ja-JP" altLang="en-US" sz="2000">
+              <a:rPr lang="ja-JP" altLang="en-US" sz="2000" dirty="0">
                 <a:latin typeface="游ゴシック 本文"/>
               </a:rPr>
               <a:t>実験</a:t>
             </a:r>
-            <a:endParaRPr lang="en-US" altLang="ja-JP" sz="2000">
+            <a:endParaRPr lang="en-US" altLang="ja-JP" sz="2000" dirty="0">
               <a:latin typeface="游ゴシック 本文"/>
             </a:endParaRPr>
           </a:p>
@@ -6128,30 +6150,30 @@
               </a:lnSpc>
             </a:pPr>
             <a:r>
-              <a:rPr lang="en-US" altLang="ja-JP" sz="2400" b="0" i="0">
+              <a:rPr lang="en-US" altLang="ja-JP" sz="2400" b="0" i="0" dirty="0">
                 <a:latin typeface="游ゴシック 本文"/>
               </a:rPr>
               <a:t>1</a:t>
             </a:r>
             <a:r>
-              <a:rPr lang="ja-JP" altLang="en-US" sz="2400" b="0" i="0">
+              <a:rPr lang="ja-JP" altLang="en-US" sz="2400" b="0" i="0" dirty="0">
                 <a:latin typeface="游ゴシック 本文"/>
               </a:rPr>
               <a:t>つの薬について</a:t>
             </a:r>
             <a:r>
-              <a:rPr lang="en-US" altLang="ja-JP" sz="2400" b="0" i="0">
+              <a:rPr lang="en-US" altLang="ja-JP" sz="2400" b="0" i="0" dirty="0">
                 <a:latin typeface="游ゴシック 本文"/>
               </a:rPr>
               <a:t>7</a:t>
             </a:r>
             <a:r>
-              <a:rPr lang="ja-JP" altLang="en-US" sz="2400" b="0" i="0">
+              <a:rPr lang="ja-JP" altLang="en-US" sz="2400" b="0" i="0" dirty="0">
                 <a:latin typeface="游ゴシック 本文"/>
               </a:rPr>
               <a:t>行ある</a:t>
             </a:r>
-            <a:endParaRPr lang="en-US" altLang="ja-JP" sz="2400" b="0" i="0">
+            <a:endParaRPr lang="en-US" altLang="ja-JP" sz="2400" b="0" i="0" dirty="0">
               <a:latin typeface="游ゴシック 本文"/>
             </a:endParaRPr>
           </a:p>
@@ -6162,34 +6184,46 @@
               </a:lnSpc>
             </a:pPr>
             <a:r>
-              <a:rPr lang="en-US" altLang="ja-JP" sz="2000" b="0" i="0">
+              <a:rPr lang="en-US" altLang="ja-JP" sz="2000" b="0" i="0" dirty="0">
                 <a:latin typeface="游ゴシック 本文"/>
               </a:rPr>
               <a:t>6</a:t>
             </a:r>
             <a:r>
-              <a:rPr lang="ja-JP" altLang="en-US" sz="2000">
+              <a:rPr lang="ja-JP" altLang="en-US" sz="2000" dirty="0">
                 <a:latin typeface="游ゴシック 本文"/>
               </a:rPr>
               <a:t>通りの実験条件</a:t>
             </a:r>
             <a:r>
-              <a:rPr lang="en-US" altLang="ja-JP" sz="2000" b="0" i="0">
+              <a:rPr lang="en-US" altLang="ja-JP" sz="2000" b="0" i="0" dirty="0">
                 <a:latin typeface="游ゴシック 本文"/>
               </a:rPr>
-              <a:t>(cp_time</a:t>
-            </a:r>
-            <a:r>
-              <a:rPr lang="ja-JP" altLang="en-US" sz="2000" b="0" i="0">
+              <a:t>(</a:t>
+            </a:r>
+            <a:r>
+              <a:rPr lang="en-US" altLang="ja-JP" sz="2000" b="0" i="0" dirty="0" err="1">
+                <a:latin typeface="游ゴシック 本文"/>
+              </a:rPr>
+              <a:t>cp_time</a:t>
+            </a:r>
+            <a:r>
+              <a:rPr lang="ja-JP" altLang="en-US" sz="2000" b="0" i="0" dirty="0">
                 <a:latin typeface="游ゴシック 本文"/>
               </a:rPr>
               <a:t>列</a:t>
             </a:r>
             <a:r>
-              <a:rPr lang="en-US" altLang="ja-JP" sz="2000" b="0" i="0">
+              <a:rPr lang="en-US" altLang="ja-JP" sz="2000" b="0" i="0" dirty="0">
                 <a:latin typeface="游ゴシック 本文"/>
               </a:rPr>
-              <a:t>, cp_dose</a:t>
+              <a:t>, </a:t>
+            </a:r>
+            <a:r>
+              <a:rPr lang="en-US" altLang="ja-JP" sz="2000" b="0" i="0" dirty="0" err="1">
+                <a:latin typeface="游ゴシック 本文"/>
+              </a:rPr>
+              <a:t>cp_dose</a:t>
             </a:r>
             <a:r>
               <a:rPr lang="ja-JP" altLang="en-US" sz="2000" b="0" i="0">
@@ -6198,30 +6232,30 @@
               <a:t>列の組み合わせ</a:t>
             </a:r>
             <a:r>
-              <a:rPr lang="en-US" altLang="ja-JP" sz="2000" b="0" i="0">
+              <a:rPr lang="en-US" altLang="ja-JP" sz="2000" b="0" i="0" dirty="0">
                 <a:latin typeface="游ゴシック 本文"/>
               </a:rPr>
               <a:t>) + </a:t>
             </a:r>
             <a:r>
-              <a:rPr lang="ja-JP" altLang="en-US" sz="2000" b="0" i="0">
+              <a:rPr lang="ja-JP" altLang="en-US" sz="2000" b="0" i="0" dirty="0">
                 <a:latin typeface="游ゴシック 本文"/>
               </a:rPr>
               <a:t>薬投与なし の</a:t>
             </a:r>
             <a:r>
-              <a:rPr lang="en-US" altLang="ja-JP" sz="2000" b="0" i="0">
+              <a:rPr lang="en-US" altLang="ja-JP" sz="2000" b="0" i="0" dirty="0">
                 <a:latin typeface="游ゴシック 本文"/>
               </a:rPr>
               <a:t>7</a:t>
             </a:r>
             <a:r>
-              <a:rPr lang="ja-JP" altLang="en-US" sz="2000" b="0" i="0">
+              <a:rPr lang="ja-JP" altLang="en-US" sz="2000" b="0" i="0" dirty="0">
                 <a:latin typeface="游ゴシック 本文"/>
               </a:rPr>
               <a:t>行</a:t>
             </a:r>
-            <a:endParaRPr lang="en-US" altLang="ja-JP" sz="2000" b="0" i="0">
+            <a:endParaRPr lang="en-US" altLang="ja-JP" sz="2000" b="0" i="0" dirty="0">
               <a:latin typeface="游ゴシック 本文"/>
             </a:endParaRPr>
           </a:p>
@@ -6232,12 +6266,12 @@
               </a:lnSpc>
             </a:pPr>
             <a:r>
-              <a:rPr lang="ja-JP" altLang="en-US" sz="2400" b="0" i="0">
+              <a:rPr lang="ja-JP" altLang="en-US" sz="2400" b="0" i="0" dirty="0">
                 <a:latin typeface="游ゴシック 本文"/>
               </a:rPr>
               <a:t>薬の種類を識別する情報なし</a:t>
             </a:r>
-            <a:endParaRPr lang="en-US" altLang="ja-JP" sz="2400" b="0" i="0">
+            <a:endParaRPr lang="en-US" altLang="ja-JP" sz="2400" b="0" i="0" dirty="0">
               <a:latin typeface="游ゴシック 本文"/>
             </a:endParaRPr>
           </a:p>
@@ -6248,37 +6282,37 @@
               </a:lnSpc>
             </a:pPr>
             <a:r>
-              <a:rPr lang="en-US" altLang="ja-JP" sz="2000">
+              <a:rPr lang="en-US" altLang="ja-JP" sz="2000" dirty="0" err="1">
                 <a:latin typeface="游ゴシック 本文"/>
               </a:rPr>
               <a:t>Kfold</a:t>
             </a:r>
             <a:r>
-              <a:rPr lang="ja-JP" altLang="en-US" sz="2000">
+              <a:rPr lang="ja-JP" altLang="en-US" sz="2000" dirty="0">
                 <a:latin typeface="游ゴシック 本文"/>
               </a:rPr>
               <a:t>で</a:t>
             </a:r>
             <a:r>
-              <a:rPr lang="en-US" altLang="ja-JP" sz="2000">
+              <a:rPr lang="en-US" altLang="ja-JP" sz="2000" dirty="0">
                 <a:latin typeface="游ゴシック 本文"/>
               </a:rPr>
               <a:t>CV</a:t>
             </a:r>
             <a:r>
-              <a:rPr lang="ja-JP" altLang="en-US" sz="2000">
+              <a:rPr lang="ja-JP" altLang="en-US" sz="2000" dirty="0">
                 <a:latin typeface="游ゴシック 本文"/>
               </a:rPr>
               <a:t>作ると同種の薬のデータが混じってリークする。薬の種類で</a:t>
             </a:r>
             <a:r>
-              <a:rPr lang="en-US" altLang="ja-JP" sz="2000">
+              <a:rPr lang="en-US" altLang="ja-JP" sz="2000" dirty="0" err="1">
                 <a:latin typeface="游ゴシック 本文"/>
               </a:rPr>
               <a:t>GroupKFold</a:t>
             </a:r>
             <a:r>
-              <a:rPr lang="ja-JP" altLang="en-US" sz="2000">
+              <a:rPr lang="ja-JP" altLang="en-US" sz="2000" dirty="0">
                 <a:latin typeface="游ゴシック 本文"/>
               </a:rPr>
               <a:t>したいができない</a:t>

--- a/Kaggle_MoA.pptx
+++ b/Kaggle_MoA.pptx
@@ -202,7 +202,7 @@
           <a:p>
             <a:fld id="{20E8D8B0-DEC6-4D85-AF34-2CB4B66E100B}" type="datetimeFigureOut">
               <a:rPr kumimoji="1" lang="ja-JP" altLang="en-US" smtClean="0"/>
-              <a:t>2020/10/28</a:t>
+              <a:t>2020/10/30</a:t>
             </a:fld>
             <a:endParaRPr kumimoji="1" lang="ja-JP" altLang="en-US"/>
           </a:p>
@@ -643,6 +643,28 @@
               <a:rPr kumimoji="1" lang="en-US" altLang="ja-JP" dirty="0"/>
               <a:t>https://www.kaggle.com/c/lish-moa/discussion/190693</a:t>
             </a:r>
+          </a:p>
+          <a:p>
+            <a:endParaRPr kumimoji="1" lang="en-US" altLang="ja-JP" dirty="0"/>
+          </a:p>
+          <a:p>
+            <a:r>
+              <a:rPr lang="ja-JP" altLang="en-US" b="0" i="0" dirty="0">
+                <a:effectLst/>
+                <a:latin typeface="Inter"/>
+              </a:rPr>
+              <a:t>トレインセットと検証セットの両方に同じ薬剤からの実験が含まれる分割を引き起こす可能性があります。</a:t>
+            </a:r>
+            <a:endParaRPr kumimoji="1" lang="en-US" altLang="ja-JP" b="0" i="0" dirty="0">
+              <a:effectLst/>
+              <a:latin typeface="Inter"/>
+            </a:endParaRPr>
+          </a:p>
+          <a:p>
+            <a:r>
+              <a:rPr kumimoji="1" lang="en-US" altLang="ja-JP"/>
+              <a:t>https://www.kaggle.com/c/lish-moa/discussion/193702</a:t>
+            </a:r>
             <a:endParaRPr kumimoji="1" lang="ja-JP" altLang="en-US" dirty="0"/>
           </a:p>
         </p:txBody>
@@ -918,7 +940,7 @@
           <a:p>
             <a:fld id="{DE38A0FA-1066-4405-A9B4-B20FDCFA17CE}" type="datetimeFigureOut">
               <a:rPr kumimoji="1" lang="ja-JP" altLang="en-US" smtClean="0"/>
-              <a:t>2020/10/28</a:t>
+              <a:t>2020/10/30</a:t>
             </a:fld>
             <a:endParaRPr kumimoji="1" lang="ja-JP" altLang="en-US"/>
           </a:p>
@@ -1148,7 +1170,7 @@
           <a:p>
             <a:fld id="{DE38A0FA-1066-4405-A9B4-B20FDCFA17CE}" type="datetimeFigureOut">
               <a:rPr kumimoji="1" lang="ja-JP" altLang="en-US" smtClean="0"/>
-              <a:t>2020/10/28</a:t>
+              <a:t>2020/10/30</a:t>
             </a:fld>
             <a:endParaRPr kumimoji="1" lang="ja-JP" altLang="en-US"/>
           </a:p>
@@ -1388,7 +1410,7 @@
           <a:p>
             <a:fld id="{DE38A0FA-1066-4405-A9B4-B20FDCFA17CE}" type="datetimeFigureOut">
               <a:rPr kumimoji="1" lang="ja-JP" altLang="en-US" smtClean="0"/>
-              <a:t>2020/10/28</a:t>
+              <a:t>2020/10/30</a:t>
             </a:fld>
             <a:endParaRPr kumimoji="1" lang="ja-JP" altLang="en-US"/>
           </a:p>
@@ -1618,7 +1640,7 @@
           <a:p>
             <a:fld id="{DE38A0FA-1066-4405-A9B4-B20FDCFA17CE}" type="datetimeFigureOut">
               <a:rPr kumimoji="1" lang="ja-JP" altLang="en-US" smtClean="0"/>
-              <a:t>2020/10/28</a:t>
+              <a:t>2020/10/30</a:t>
             </a:fld>
             <a:endParaRPr kumimoji="1" lang="ja-JP" altLang="en-US"/>
           </a:p>
@@ -1893,7 +1915,7 @@
           <a:p>
             <a:fld id="{DE38A0FA-1066-4405-A9B4-B20FDCFA17CE}" type="datetimeFigureOut">
               <a:rPr kumimoji="1" lang="ja-JP" altLang="en-US" smtClean="0"/>
-              <a:t>2020/10/28</a:t>
+              <a:t>2020/10/30</a:t>
             </a:fld>
             <a:endParaRPr kumimoji="1" lang="ja-JP" altLang="en-US"/>
           </a:p>
@@ -2222,7 +2244,7 @@
           <a:p>
             <a:fld id="{DE38A0FA-1066-4405-A9B4-B20FDCFA17CE}" type="datetimeFigureOut">
               <a:rPr kumimoji="1" lang="ja-JP" altLang="en-US" smtClean="0"/>
-              <a:t>2020/10/28</a:t>
+              <a:t>2020/10/30</a:t>
             </a:fld>
             <a:endParaRPr kumimoji="1" lang="ja-JP" altLang="en-US"/>
           </a:p>
@@ -2698,7 +2720,7 @@
           <a:p>
             <a:fld id="{DE38A0FA-1066-4405-A9B4-B20FDCFA17CE}" type="datetimeFigureOut">
               <a:rPr kumimoji="1" lang="ja-JP" altLang="en-US" smtClean="0"/>
-              <a:t>2020/10/28</a:t>
+              <a:t>2020/10/30</a:t>
             </a:fld>
             <a:endParaRPr kumimoji="1" lang="ja-JP" altLang="en-US"/>
           </a:p>
@@ -2839,7 +2861,7 @@
           <a:p>
             <a:fld id="{DE38A0FA-1066-4405-A9B4-B20FDCFA17CE}" type="datetimeFigureOut">
               <a:rPr kumimoji="1" lang="ja-JP" altLang="en-US" smtClean="0"/>
-              <a:t>2020/10/28</a:t>
+              <a:t>2020/10/30</a:t>
             </a:fld>
             <a:endParaRPr kumimoji="1" lang="ja-JP" altLang="en-US"/>
           </a:p>
@@ -2952,7 +2974,7 @@
           <a:p>
             <a:fld id="{DE38A0FA-1066-4405-A9B4-B20FDCFA17CE}" type="datetimeFigureOut">
               <a:rPr kumimoji="1" lang="ja-JP" altLang="en-US" smtClean="0"/>
-              <a:t>2020/10/28</a:t>
+              <a:t>2020/10/30</a:t>
             </a:fld>
             <a:endParaRPr kumimoji="1" lang="ja-JP" altLang="en-US"/>
           </a:p>
@@ -3295,7 +3317,7 @@
           <a:p>
             <a:fld id="{DE38A0FA-1066-4405-A9B4-B20FDCFA17CE}" type="datetimeFigureOut">
               <a:rPr kumimoji="1" lang="ja-JP" altLang="en-US" smtClean="0"/>
-              <a:t>2020/10/28</a:t>
+              <a:t>2020/10/30</a:t>
             </a:fld>
             <a:endParaRPr kumimoji="1" lang="ja-JP" altLang="en-US"/>
           </a:p>
@@ -3583,7 +3605,7 @@
           <a:p>
             <a:fld id="{DE38A0FA-1066-4405-A9B4-B20FDCFA17CE}" type="datetimeFigureOut">
               <a:rPr kumimoji="1" lang="ja-JP" altLang="en-US" smtClean="0"/>
-              <a:t>2020/10/28</a:t>
+              <a:t>2020/10/30</a:t>
             </a:fld>
             <a:endParaRPr kumimoji="1" lang="ja-JP" altLang="en-US"/>
           </a:p>
@@ -3856,7 +3878,7 @@
           <a:p>
             <a:fld id="{DE38A0FA-1066-4405-A9B4-B20FDCFA17CE}" type="datetimeFigureOut">
               <a:rPr kumimoji="1" lang="ja-JP" altLang="en-US" smtClean="0"/>
-              <a:t>2020/10/28</a:t>
+              <a:t>2020/10/30</a:t>
             </a:fld>
             <a:endParaRPr kumimoji="1" lang="ja-JP" altLang="en-US"/>
           </a:p>

--- a/Kaggle_MoA.pptx
+++ b/Kaggle_MoA.pptx
@@ -202,7 +202,7 @@
           <a:p>
             <a:fld id="{20E8D8B0-DEC6-4D85-AF34-2CB4B66E100B}" type="datetimeFigureOut">
               <a:rPr kumimoji="1" lang="ja-JP" altLang="en-US" smtClean="0"/>
-              <a:t>2020/10/30</a:t>
+              <a:t>2020/11/7</a:t>
             </a:fld>
             <a:endParaRPr kumimoji="1" lang="ja-JP" altLang="en-US"/>
           </a:p>
@@ -545,9 +545,103 @@
           <a:bodyPr/>
           <a:lstStyle/>
           <a:p>
+            <a:pPr marL="0" marR="0" lvl="0" indent="0" algn="l" defTabSz="914400" rtl="0" eaLnBrk="1" fontAlgn="auto" latinLnBrk="0" hangingPunct="1">
+              <a:lnSpc>
+                <a:spcPct val="100000"/>
+              </a:lnSpc>
+              <a:spcBef>
+                <a:spcPts val="0"/>
+              </a:spcBef>
+              <a:spcAft>
+                <a:spcPts val="0"/>
+              </a:spcAft>
+              <a:buClrTx/>
+              <a:buSzTx/>
+              <a:buFontTx/>
+              <a:buNone/>
+              <a:tabLst/>
+              <a:defRPr/>
+            </a:pPr>
+            <a:r>
+              <a:rPr kumimoji="1" lang="ja-JP" altLang="en-US" dirty="0"/>
+              <a:t>薬が病気のタンパク質などに作用する化学反応の流れ</a:t>
+            </a:r>
+            <a:endParaRPr kumimoji="1" lang="en-US" altLang="ja-JP" dirty="0"/>
+          </a:p>
+          <a:p>
+            <a:r>
+              <a:rPr kumimoji="1" lang="ja-JP" altLang="en-US" dirty="0"/>
+              <a:t>例えば、抗うつ薬は、脳のセロトニンレベルに影響を与える選択的セロトニン再取り込み阻害剤（</a:t>
+            </a:r>
             <a:r>
               <a:rPr kumimoji="1" lang="en-US" altLang="ja-JP" dirty="0"/>
-              <a:t>https://www.kaggle.com/c/lish-moa/data</a:t>
+              <a:t>SSRI</a:t>
+            </a:r>
+            <a:r>
+              <a:rPr kumimoji="1" lang="ja-JP" altLang="en-US" dirty="0"/>
+              <a:t>）を持っている可能性があります</a:t>
+            </a:r>
+            <a:endParaRPr kumimoji="1" lang="en-US" altLang="ja-JP" dirty="0"/>
+          </a:p>
+          <a:p>
+            <a:r>
+              <a:rPr kumimoji="1" lang="en-US" altLang="ja-JP" dirty="0"/>
+              <a:t>https://www.kaggle.com/sinamhd9/me</a:t>
+            </a:r>
+          </a:p>
+          <a:p>
+            <a:endParaRPr kumimoji="1" lang="en-US" altLang="ja-JP" dirty="0"/>
+          </a:p>
+          <a:p>
+            <a:r>
+              <a:rPr kumimoji="1" lang="ja-JP" altLang="en-US" dirty="0"/>
+              <a:t>オプジーボは、</a:t>
+            </a:r>
+            <a:r>
+              <a:rPr kumimoji="1" lang="en-US" altLang="ja-JP" dirty="0"/>
+              <a:t>PD-1</a:t>
+            </a:r>
+            <a:r>
+              <a:rPr kumimoji="1" lang="ja-JP" altLang="en-US" dirty="0"/>
+              <a:t>と</a:t>
+            </a:r>
+            <a:r>
+              <a:rPr kumimoji="1" lang="en-US" altLang="ja-JP" dirty="0"/>
+              <a:t>PD-1</a:t>
+            </a:r>
+            <a:r>
+              <a:rPr kumimoji="1" lang="ja-JP" altLang="en-US" dirty="0"/>
+              <a:t>リガンド（</a:t>
+            </a:r>
+            <a:r>
+              <a:rPr kumimoji="1" lang="en-US" altLang="ja-JP" dirty="0"/>
+              <a:t>PD-L1</a:t>
+            </a:r>
+            <a:r>
+              <a:rPr kumimoji="1" lang="ja-JP" altLang="en-US" dirty="0"/>
+              <a:t>および</a:t>
+            </a:r>
+            <a:r>
+              <a:rPr kumimoji="1" lang="en-US" altLang="ja-JP" dirty="0"/>
+              <a:t>PD-L2</a:t>
+            </a:r>
+            <a:r>
+              <a:rPr kumimoji="1" lang="ja-JP" altLang="en-US" dirty="0"/>
+              <a:t>）との結合を阻害することで、がん細胞により不応答となっていた抗原特異的</a:t>
+            </a:r>
+            <a:r>
+              <a:rPr kumimoji="1" lang="en-US" altLang="ja-JP" dirty="0"/>
+              <a:t>T</a:t>
+            </a:r>
+            <a:r>
+              <a:rPr kumimoji="1" lang="ja-JP" altLang="en-US" dirty="0"/>
+              <a:t>細胞を回復・活性化させ、抗腫瘍効果を示す</a:t>
+            </a:r>
+          </a:p>
+          <a:p>
+            <a:r>
+              <a:rPr kumimoji="1" lang="en-US" altLang="ja-JP" dirty="0"/>
+              <a:t>https://www.opdivo.jp/basic-info/action/</a:t>
             </a:r>
             <a:endParaRPr kumimoji="1" lang="ja-JP" altLang="en-US" dirty="0"/>
           </a:p>
@@ -570,7 +664,7 @@
           <a:p>
             <a:fld id="{A398EE22-1D8E-4C5D-B5CD-DB0DE9C89355}" type="slidenum">
               <a:rPr kumimoji="1" lang="ja-JP" altLang="en-US" smtClean="0"/>
-              <a:t>3</a:t>
+              <a:t>2</a:t>
             </a:fld>
             <a:endParaRPr kumimoji="1" lang="ja-JP" altLang="en-US"/>
           </a:p>
@@ -579,7 +673,7 @@
     </p:spTree>
     <p:extLst>
       <p:ext uri="{BB962C8B-B14F-4D97-AF65-F5344CB8AC3E}">
-        <p14:creationId xmlns:p14="http://schemas.microsoft.com/office/powerpoint/2010/main" val="2431346452"/>
+        <p14:creationId xmlns:p14="http://schemas.microsoft.com/office/powerpoint/2010/main" val="1325434909"/>
       </p:ext>
     </p:extLst>
   </p:cSld>
@@ -635,6 +729,94 @@
           <a:p>
             <a:r>
               <a:rPr kumimoji="1" lang="en-US" altLang="ja-JP" dirty="0"/>
+              <a:t>https://www.kaggle.com/c/lish-moa/data</a:t>
+            </a:r>
+            <a:endParaRPr kumimoji="1" lang="ja-JP" altLang="en-US" dirty="0"/>
+          </a:p>
+        </p:txBody>
+      </p:sp>
+      <p:sp>
+        <p:nvSpPr>
+          <p:cNvPr id="4" name="スライド番号プレースホルダー 3"/>
+          <p:cNvSpPr>
+            <a:spLocks noGrp="1"/>
+          </p:cNvSpPr>
+          <p:nvPr>
+            <p:ph type="sldNum" sz="quarter" idx="5"/>
+          </p:nvPr>
+        </p:nvSpPr>
+        <p:spPr/>
+        <p:txBody>
+          <a:bodyPr/>
+          <a:lstStyle/>
+          <a:p>
+            <a:fld id="{A398EE22-1D8E-4C5D-B5CD-DB0DE9C89355}" type="slidenum">
+              <a:rPr kumimoji="1" lang="ja-JP" altLang="en-US" smtClean="0"/>
+              <a:t>3</a:t>
+            </a:fld>
+            <a:endParaRPr kumimoji="1" lang="ja-JP" altLang="en-US"/>
+          </a:p>
+        </p:txBody>
+      </p:sp>
+    </p:spTree>
+    <p:extLst>
+      <p:ext uri="{BB962C8B-B14F-4D97-AF65-F5344CB8AC3E}">
+        <p14:creationId xmlns:p14="http://schemas.microsoft.com/office/powerpoint/2010/main" val="2431346452"/>
+      </p:ext>
+    </p:extLst>
+  </p:cSld>
+  <p:clrMapOvr>
+    <a:masterClrMapping/>
+  </p:clrMapOvr>
+</p:notes>
+</file>
+
+<file path=ppt/notesSlides/notesSlide3.xml><?xml version="1.0" encoding="utf-8"?>
+<p:notes xmlns:a="http://schemas.openxmlformats.org/drawingml/2006/main" xmlns:r="http://schemas.openxmlformats.org/officeDocument/2006/relationships" xmlns:p="http://schemas.openxmlformats.org/presentationml/2006/main">
+  <p:cSld>
+    <p:spTree>
+      <p:nvGrpSpPr>
+        <p:cNvPr id="1" name=""/>
+        <p:cNvGrpSpPr/>
+        <p:nvPr/>
+      </p:nvGrpSpPr>
+      <p:grpSpPr>
+        <a:xfrm>
+          <a:off x="0" y="0"/>
+          <a:ext cx="0" cy="0"/>
+          <a:chOff x="0" y="0"/>
+          <a:chExt cx="0" cy="0"/>
+        </a:xfrm>
+      </p:grpSpPr>
+      <p:sp>
+        <p:nvSpPr>
+          <p:cNvPr id="2" name="スライド イメージ プレースホルダー 1"/>
+          <p:cNvSpPr>
+            <a:spLocks noGrp="1" noRot="1" noChangeAspect="1"/>
+          </p:cNvSpPr>
+          <p:nvPr>
+            <p:ph type="sldImg"/>
+          </p:nvPr>
+        </p:nvSpPr>
+        <p:spPr/>
+      </p:sp>
+      <p:sp>
+        <p:nvSpPr>
+          <p:cNvPr id="3" name="ノート プレースホルダー 2"/>
+          <p:cNvSpPr>
+            <a:spLocks noGrp="1"/>
+          </p:cNvSpPr>
+          <p:nvPr>
+            <p:ph type="body" idx="1"/>
+          </p:nvPr>
+        </p:nvSpPr>
+        <p:spPr/>
+        <p:txBody>
+          <a:bodyPr/>
+          <a:lstStyle/>
+          <a:p>
+            <a:r>
+              <a:rPr kumimoji="1" lang="en-US" altLang="ja-JP" dirty="0"/>
               <a:t>https://www.kaggle.com/c/lish-moa/discussion/193363</a:t>
             </a:r>
           </a:p>
@@ -662,9 +844,76 @@
           </a:p>
           <a:p>
             <a:r>
-              <a:rPr kumimoji="1" lang="en-US" altLang="ja-JP"/>
+              <a:rPr kumimoji="1" lang="en-US" altLang="ja-JP" dirty="0"/>
               <a:t>https://www.kaggle.com/c/lish-moa/discussion/193702</a:t>
             </a:r>
+          </a:p>
+          <a:p>
+            <a:endParaRPr kumimoji="1" lang="en-US" altLang="ja-JP" dirty="0"/>
+          </a:p>
+          <a:p>
+            <a:pPr>
+              <a:lnSpc>
+                <a:spcPct val="120000"/>
+              </a:lnSpc>
+            </a:pPr>
+            <a:r>
+              <a:rPr lang="ja-JP" altLang="en-US" sz="2400" b="0" i="0" dirty="0">
+                <a:latin typeface="游ゴシック 本文"/>
+              </a:rPr>
+              <a:t>薬の種類を識別する情報なし</a:t>
+            </a:r>
+            <a:endParaRPr lang="en-US" altLang="ja-JP" sz="2400" b="0" i="0" dirty="0">
+              <a:latin typeface="游ゴシック 本文"/>
+            </a:endParaRPr>
+          </a:p>
+          <a:p>
+            <a:pPr>
+              <a:lnSpc>
+                <a:spcPct val="120000"/>
+              </a:lnSpc>
+            </a:pPr>
+            <a:r>
+              <a:rPr lang="en-US" altLang="ja-JP" sz="2000" dirty="0" err="1">
+                <a:latin typeface="游ゴシック 本文"/>
+              </a:rPr>
+              <a:t>Kfold</a:t>
+            </a:r>
+            <a:r>
+              <a:rPr lang="ja-JP" altLang="en-US" sz="2000" dirty="0">
+                <a:latin typeface="游ゴシック 本文"/>
+              </a:rPr>
+              <a:t>で</a:t>
+            </a:r>
+            <a:r>
+              <a:rPr lang="en-US" altLang="ja-JP" sz="2000" dirty="0">
+                <a:latin typeface="游ゴシック 本文"/>
+              </a:rPr>
+              <a:t>CV</a:t>
+            </a:r>
+            <a:r>
+              <a:rPr lang="ja-JP" altLang="en-US" sz="2000" dirty="0">
+                <a:latin typeface="游ゴシック 本文"/>
+              </a:rPr>
+              <a:t>作ると同種の薬のデータが混じってリークする。薬の種類で</a:t>
+            </a:r>
+            <a:r>
+              <a:rPr lang="en-US" altLang="ja-JP" sz="2000" dirty="0" err="1">
+                <a:latin typeface="游ゴシック 本文"/>
+              </a:rPr>
+              <a:t>GroupKFold</a:t>
+            </a:r>
+            <a:r>
+              <a:rPr lang="ja-JP" altLang="en-US" sz="2000" dirty="0">
+                <a:latin typeface="游ゴシック 本文"/>
+              </a:rPr>
+              <a:t>したいができない</a:t>
+            </a:r>
+            <a:endParaRPr kumimoji="1" lang="en-US" altLang="ja-JP" sz="2000" dirty="0">
+              <a:latin typeface="游ゴシック 本文"/>
+            </a:endParaRPr>
+          </a:p>
+          <a:p>
             <a:endParaRPr kumimoji="1" lang="ja-JP" altLang="en-US" dirty="0"/>
           </a:p>
         </p:txBody>
@@ -705,7 +954,7 @@
 </p:notes>
 </file>
 
-<file path=ppt/notesSlides/notesSlide3.xml><?xml version="1.0" encoding="utf-8"?>
+<file path=ppt/notesSlides/notesSlide4.xml><?xml version="1.0" encoding="utf-8"?>
 <p:notes xmlns:a="http://schemas.openxmlformats.org/drawingml/2006/main" xmlns:r="http://schemas.openxmlformats.org/officeDocument/2006/relationships" xmlns:p="http://schemas.openxmlformats.org/presentationml/2006/main">
   <p:cSld>
     <p:spTree>
@@ -940,7 +1189,7 @@
           <a:p>
             <a:fld id="{DE38A0FA-1066-4405-A9B4-B20FDCFA17CE}" type="datetimeFigureOut">
               <a:rPr kumimoji="1" lang="ja-JP" altLang="en-US" smtClean="0"/>
-              <a:t>2020/10/30</a:t>
+              <a:t>2020/11/7</a:t>
             </a:fld>
             <a:endParaRPr kumimoji="1" lang="ja-JP" altLang="en-US"/>
           </a:p>
@@ -1170,7 +1419,7 @@
           <a:p>
             <a:fld id="{DE38A0FA-1066-4405-A9B4-B20FDCFA17CE}" type="datetimeFigureOut">
               <a:rPr kumimoji="1" lang="ja-JP" altLang="en-US" smtClean="0"/>
-              <a:t>2020/10/30</a:t>
+              <a:t>2020/11/7</a:t>
             </a:fld>
             <a:endParaRPr kumimoji="1" lang="ja-JP" altLang="en-US"/>
           </a:p>
@@ -1410,7 +1659,7 @@
           <a:p>
             <a:fld id="{DE38A0FA-1066-4405-A9B4-B20FDCFA17CE}" type="datetimeFigureOut">
               <a:rPr kumimoji="1" lang="ja-JP" altLang="en-US" smtClean="0"/>
-              <a:t>2020/10/30</a:t>
+              <a:t>2020/11/7</a:t>
             </a:fld>
             <a:endParaRPr kumimoji="1" lang="ja-JP" altLang="en-US"/>
           </a:p>
@@ -1640,7 +1889,7 @@
           <a:p>
             <a:fld id="{DE38A0FA-1066-4405-A9B4-B20FDCFA17CE}" type="datetimeFigureOut">
               <a:rPr kumimoji="1" lang="ja-JP" altLang="en-US" smtClean="0"/>
-              <a:t>2020/10/30</a:t>
+              <a:t>2020/11/7</a:t>
             </a:fld>
             <a:endParaRPr kumimoji="1" lang="ja-JP" altLang="en-US"/>
           </a:p>
@@ -1915,7 +2164,7 @@
           <a:p>
             <a:fld id="{DE38A0FA-1066-4405-A9B4-B20FDCFA17CE}" type="datetimeFigureOut">
               <a:rPr kumimoji="1" lang="ja-JP" altLang="en-US" smtClean="0"/>
-              <a:t>2020/10/30</a:t>
+              <a:t>2020/11/7</a:t>
             </a:fld>
             <a:endParaRPr kumimoji="1" lang="ja-JP" altLang="en-US"/>
           </a:p>
@@ -2244,7 +2493,7 @@
           <a:p>
             <a:fld id="{DE38A0FA-1066-4405-A9B4-B20FDCFA17CE}" type="datetimeFigureOut">
               <a:rPr kumimoji="1" lang="ja-JP" altLang="en-US" smtClean="0"/>
-              <a:t>2020/10/30</a:t>
+              <a:t>2020/11/7</a:t>
             </a:fld>
             <a:endParaRPr kumimoji="1" lang="ja-JP" altLang="en-US"/>
           </a:p>
@@ -2720,7 +2969,7 @@
           <a:p>
             <a:fld id="{DE38A0FA-1066-4405-A9B4-B20FDCFA17CE}" type="datetimeFigureOut">
               <a:rPr kumimoji="1" lang="ja-JP" altLang="en-US" smtClean="0"/>
-              <a:t>2020/10/30</a:t>
+              <a:t>2020/11/7</a:t>
             </a:fld>
             <a:endParaRPr kumimoji="1" lang="ja-JP" altLang="en-US"/>
           </a:p>
@@ -2861,7 +3110,7 @@
           <a:p>
             <a:fld id="{DE38A0FA-1066-4405-A9B4-B20FDCFA17CE}" type="datetimeFigureOut">
               <a:rPr kumimoji="1" lang="ja-JP" altLang="en-US" smtClean="0"/>
-              <a:t>2020/10/30</a:t>
+              <a:t>2020/11/7</a:t>
             </a:fld>
             <a:endParaRPr kumimoji="1" lang="ja-JP" altLang="en-US"/>
           </a:p>
@@ -2974,7 +3223,7 @@
           <a:p>
             <a:fld id="{DE38A0FA-1066-4405-A9B4-B20FDCFA17CE}" type="datetimeFigureOut">
               <a:rPr kumimoji="1" lang="ja-JP" altLang="en-US" smtClean="0"/>
-              <a:t>2020/10/30</a:t>
+              <a:t>2020/11/7</a:t>
             </a:fld>
             <a:endParaRPr kumimoji="1" lang="ja-JP" altLang="en-US"/>
           </a:p>
@@ -3317,7 +3566,7 @@
           <a:p>
             <a:fld id="{DE38A0FA-1066-4405-A9B4-B20FDCFA17CE}" type="datetimeFigureOut">
               <a:rPr kumimoji="1" lang="ja-JP" altLang="en-US" smtClean="0"/>
-              <a:t>2020/10/30</a:t>
+              <a:t>2020/11/7</a:t>
             </a:fld>
             <a:endParaRPr kumimoji="1" lang="ja-JP" altLang="en-US"/>
           </a:p>
@@ -3605,7 +3854,7 @@
           <a:p>
             <a:fld id="{DE38A0FA-1066-4405-A9B4-B20FDCFA17CE}" type="datetimeFigureOut">
               <a:rPr kumimoji="1" lang="ja-JP" altLang="en-US" smtClean="0"/>
-              <a:t>2020/10/30</a:t>
+              <a:t>2020/11/7</a:t>
             </a:fld>
             <a:endParaRPr kumimoji="1" lang="ja-JP" altLang="en-US"/>
           </a:p>
@@ -3878,7 +4127,7 @@
           <a:p>
             <a:fld id="{DE38A0FA-1066-4405-A9B4-B20FDCFA17CE}" type="datetimeFigureOut">
               <a:rPr kumimoji="1" lang="ja-JP" altLang="en-US" smtClean="0"/>
-              <a:t>2020/10/30</a:t>
+              <a:t>2020/11/7</a:t>
             </a:fld>
             <a:endParaRPr kumimoji="1" lang="ja-JP" altLang="en-US"/>
           </a:p>
@@ -4442,7 +4691,7 @@
         </p:spPr>
         <p:txBody>
           <a:bodyPr>
-            <a:normAutofit fontScale="92500" lnSpcReduction="20000"/>
+            <a:normAutofit fontScale="92500"/>
           </a:bodyPr>
           <a:lstStyle/>
           <a:p>
@@ -4515,7 +4764,7 @@
             </a:r>
             <a:r>
               <a:rPr kumimoji="1" lang="ja-JP" altLang="en-US" dirty="0"/>
-              <a:t>薬が病気のタンパク質などに作用する化学反応の流れ</a:t>
+              <a:t>薬物がその薬理作用を生み出す生化学的相互作用</a:t>
             </a:r>
             <a:endParaRPr kumimoji="1" lang="en-US" altLang="ja-JP" dirty="0"/>
           </a:p>
@@ -4531,152 +4780,29 @@
             </a:r>
             <a:r>
               <a:rPr kumimoji="1" lang="en-US" altLang="ja-JP" dirty="0"/>
-              <a:t>.</a:t>
-            </a:r>
-            <a:r>
-              <a:rPr lang="ja-JP" altLang="en-US" b="0" i="0" dirty="0">
-                <a:solidFill>
-                  <a:srgbClr val="333333"/>
-                </a:solidFill>
-                <a:effectLst/>
-                <a:latin typeface="-apple-system"/>
-              </a:rPr>
-              <a:t>オプジーボは、</a:t>
-            </a:r>
-            <a:r>
-              <a:rPr lang="en-US" altLang="ja-JP" b="0" i="0" dirty="0">
-                <a:solidFill>
-                  <a:srgbClr val="333333"/>
-                </a:solidFill>
-                <a:effectLst/>
-                <a:latin typeface="-apple-system"/>
-              </a:rPr>
-              <a:t>PD-1</a:t>
-            </a:r>
-            <a:r>
-              <a:rPr lang="ja-JP" altLang="en-US" b="0" i="0" dirty="0">
-                <a:solidFill>
-                  <a:srgbClr val="333333"/>
-                </a:solidFill>
-                <a:effectLst/>
-                <a:latin typeface="-apple-system"/>
-              </a:rPr>
-              <a:t>と</a:t>
-            </a:r>
-            <a:r>
-              <a:rPr lang="en-US" altLang="ja-JP" b="0" i="0" dirty="0">
-                <a:solidFill>
-                  <a:srgbClr val="333333"/>
-                </a:solidFill>
-                <a:effectLst/>
-                <a:latin typeface="-apple-system"/>
-              </a:rPr>
-              <a:t>PD-1</a:t>
-            </a:r>
-            <a:r>
-              <a:rPr lang="ja-JP" altLang="en-US" b="0" i="0" dirty="0">
-                <a:solidFill>
-                  <a:srgbClr val="333333"/>
-                </a:solidFill>
-                <a:effectLst/>
-                <a:latin typeface="-apple-system"/>
-              </a:rPr>
-              <a:t>リガンド（</a:t>
-            </a:r>
-            <a:r>
-              <a:rPr lang="en-US" altLang="ja-JP" b="0" i="0" dirty="0">
-                <a:solidFill>
-                  <a:srgbClr val="333333"/>
-                </a:solidFill>
-                <a:effectLst/>
-                <a:latin typeface="-apple-system"/>
-              </a:rPr>
-              <a:t>PD-L1</a:t>
-            </a:r>
-            <a:r>
-              <a:rPr lang="ja-JP" altLang="en-US" b="0" i="0" dirty="0">
-                <a:solidFill>
-                  <a:srgbClr val="333333"/>
-                </a:solidFill>
-                <a:effectLst/>
-                <a:latin typeface="-apple-system"/>
-              </a:rPr>
-              <a:t>および</a:t>
-            </a:r>
-            <a:r>
-              <a:rPr lang="en-US" altLang="ja-JP" b="0" i="0" dirty="0">
-                <a:solidFill>
-                  <a:srgbClr val="333333"/>
-                </a:solidFill>
-                <a:effectLst/>
-                <a:latin typeface="-apple-system"/>
-              </a:rPr>
-              <a:t>PD-L2</a:t>
-            </a:r>
-            <a:r>
-              <a:rPr lang="ja-JP" altLang="en-US" b="0" i="0" dirty="0">
-                <a:solidFill>
-                  <a:srgbClr val="333333"/>
-                </a:solidFill>
-                <a:effectLst/>
-                <a:latin typeface="-apple-system"/>
-              </a:rPr>
-              <a:t>）との結合を阻害することで、がん細胞により不応答となっていた抗原特異的</a:t>
-            </a:r>
-            <a:r>
-              <a:rPr lang="en-US" altLang="ja-JP" b="0" i="0" dirty="0">
-                <a:solidFill>
-                  <a:srgbClr val="333333"/>
-                </a:solidFill>
-                <a:effectLst/>
-                <a:latin typeface="-apple-system"/>
-              </a:rPr>
-              <a:t>T</a:t>
-            </a:r>
-            <a:r>
-              <a:rPr lang="ja-JP" altLang="en-US" b="0" i="0" dirty="0">
-                <a:solidFill>
-                  <a:srgbClr val="333333"/>
-                </a:solidFill>
-                <a:effectLst/>
-                <a:latin typeface="-apple-system"/>
-              </a:rPr>
-              <a:t>細胞を回復・活性化させ、抗腫瘍効果を示す</a:t>
-            </a:r>
-            <a:endParaRPr lang="en-US" altLang="ja-JP" b="0" i="0" dirty="0">
-              <a:solidFill>
-                <a:srgbClr val="333333"/>
-              </a:solidFill>
-              <a:effectLst/>
-              <a:latin typeface="-apple-system"/>
-            </a:endParaRPr>
-          </a:p>
-          <a:p>
-            <a:pPr lvl="2">
+              <a:t>. </a:t>
+            </a:r>
+            <a:r>
+              <a:rPr kumimoji="1" lang="ja-JP" altLang="en-US" dirty="0"/>
+              <a:t>抗うつ薬は、脳のセロトニンに影響を与える選択的セロトニン再取り込み阻害薬（</a:t>
+            </a:r>
+            <a:r>
+              <a:rPr kumimoji="1" lang="en-US" altLang="ja-JP" dirty="0"/>
+              <a:t>SSRI</a:t>
+            </a:r>
+            <a:r>
+              <a:rPr kumimoji="1" lang="ja-JP" altLang="en-US" dirty="0"/>
+              <a:t>）を持っている</a:t>
+            </a:r>
+            <a:endParaRPr kumimoji="1" lang="en-US" altLang="ja-JP" dirty="0"/>
+          </a:p>
+          <a:p>
+            <a:pPr>
               <a:lnSpc>
                 <a:spcPct val="110000"/>
               </a:lnSpc>
             </a:pPr>
-            <a:r>
-              <a:rPr kumimoji="1" lang="en-US" altLang="ja-JP" dirty="0">
-                <a:hlinkClick r:id="rId2"/>
-              </a:rPr>
-              <a:t>https://www.opdivo.jp/basic-info/action/</a:t>
-            </a:r>
-            <a:endParaRPr kumimoji="1" lang="en-US" altLang="ja-JP" dirty="0">
-              <a:solidFill>
-                <a:srgbClr val="333333"/>
-              </a:solidFill>
-              <a:latin typeface="-apple-system"/>
-            </a:endParaRPr>
-          </a:p>
-          <a:p>
-            <a:pPr lvl="2">
-              <a:lnSpc>
-                <a:spcPct val="110000"/>
-              </a:lnSpc>
-            </a:pPr>
-            <a:endParaRPr kumimoji="1" lang="en-US" altLang="ja-JP" dirty="0"/>
+            <a:endParaRPr lang="en-US" altLang="ja-JP" dirty="0"/>
           </a:p>
           <a:p>
             <a:pPr>
@@ -5585,8 +5711,8 @@
         </p:nvGrpSpPr>
         <p:grpSpPr>
           <a:xfrm>
-            <a:off x="1215280" y="4173793"/>
-            <a:ext cx="9846010" cy="2529805"/>
+            <a:off x="1215280" y="3429001"/>
+            <a:ext cx="9846010" cy="3274598"/>
             <a:chOff x="812700" y="2174409"/>
             <a:chExt cx="10705797" cy="3888744"/>
           </a:xfrm>
@@ -6100,7 +6226,7 @@
         </p:spPr>
         <p:txBody>
           <a:bodyPr>
-            <a:normAutofit lnSpcReduction="10000"/>
+            <a:normAutofit/>
           </a:bodyPr>
           <a:lstStyle/>
           <a:p>
@@ -6248,7 +6374,7 @@
               <a:t>cp_dose</a:t>
             </a:r>
             <a:r>
-              <a:rPr lang="ja-JP" altLang="en-US" sz="2000" b="0" i="0">
+              <a:rPr lang="ja-JP" altLang="en-US" sz="2000" b="0" i="0" dirty="0">
                 <a:latin typeface="游ゴシック 本文"/>
               </a:rPr>
               <a:t>列の組み合わせ</a:t>
@@ -6278,68 +6404,6 @@
               <a:t>行</a:t>
             </a:r>
             <a:endParaRPr lang="en-US" altLang="ja-JP" sz="2000" b="0" i="0" dirty="0">
-              <a:latin typeface="游ゴシック 本文"/>
-            </a:endParaRPr>
-          </a:p>
-          <a:p>
-            <a:pPr>
-              <a:lnSpc>
-                <a:spcPct val="120000"/>
-              </a:lnSpc>
-            </a:pPr>
-            <a:r>
-              <a:rPr lang="ja-JP" altLang="en-US" sz="2400" b="0" i="0" dirty="0">
-                <a:latin typeface="游ゴシック 本文"/>
-              </a:rPr>
-              <a:t>薬の種類を識別する情報なし</a:t>
-            </a:r>
-            <a:endParaRPr lang="en-US" altLang="ja-JP" sz="2400" b="0" i="0" dirty="0">
-              <a:latin typeface="游ゴシック 本文"/>
-            </a:endParaRPr>
-          </a:p>
-          <a:p>
-            <a:pPr lvl="1">
-              <a:lnSpc>
-                <a:spcPct val="120000"/>
-              </a:lnSpc>
-            </a:pPr>
-            <a:r>
-              <a:rPr lang="en-US" altLang="ja-JP" sz="2000" dirty="0" err="1">
-                <a:latin typeface="游ゴシック 本文"/>
-              </a:rPr>
-              <a:t>Kfold</a:t>
-            </a:r>
-            <a:r>
-              <a:rPr lang="ja-JP" altLang="en-US" sz="2000" dirty="0">
-                <a:latin typeface="游ゴシック 本文"/>
-              </a:rPr>
-              <a:t>で</a:t>
-            </a:r>
-            <a:r>
-              <a:rPr lang="en-US" altLang="ja-JP" sz="2000" dirty="0">
-                <a:latin typeface="游ゴシック 本文"/>
-              </a:rPr>
-              <a:t>CV</a:t>
-            </a:r>
-            <a:r>
-              <a:rPr lang="ja-JP" altLang="en-US" sz="2000" dirty="0">
-                <a:latin typeface="游ゴシック 本文"/>
-              </a:rPr>
-              <a:t>作ると同種の薬のデータが混じってリークする。薬の種類で</a:t>
-            </a:r>
-            <a:r>
-              <a:rPr lang="en-US" altLang="ja-JP" sz="2000" dirty="0" err="1">
-                <a:latin typeface="游ゴシック 本文"/>
-              </a:rPr>
-              <a:t>GroupKFold</a:t>
-            </a:r>
-            <a:r>
-              <a:rPr lang="ja-JP" altLang="en-US" sz="2000" dirty="0">
-                <a:latin typeface="游ゴシック 本文"/>
-              </a:rPr>
-              <a:t>したいができない</a:t>
-            </a:r>
-            <a:endParaRPr kumimoji="1" lang="en-US" altLang="ja-JP" sz="2000" dirty="0">
               <a:latin typeface="游ゴシック 本文"/>
             </a:endParaRPr>
           </a:p>

--- a/Kaggle_MoA.pptx
+++ b/Kaggle_MoA.pptx
@@ -202,7 +202,7 @@
           <a:p>
             <a:fld id="{20E8D8B0-DEC6-4D85-AF34-2CB4B66E100B}" type="datetimeFigureOut">
               <a:rPr kumimoji="1" lang="ja-JP" altLang="en-US" smtClean="0"/>
-              <a:t>2020/11/7</a:t>
+              <a:t>2020/11/18</a:t>
             </a:fld>
             <a:endParaRPr kumimoji="1" lang="ja-JP" altLang="en-US"/>
           </a:p>
@@ -1189,7 +1189,7 @@
           <a:p>
             <a:fld id="{DE38A0FA-1066-4405-A9B4-B20FDCFA17CE}" type="datetimeFigureOut">
               <a:rPr kumimoji="1" lang="ja-JP" altLang="en-US" smtClean="0"/>
-              <a:t>2020/11/7</a:t>
+              <a:t>2020/11/18</a:t>
             </a:fld>
             <a:endParaRPr kumimoji="1" lang="ja-JP" altLang="en-US"/>
           </a:p>
@@ -1419,7 +1419,7 @@
           <a:p>
             <a:fld id="{DE38A0FA-1066-4405-A9B4-B20FDCFA17CE}" type="datetimeFigureOut">
               <a:rPr kumimoji="1" lang="ja-JP" altLang="en-US" smtClean="0"/>
-              <a:t>2020/11/7</a:t>
+              <a:t>2020/11/18</a:t>
             </a:fld>
             <a:endParaRPr kumimoji="1" lang="ja-JP" altLang="en-US"/>
           </a:p>
@@ -1659,7 +1659,7 @@
           <a:p>
             <a:fld id="{DE38A0FA-1066-4405-A9B4-B20FDCFA17CE}" type="datetimeFigureOut">
               <a:rPr kumimoji="1" lang="ja-JP" altLang="en-US" smtClean="0"/>
-              <a:t>2020/11/7</a:t>
+              <a:t>2020/11/18</a:t>
             </a:fld>
             <a:endParaRPr kumimoji="1" lang="ja-JP" altLang="en-US"/>
           </a:p>
@@ -1889,7 +1889,7 @@
           <a:p>
             <a:fld id="{DE38A0FA-1066-4405-A9B4-B20FDCFA17CE}" type="datetimeFigureOut">
               <a:rPr kumimoji="1" lang="ja-JP" altLang="en-US" smtClean="0"/>
-              <a:t>2020/11/7</a:t>
+              <a:t>2020/11/18</a:t>
             </a:fld>
             <a:endParaRPr kumimoji="1" lang="ja-JP" altLang="en-US"/>
           </a:p>
@@ -2164,7 +2164,7 @@
           <a:p>
             <a:fld id="{DE38A0FA-1066-4405-A9B4-B20FDCFA17CE}" type="datetimeFigureOut">
               <a:rPr kumimoji="1" lang="ja-JP" altLang="en-US" smtClean="0"/>
-              <a:t>2020/11/7</a:t>
+              <a:t>2020/11/18</a:t>
             </a:fld>
             <a:endParaRPr kumimoji="1" lang="ja-JP" altLang="en-US"/>
           </a:p>
@@ -2493,7 +2493,7 @@
           <a:p>
             <a:fld id="{DE38A0FA-1066-4405-A9B4-B20FDCFA17CE}" type="datetimeFigureOut">
               <a:rPr kumimoji="1" lang="ja-JP" altLang="en-US" smtClean="0"/>
-              <a:t>2020/11/7</a:t>
+              <a:t>2020/11/18</a:t>
             </a:fld>
             <a:endParaRPr kumimoji="1" lang="ja-JP" altLang="en-US"/>
           </a:p>
@@ -2969,7 +2969,7 @@
           <a:p>
             <a:fld id="{DE38A0FA-1066-4405-A9B4-B20FDCFA17CE}" type="datetimeFigureOut">
               <a:rPr kumimoji="1" lang="ja-JP" altLang="en-US" smtClean="0"/>
-              <a:t>2020/11/7</a:t>
+              <a:t>2020/11/18</a:t>
             </a:fld>
             <a:endParaRPr kumimoji="1" lang="ja-JP" altLang="en-US"/>
           </a:p>
@@ -3110,7 +3110,7 @@
           <a:p>
             <a:fld id="{DE38A0FA-1066-4405-A9B4-B20FDCFA17CE}" type="datetimeFigureOut">
               <a:rPr kumimoji="1" lang="ja-JP" altLang="en-US" smtClean="0"/>
-              <a:t>2020/11/7</a:t>
+              <a:t>2020/11/18</a:t>
             </a:fld>
             <a:endParaRPr kumimoji="1" lang="ja-JP" altLang="en-US"/>
           </a:p>
@@ -3223,7 +3223,7 @@
           <a:p>
             <a:fld id="{DE38A0FA-1066-4405-A9B4-B20FDCFA17CE}" type="datetimeFigureOut">
               <a:rPr kumimoji="1" lang="ja-JP" altLang="en-US" smtClean="0"/>
-              <a:t>2020/11/7</a:t>
+              <a:t>2020/11/18</a:t>
             </a:fld>
             <a:endParaRPr kumimoji="1" lang="ja-JP" altLang="en-US"/>
           </a:p>
@@ -3566,7 +3566,7 @@
           <a:p>
             <a:fld id="{DE38A0FA-1066-4405-A9B4-B20FDCFA17CE}" type="datetimeFigureOut">
               <a:rPr kumimoji="1" lang="ja-JP" altLang="en-US" smtClean="0"/>
-              <a:t>2020/11/7</a:t>
+              <a:t>2020/11/18</a:t>
             </a:fld>
             <a:endParaRPr kumimoji="1" lang="ja-JP" altLang="en-US"/>
           </a:p>
@@ -3854,7 +3854,7 @@
           <a:p>
             <a:fld id="{DE38A0FA-1066-4405-A9B4-B20FDCFA17CE}" type="datetimeFigureOut">
               <a:rPr kumimoji="1" lang="ja-JP" altLang="en-US" smtClean="0"/>
-              <a:t>2020/11/7</a:t>
+              <a:t>2020/11/18</a:t>
             </a:fld>
             <a:endParaRPr kumimoji="1" lang="ja-JP" altLang="en-US"/>
           </a:p>
@@ -4127,7 +4127,7 @@
           <a:p>
             <a:fld id="{DE38A0FA-1066-4405-A9B4-B20FDCFA17CE}" type="datetimeFigureOut">
               <a:rPr kumimoji="1" lang="ja-JP" altLang="en-US" smtClean="0"/>
-              <a:t>2020/11/7</a:t>
+              <a:t>2020/11/18</a:t>
             </a:fld>
             <a:endParaRPr kumimoji="1" lang="ja-JP" altLang="en-US"/>
           </a:p>
@@ -5070,14 +5070,14 @@
           <p:nvPr>
             <p:extLst>
               <p:ext uri="{D42A27DB-BD31-4B8C-83A1-F6EECF244321}">
-                <p14:modId xmlns:p14="http://schemas.microsoft.com/office/powerpoint/2010/main" val="3874302246"/>
+                <p14:modId xmlns:p14="http://schemas.microsoft.com/office/powerpoint/2010/main" val="121383942"/>
               </p:ext>
             </p:extLst>
           </p:nvPr>
         </p:nvGraphicFramePr>
         <p:xfrm>
           <a:off x="549058" y="1814043"/>
-          <a:ext cx="11097350" cy="4704744"/>
+          <a:ext cx="11097350" cy="4425393"/>
         </p:xfrm>
         <a:graphic>
           <a:graphicData uri="http://schemas.openxmlformats.org/drawingml/2006/table">
@@ -5108,7 +5108,7 @@
                   </a:extLst>
                 </a:gridCol>
               </a:tblGrid>
-              <a:tr h="784124">
+              <a:tr h="632199">
                 <a:tc>
                   <a:txBody>
                     <a:bodyPr/>
@@ -5187,7 +5187,7 @@
                   </a:ext>
                 </a:extLst>
               </a:tr>
-              <a:tr h="784124">
+              <a:tr h="632199">
                 <a:tc>
                   <a:txBody>
                     <a:bodyPr/>
@@ -5272,7 +5272,7 @@
                   </a:ext>
                 </a:extLst>
               </a:tr>
-              <a:tr h="784124">
+              <a:tr h="632199">
                 <a:tc>
                   <a:txBody>
                     <a:bodyPr/>
@@ -5357,7 +5357,7 @@
                   </a:ext>
                 </a:extLst>
               </a:tr>
-              <a:tr h="784124">
+              <a:tr h="632199">
                 <a:tc>
                   <a:txBody>
                     <a:bodyPr/>
@@ -5436,7 +5436,7 @@
                   </a:ext>
                 </a:extLst>
               </a:tr>
-              <a:tr h="784124">
+              <a:tr h="632199">
                 <a:tc>
                   <a:txBody>
                     <a:bodyPr/>
@@ -5536,7 +5536,7 @@
                   </a:ext>
                 </a:extLst>
               </a:tr>
-              <a:tr h="784124">
+              <a:tr h="632199">
                 <a:tc>
                   <a:txBody>
                     <a:bodyPr/>
@@ -5568,12 +5568,12 @@
                     <a:p>
                       <a:pPr algn="l" fontAlgn="ctr"/>
                       <a:r>
-                        <a:rPr lang="en-US" sz="3100" u="none" strike="noStrike">
+                        <a:rPr lang="en-US" sz="3100" u="none" strike="noStrike" dirty="0">
                           <a:effectLst/>
                         </a:rPr>
                         <a:t>sample_submission.csv</a:t>
                       </a:r>
-                      <a:endParaRPr lang="en-US" sz="3100" b="0" i="0" u="none" strike="noStrike">
+                      <a:endParaRPr lang="en-US" sz="3100" b="0" i="0" u="none" strike="noStrike" dirty="0">
                         <a:solidFill>
                           <a:srgbClr val="000000"/>
                         </a:solidFill>
@@ -5612,6 +5612,98 @@
                 <a:extLst>
                   <a:ext uri="{0D108BD9-81ED-4DB2-BD59-A6C34878D82A}">
                     <a16:rowId xmlns:a16="http://schemas.microsoft.com/office/drawing/2014/main" val="2816462121"/>
+                  </a:ext>
+                </a:extLst>
+              </a:tr>
+              <a:tr h="632199">
+                <a:tc>
+                  <a:txBody>
+                    <a:bodyPr/>
+                    <a:lstStyle/>
+                    <a:p>
+                      <a:pPr algn="r" fontAlgn="ctr"/>
+                      <a:r>
+                        <a:rPr lang="en-US" altLang="ja-JP" sz="3100" b="0" i="0" u="none" strike="noStrike" dirty="0">
+                          <a:solidFill>
+                            <a:srgbClr val="000000"/>
+                          </a:solidFill>
+                          <a:effectLst/>
+                          <a:latin typeface="游ゴシック" panose="020B0400000000000000" pitchFamily="50" charset="-128"/>
+                          <a:ea typeface="游ゴシック" panose="020B0400000000000000" pitchFamily="50" charset="-128"/>
+                        </a:rPr>
+                        <a:t>6</a:t>
+                      </a:r>
+                    </a:p>
+                  </a:txBody>
+                  <a:tcPr marL="27182" marR="27182" marT="27182" marB="0" anchor="ctr"/>
+                </a:tc>
+                <a:tc>
+                  <a:txBody>
+                    <a:bodyPr/>
+                    <a:lstStyle/>
+                    <a:p>
+                      <a:pPr algn="l" fontAlgn="ctr"/>
+                      <a:r>
+                        <a:rPr lang="en-US" sz="3100" b="0" i="0" u="none" strike="noStrike" dirty="0">
+                          <a:solidFill>
+                            <a:srgbClr val="000000"/>
+                          </a:solidFill>
+                          <a:effectLst/>
+                          <a:latin typeface="游ゴシック" panose="020B0400000000000000" pitchFamily="50" charset="-128"/>
+                          <a:ea typeface="游ゴシック" panose="020B0400000000000000" pitchFamily="50" charset="-128"/>
+                        </a:rPr>
+                        <a:t>train_drug.csv</a:t>
+                      </a:r>
+                    </a:p>
+                  </a:txBody>
+                  <a:tcPr marL="27182" marR="27182" marT="27182" marB="0" anchor="ctr"/>
+                </a:tc>
+                <a:tc>
+                  <a:txBody>
+                    <a:bodyPr/>
+                    <a:lstStyle/>
+                    <a:p>
+                      <a:pPr algn="l" fontAlgn="ctr"/>
+                      <a:r>
+                        <a:rPr lang="ja-JP" altLang="en-US" sz="3100" b="0" i="0" u="none" strike="noStrike" dirty="0">
+                          <a:solidFill>
+                            <a:srgbClr val="000000"/>
+                          </a:solidFill>
+                          <a:effectLst/>
+                          <a:latin typeface="游ゴシック" panose="020B0400000000000000" pitchFamily="50" charset="-128"/>
+                          <a:ea typeface="游ゴシック" panose="020B0400000000000000" pitchFamily="50" charset="-128"/>
+                        </a:rPr>
+                        <a:t>薬の</a:t>
+                      </a:r>
+                      <a:r>
+                        <a:rPr lang="en-US" altLang="ja-JP" sz="3100" b="0" i="0" u="none" strike="noStrike" dirty="0">
+                          <a:solidFill>
+                            <a:srgbClr val="000000"/>
+                          </a:solidFill>
+                          <a:effectLst/>
+                          <a:latin typeface="游ゴシック" panose="020B0400000000000000" pitchFamily="50" charset="-128"/>
+                          <a:ea typeface="游ゴシック" panose="020B0400000000000000" pitchFamily="50" charset="-128"/>
+                        </a:rPr>
+                        <a:t>id</a:t>
+                      </a:r>
+                      <a:r>
+                        <a:rPr lang="ja-JP" altLang="en-US" sz="3100" b="0" i="0" u="none" strike="noStrike" dirty="0">
+                          <a:solidFill>
+                            <a:srgbClr val="000000"/>
+                          </a:solidFill>
+                          <a:effectLst/>
+                          <a:latin typeface="游ゴシック" panose="020B0400000000000000" pitchFamily="50" charset="-128"/>
+                          <a:ea typeface="游ゴシック" panose="020B0400000000000000" pitchFamily="50" charset="-128"/>
+                        </a:rPr>
+                        <a:t>。追加データ</a:t>
+                      </a:r>
+                    </a:p>
+                  </a:txBody>
+                  <a:tcPr marL="27182" marR="27182" marT="27182" marB="0" anchor="ctr"/>
+                </a:tc>
+                <a:extLst>
+                  <a:ext uri="{0D108BD9-81ED-4DB2-BD59-A6C34878D82A}">
+                    <a16:rowId xmlns:a16="http://schemas.microsoft.com/office/drawing/2014/main" val="3210019401"/>
                   </a:ext>
                 </a:extLst>
               </a:tr>
@@ -6310,10 +6402,10 @@
               <a:t>つの薬について</a:t>
             </a:r>
             <a:r>
-              <a:rPr lang="en-US" altLang="ja-JP" sz="2400" b="0" i="0" dirty="0">
+              <a:rPr lang="en-US" altLang="ja-JP" sz="2400" dirty="0">
                 <a:latin typeface="游ゴシック 本文"/>
               </a:rPr>
-              <a:t>7</a:t>
+              <a:t>6*n</a:t>
             </a:r>
             <a:r>
               <a:rPr lang="ja-JP" altLang="en-US" sz="2400" b="0" i="0" dirty="0">
@@ -6383,25 +6475,26 @@
               <a:rPr lang="en-US" altLang="ja-JP" sz="2000" b="0" i="0" dirty="0">
                 <a:latin typeface="游ゴシック 本文"/>
               </a:rPr>
-              <a:t>) + </a:t>
-            </a:r>
+              <a:t>) </a:t>
+            </a:r>
+          </a:p>
+          <a:p>
+            <a:pPr lvl="1">
+              <a:lnSpc>
+                <a:spcPct val="120000"/>
+              </a:lnSpc>
+            </a:pPr>
             <a:r>
               <a:rPr lang="ja-JP" altLang="en-US" sz="2000" b="0" i="0" dirty="0">
                 <a:latin typeface="游ゴシック 本文"/>
               </a:rPr>
-              <a:t>薬投与なし の</a:t>
-            </a:r>
-            <a:r>
-              <a:rPr lang="en-US" altLang="ja-JP" sz="2000" b="0" i="0" dirty="0">
+              <a:t>薬投与なしの実験行</a:t>
+            </a:r>
+            <a:r>
+              <a:rPr lang="ja-JP" altLang="en-US" sz="2000" dirty="0">
                 <a:latin typeface="游ゴシック 本文"/>
               </a:rPr>
-              <a:t>7</a:t>
-            </a:r>
-            <a:r>
-              <a:rPr lang="ja-JP" altLang="en-US" sz="2000" b="0" i="0" dirty="0">
-                <a:latin typeface="游ゴシック 本文"/>
-              </a:rPr>
-              <a:t>行</a:t>
+              <a:t>もある</a:t>
             </a:r>
             <a:endParaRPr lang="en-US" altLang="ja-JP" sz="2000" b="0" i="0" dirty="0">
               <a:latin typeface="游ゴシック 本文"/>

--- a/Kaggle_MoA.pptx
+++ b/Kaggle_MoA.pptx
@@ -4776,14 +4776,6 @@
             </a:pPr>
             <a:r>
               <a:rPr kumimoji="1" lang="ja-JP" altLang="en-US" dirty="0"/>
-              <a:t>例</a:t>
-            </a:r>
-            <a:r>
-              <a:rPr kumimoji="1" lang="en-US" altLang="ja-JP" dirty="0"/>
-              <a:t>. </a:t>
-            </a:r>
-            <a:r>
-              <a:rPr kumimoji="1" lang="ja-JP" altLang="en-US" dirty="0"/>
               <a:t>抗うつ薬は、脳のセロトニンに影響を与える選択的セロトニン再取り込み阻害薬（</a:t>
             </a:r>
             <a:r>
@@ -4793,6 +4785,30 @@
             <a:r>
               <a:rPr kumimoji="1" lang="ja-JP" altLang="en-US" dirty="0"/>
               <a:t>）を持っている</a:t>
+            </a:r>
+            <a:endParaRPr kumimoji="1" lang="en-US" altLang="ja-JP" dirty="0"/>
+          </a:p>
+          <a:p>
+            <a:pPr lvl="2">
+              <a:lnSpc>
+                <a:spcPct val="110000"/>
+              </a:lnSpc>
+            </a:pPr>
+            <a:r>
+              <a:rPr kumimoji="1" lang="en-US" altLang="ja-JP" dirty="0"/>
+              <a:t>SSRI</a:t>
+            </a:r>
+            <a:r>
+              <a:rPr kumimoji="1" lang="ja-JP" altLang="en-US" dirty="0"/>
+              <a:t>のような薬理作用が本コンペのクラスの</a:t>
+            </a:r>
+            <a:r>
+              <a:rPr kumimoji="1" lang="en-US" altLang="ja-JP" dirty="0"/>
+              <a:t>1</a:t>
+            </a:r>
+            <a:r>
+              <a:rPr kumimoji="1" lang="ja-JP" altLang="en-US" dirty="0"/>
+              <a:t>つ</a:t>
             </a:r>
             <a:endParaRPr kumimoji="1" lang="en-US" altLang="ja-JP" dirty="0"/>
           </a:p>
@@ -5770,19 +5786,19 @@
           <a:lstStyle/>
           <a:p>
             <a:r>
-              <a:rPr kumimoji="1" lang="ja-JP" altLang="en-US" sz="3600"/>
+              <a:rPr kumimoji="1" lang="ja-JP" altLang="en-US" sz="3600" dirty="0"/>
               <a:t>特徴量</a:t>
             </a:r>
             <a:r>
-              <a:rPr kumimoji="1" lang="en-US" altLang="ja-JP" sz="3600"/>
+              <a:rPr kumimoji="1" lang="en-US" altLang="ja-JP" sz="3600" dirty="0"/>
               <a:t>:</a:t>
             </a:r>
             <a:r>
-              <a:rPr lang="ja-JP" altLang="en-US" sz="3600"/>
+              <a:rPr lang="ja-JP" altLang="en-US" sz="3600" dirty="0"/>
               <a:t> </a:t>
             </a:r>
             <a:r>
-              <a:rPr kumimoji="1" lang="en-US" altLang="ja-JP" sz="3600"/>
+              <a:rPr kumimoji="1" lang="en-US" altLang="ja-JP" sz="3600" dirty="0"/>
               <a:t>train_features.csv/test_features.csv</a:t>
             </a:r>
             <a:endParaRPr kumimoji="1" lang="ja-JP" altLang="en-US" sz="3600" dirty="0"/>

--- a/Kaggle_MoA.pptx
+++ b/Kaggle_MoA.pptx
@@ -202,7 +202,7 @@
           <a:p>
             <a:fld id="{20E8D8B0-DEC6-4D85-AF34-2CB4B66E100B}" type="datetimeFigureOut">
               <a:rPr kumimoji="1" lang="ja-JP" altLang="en-US" smtClean="0"/>
-              <a:t>2020/11/18</a:t>
+              <a:t>2020/11/27</a:t>
             </a:fld>
             <a:endParaRPr kumimoji="1" lang="ja-JP" altLang="en-US"/>
           </a:p>
@@ -1189,7 +1189,7 @@
           <a:p>
             <a:fld id="{DE38A0FA-1066-4405-A9B4-B20FDCFA17CE}" type="datetimeFigureOut">
               <a:rPr kumimoji="1" lang="ja-JP" altLang="en-US" smtClean="0"/>
-              <a:t>2020/11/18</a:t>
+              <a:t>2020/11/27</a:t>
             </a:fld>
             <a:endParaRPr kumimoji="1" lang="ja-JP" altLang="en-US"/>
           </a:p>
@@ -1419,7 +1419,7 @@
           <a:p>
             <a:fld id="{DE38A0FA-1066-4405-A9B4-B20FDCFA17CE}" type="datetimeFigureOut">
               <a:rPr kumimoji="1" lang="ja-JP" altLang="en-US" smtClean="0"/>
-              <a:t>2020/11/18</a:t>
+              <a:t>2020/11/27</a:t>
             </a:fld>
             <a:endParaRPr kumimoji="1" lang="ja-JP" altLang="en-US"/>
           </a:p>
@@ -1659,7 +1659,7 @@
           <a:p>
             <a:fld id="{DE38A0FA-1066-4405-A9B4-B20FDCFA17CE}" type="datetimeFigureOut">
               <a:rPr kumimoji="1" lang="ja-JP" altLang="en-US" smtClean="0"/>
-              <a:t>2020/11/18</a:t>
+              <a:t>2020/11/27</a:t>
             </a:fld>
             <a:endParaRPr kumimoji="1" lang="ja-JP" altLang="en-US"/>
           </a:p>
@@ -1889,7 +1889,7 @@
           <a:p>
             <a:fld id="{DE38A0FA-1066-4405-A9B4-B20FDCFA17CE}" type="datetimeFigureOut">
               <a:rPr kumimoji="1" lang="ja-JP" altLang="en-US" smtClean="0"/>
-              <a:t>2020/11/18</a:t>
+              <a:t>2020/11/27</a:t>
             </a:fld>
             <a:endParaRPr kumimoji="1" lang="ja-JP" altLang="en-US"/>
           </a:p>
@@ -2164,7 +2164,7 @@
           <a:p>
             <a:fld id="{DE38A0FA-1066-4405-A9B4-B20FDCFA17CE}" type="datetimeFigureOut">
               <a:rPr kumimoji="1" lang="ja-JP" altLang="en-US" smtClean="0"/>
-              <a:t>2020/11/18</a:t>
+              <a:t>2020/11/27</a:t>
             </a:fld>
             <a:endParaRPr kumimoji="1" lang="ja-JP" altLang="en-US"/>
           </a:p>
@@ -2493,7 +2493,7 @@
           <a:p>
             <a:fld id="{DE38A0FA-1066-4405-A9B4-B20FDCFA17CE}" type="datetimeFigureOut">
               <a:rPr kumimoji="1" lang="ja-JP" altLang="en-US" smtClean="0"/>
-              <a:t>2020/11/18</a:t>
+              <a:t>2020/11/27</a:t>
             </a:fld>
             <a:endParaRPr kumimoji="1" lang="ja-JP" altLang="en-US"/>
           </a:p>
@@ -2969,7 +2969,7 @@
           <a:p>
             <a:fld id="{DE38A0FA-1066-4405-A9B4-B20FDCFA17CE}" type="datetimeFigureOut">
               <a:rPr kumimoji="1" lang="ja-JP" altLang="en-US" smtClean="0"/>
-              <a:t>2020/11/18</a:t>
+              <a:t>2020/11/27</a:t>
             </a:fld>
             <a:endParaRPr kumimoji="1" lang="ja-JP" altLang="en-US"/>
           </a:p>
@@ -3110,7 +3110,7 @@
           <a:p>
             <a:fld id="{DE38A0FA-1066-4405-A9B4-B20FDCFA17CE}" type="datetimeFigureOut">
               <a:rPr kumimoji="1" lang="ja-JP" altLang="en-US" smtClean="0"/>
-              <a:t>2020/11/18</a:t>
+              <a:t>2020/11/27</a:t>
             </a:fld>
             <a:endParaRPr kumimoji="1" lang="ja-JP" altLang="en-US"/>
           </a:p>
@@ -3223,7 +3223,7 @@
           <a:p>
             <a:fld id="{DE38A0FA-1066-4405-A9B4-B20FDCFA17CE}" type="datetimeFigureOut">
               <a:rPr kumimoji="1" lang="ja-JP" altLang="en-US" smtClean="0"/>
-              <a:t>2020/11/18</a:t>
+              <a:t>2020/11/27</a:t>
             </a:fld>
             <a:endParaRPr kumimoji="1" lang="ja-JP" altLang="en-US"/>
           </a:p>
@@ -3566,7 +3566,7 @@
           <a:p>
             <a:fld id="{DE38A0FA-1066-4405-A9B4-B20FDCFA17CE}" type="datetimeFigureOut">
               <a:rPr kumimoji="1" lang="ja-JP" altLang="en-US" smtClean="0"/>
-              <a:t>2020/11/18</a:t>
+              <a:t>2020/11/27</a:t>
             </a:fld>
             <a:endParaRPr kumimoji="1" lang="ja-JP" altLang="en-US"/>
           </a:p>
@@ -3854,7 +3854,7 @@
           <a:p>
             <a:fld id="{DE38A0FA-1066-4405-A9B4-B20FDCFA17CE}" type="datetimeFigureOut">
               <a:rPr kumimoji="1" lang="ja-JP" altLang="en-US" smtClean="0"/>
-              <a:t>2020/11/18</a:t>
+              <a:t>2020/11/27</a:t>
             </a:fld>
             <a:endParaRPr kumimoji="1" lang="ja-JP" altLang="en-US"/>
           </a:p>
@@ -4127,7 +4127,7 @@
           <a:p>
             <a:fld id="{DE38A0FA-1066-4405-A9B4-B20FDCFA17CE}" type="datetimeFigureOut">
               <a:rPr kumimoji="1" lang="ja-JP" altLang="en-US" smtClean="0"/>
-              <a:t>2020/11/18</a:t>
+              <a:t>2020/11/27</a:t>
             </a:fld>
             <a:endParaRPr kumimoji="1" lang="ja-JP" altLang="en-US"/>
           </a:p>
@@ -4691,7 +4691,7 @@
         </p:spPr>
         <p:txBody>
           <a:bodyPr>
-            <a:normAutofit fontScale="92500"/>
+            <a:normAutofit fontScale="77500" lnSpcReduction="20000"/>
           </a:bodyPr>
           <a:lstStyle/>
           <a:p>
@@ -4708,39 +4708,35 @@
               <a:t>遺伝子発現値や細胞生存率から</a:t>
             </a:r>
             <a:r>
-              <a:rPr kumimoji="1" lang="ja-JP" altLang="en-US" b="1" dirty="0"/>
-              <a:t>薬の作用機序</a:t>
-            </a:r>
-            <a:r>
-              <a:rPr kumimoji="1" lang="en-US" altLang="ja-JP" b="1" dirty="0"/>
+              <a:rPr kumimoji="1" lang="ja-JP" altLang="en-US" dirty="0"/>
+              <a:t>薬（化合物）の作用機序</a:t>
+            </a:r>
+            <a:r>
+              <a:rPr kumimoji="1" lang="en-US" altLang="ja-JP" dirty="0"/>
               <a:t>(</a:t>
             </a:r>
             <a:r>
-              <a:rPr kumimoji="1" lang="en-US" altLang="ja-JP" b="1" dirty="0" err="1"/>
+              <a:rPr kumimoji="1" lang="en-US" altLang="ja-JP" dirty="0" err="1"/>
               <a:t>MoA</a:t>
             </a:r>
             <a:r>
-              <a:rPr kumimoji="1" lang="en-US" altLang="ja-JP" b="1" dirty="0"/>
+              <a:rPr kumimoji="1" lang="en-US" altLang="ja-JP" dirty="0"/>
               <a:t>)</a:t>
             </a:r>
             <a:r>
-              <a:rPr kumimoji="1" lang="ja-JP" altLang="en-US" b="1" dirty="0"/>
+              <a:rPr kumimoji="1" lang="ja-JP" altLang="en-US" dirty="0"/>
               <a:t>の</a:t>
             </a:r>
             <a:r>
-              <a:rPr lang="ja-JP" altLang="en-US" b="1" i="0" dirty="0">
+              <a:rPr lang="ja-JP" altLang="en-US" i="0" dirty="0">
                 <a:effectLst/>
                 <a:latin typeface="Inter"/>
               </a:rPr>
               <a:t>応答</a:t>
             </a:r>
             <a:r>
-              <a:rPr kumimoji="1" lang="ja-JP" altLang="en-US" b="1" dirty="0"/>
-              <a:t>を予測</a:t>
-            </a:r>
-            <a:r>
               <a:rPr kumimoji="1" lang="ja-JP" altLang="en-US" dirty="0"/>
-              <a:t>する</a:t>
+              <a:t>を予測する</a:t>
             </a:r>
             <a:endParaRPr kumimoji="1" lang="en-US" altLang="ja-JP" dirty="0"/>
           </a:p>
@@ -4800,17 +4796,53 @@
             </a:r>
             <a:r>
               <a:rPr kumimoji="1" lang="ja-JP" altLang="en-US" dirty="0"/>
-              <a:t>のような薬理作用が本コンペのクラスの</a:t>
+              <a:t>のような薬理作用の有り</a:t>
             </a:r>
             <a:r>
               <a:rPr kumimoji="1" lang="en-US" altLang="ja-JP" dirty="0"/>
-              <a:t>1</a:t>
+              <a:t>/</a:t>
             </a:r>
             <a:r>
               <a:rPr kumimoji="1" lang="ja-JP" altLang="en-US" dirty="0"/>
-              <a:t>つ</a:t>
+              <a:t>無し（</a:t>
+            </a:r>
+            <a:r>
+              <a:rPr kumimoji="1" lang="en-US" altLang="ja-JP" dirty="0"/>
+              <a:t>1/0</a:t>
+            </a:r>
+            <a:r>
+              <a:rPr kumimoji="1" lang="ja-JP" altLang="en-US" dirty="0"/>
+              <a:t>）が本コンペのクラス</a:t>
             </a:r>
             <a:endParaRPr kumimoji="1" lang="en-US" altLang="ja-JP" dirty="0"/>
+          </a:p>
+          <a:p>
+            <a:pPr>
+              <a:lnSpc>
+                <a:spcPct val="110000"/>
+              </a:lnSpc>
+            </a:pPr>
+            <a:endParaRPr lang="en-US" altLang="ja-JP" dirty="0"/>
+          </a:p>
+          <a:p>
+            <a:pPr>
+              <a:lnSpc>
+                <a:spcPct val="110000"/>
+              </a:lnSpc>
+            </a:pPr>
+            <a:r>
+              <a:rPr lang="ja-JP" altLang="en-US" dirty="0"/>
+              <a:t>新薬（化合物）の実験で得られた生物学的活性値から、その新薬には何の</a:t>
+            </a:r>
+            <a:r>
+              <a:rPr lang="en-US" altLang="ja-JP" dirty="0" err="1"/>
+              <a:t>MoA</a:t>
+            </a:r>
+            <a:r>
+              <a:rPr lang="ja-JP" altLang="en-US" dirty="0"/>
+              <a:t>があるかを予測でき、創薬支援につながる</a:t>
+            </a:r>
+            <a:endParaRPr lang="en-US" altLang="ja-JP" dirty="0"/>
           </a:p>
           <a:p>
             <a:pPr>

--- a/Kaggle_MoA.pptx
+++ b/Kaggle_MoA.pptx
@@ -202,7 +202,7 @@
           <a:p>
             <a:fld id="{20E8D8B0-DEC6-4D85-AF34-2CB4B66E100B}" type="datetimeFigureOut">
               <a:rPr kumimoji="1" lang="ja-JP" altLang="en-US" smtClean="0"/>
-              <a:t>2020/11/27</a:t>
+              <a:t>2020/12/1</a:t>
             </a:fld>
             <a:endParaRPr kumimoji="1" lang="ja-JP" altLang="en-US"/>
           </a:p>
@@ -643,6 +643,185 @@
               <a:rPr kumimoji="1" lang="en-US" altLang="ja-JP" dirty="0"/>
               <a:t>https://www.opdivo.jp/basic-info/action/</a:t>
             </a:r>
+          </a:p>
+          <a:p>
+            <a:endParaRPr kumimoji="1" lang="en-US" altLang="ja-JP" dirty="0"/>
+          </a:p>
+          <a:p>
+            <a:pPr marL="0" marR="0" lvl="0" indent="0" algn="l" defTabSz="914400" rtl="0" eaLnBrk="1" fontAlgn="auto" latinLnBrk="0" hangingPunct="1">
+              <a:lnSpc>
+                <a:spcPct val="100000"/>
+              </a:lnSpc>
+              <a:spcBef>
+                <a:spcPts val="0"/>
+              </a:spcBef>
+              <a:spcAft>
+                <a:spcPts val="0"/>
+              </a:spcAft>
+              <a:buClrTx/>
+              <a:buSzTx/>
+              <a:buFontTx/>
+              <a:buNone/>
+              <a:tabLst/>
+              <a:defRPr/>
+            </a:pPr>
+            <a:r>
+              <a:rPr lang="ja-JP" altLang="en-US" b="0" i="0" dirty="0">
+                <a:effectLst/>
+                <a:latin typeface="Inter"/>
+              </a:rPr>
+              <a:t>遺伝子発現値や細胞生存率から</a:t>
+            </a:r>
+            <a:r>
+              <a:rPr kumimoji="1" lang="ja-JP" altLang="en-US" dirty="0"/>
+              <a:t>薬（化合物）の作用機序</a:t>
+            </a:r>
+            <a:r>
+              <a:rPr kumimoji="1" lang="en-US" altLang="ja-JP" dirty="0"/>
+              <a:t>(</a:t>
+            </a:r>
+            <a:r>
+              <a:rPr kumimoji="1" lang="en-US" altLang="ja-JP" dirty="0" err="1"/>
+              <a:t>MoA</a:t>
+            </a:r>
+            <a:r>
+              <a:rPr kumimoji="1" lang="en-US" altLang="ja-JP" dirty="0"/>
+              <a:t>)</a:t>
+            </a:r>
+            <a:r>
+              <a:rPr kumimoji="1" lang="ja-JP" altLang="en-US" dirty="0"/>
+              <a:t>の</a:t>
+            </a:r>
+            <a:r>
+              <a:rPr lang="ja-JP" altLang="en-US" i="0" dirty="0">
+                <a:effectLst/>
+                <a:latin typeface="Inter"/>
+              </a:rPr>
+              <a:t>応答</a:t>
+            </a:r>
+            <a:r>
+              <a:rPr kumimoji="1" lang="ja-JP" altLang="en-US" dirty="0"/>
+              <a:t>を予測する</a:t>
+            </a:r>
+            <a:endParaRPr kumimoji="1" lang="en-US" altLang="ja-JP" dirty="0"/>
+          </a:p>
+          <a:p>
+            <a:pPr marL="0" marR="0" lvl="0" indent="0" algn="l" defTabSz="914400" rtl="0" eaLnBrk="1" fontAlgn="auto" latinLnBrk="0" hangingPunct="1">
+              <a:lnSpc>
+                <a:spcPct val="100000"/>
+              </a:lnSpc>
+              <a:spcBef>
+                <a:spcPts val="0"/>
+              </a:spcBef>
+              <a:spcAft>
+                <a:spcPts val="0"/>
+              </a:spcAft>
+              <a:buClrTx/>
+              <a:buSzTx/>
+              <a:buFontTx/>
+              <a:buNone/>
+              <a:tabLst/>
+              <a:defRPr/>
+            </a:pPr>
+            <a:endParaRPr kumimoji="1" lang="en-US" altLang="ja-JP" dirty="0"/>
+          </a:p>
+          <a:p>
+            <a:pPr marL="0" marR="0" lvl="0" indent="0" algn="l" defTabSz="914400" rtl="0" eaLnBrk="1" fontAlgn="auto" latinLnBrk="0" hangingPunct="1">
+              <a:lnSpc>
+                <a:spcPct val="100000"/>
+              </a:lnSpc>
+              <a:spcBef>
+                <a:spcPts val="0"/>
+              </a:spcBef>
+              <a:spcAft>
+                <a:spcPts val="0"/>
+              </a:spcAft>
+              <a:buClrTx/>
+              <a:buSzTx/>
+              <a:buFontTx/>
+              <a:buNone/>
+              <a:tabLst/>
+              <a:defRPr/>
+            </a:pPr>
+            <a:r>
+              <a:rPr lang="ja-JP" altLang="en-US" sz="1200" spc="100" dirty="0"/>
+              <a:t>新薬（化合物）の実験で得られた生物学的活性値から、その新薬には何の</a:t>
+            </a:r>
+            <a:r>
+              <a:rPr lang="en-US" altLang="ja-JP" sz="1200" spc="100" dirty="0" err="1"/>
+              <a:t>MoA</a:t>
+            </a:r>
+            <a:r>
+              <a:rPr lang="ja-JP" altLang="en-US" sz="1200" spc="100" dirty="0"/>
+              <a:t>があるかを予測でき、創薬支援につながる</a:t>
+            </a:r>
+            <a:endParaRPr lang="en-US" altLang="ja-JP" sz="1200" spc="100" dirty="0"/>
+          </a:p>
+          <a:p>
+            <a:pPr marL="0" marR="0" lvl="0" indent="0" algn="l" defTabSz="914400" rtl="0" eaLnBrk="1" fontAlgn="auto" latinLnBrk="0" hangingPunct="1">
+              <a:lnSpc>
+                <a:spcPct val="100000"/>
+              </a:lnSpc>
+              <a:spcBef>
+                <a:spcPts val="0"/>
+              </a:spcBef>
+              <a:spcAft>
+                <a:spcPts val="0"/>
+              </a:spcAft>
+              <a:buClrTx/>
+              <a:buSzTx/>
+              <a:buFontTx/>
+              <a:buNone/>
+              <a:tabLst/>
+              <a:defRPr/>
+            </a:pPr>
+            <a:endParaRPr kumimoji="1" lang="en-US" altLang="ja-JP" dirty="0"/>
+          </a:p>
+          <a:p>
+            <a:pPr marL="0" marR="0" lvl="0" indent="0" algn="l" defTabSz="914400" rtl="0" eaLnBrk="1" fontAlgn="auto" latinLnBrk="0" hangingPunct="1">
+              <a:lnSpc>
+                <a:spcPct val="100000"/>
+              </a:lnSpc>
+              <a:spcBef>
+                <a:spcPts val="0"/>
+              </a:spcBef>
+              <a:spcAft>
+                <a:spcPts val="0"/>
+              </a:spcAft>
+              <a:buClrTx/>
+              <a:buSzTx/>
+              <a:buFontTx/>
+              <a:buNone/>
+              <a:tabLst/>
+              <a:defRPr/>
+            </a:pPr>
+            <a:endParaRPr kumimoji="1" lang="en-US" altLang="ja-JP" dirty="0"/>
+          </a:p>
+          <a:p>
+            <a:pPr marL="0" marR="0" lvl="0" indent="0" algn="l" defTabSz="914400" rtl="0" eaLnBrk="1" fontAlgn="auto" latinLnBrk="0" hangingPunct="1">
+              <a:lnSpc>
+                <a:spcPct val="100000"/>
+              </a:lnSpc>
+              <a:spcBef>
+                <a:spcPts val="0"/>
+              </a:spcBef>
+              <a:spcAft>
+                <a:spcPts val="0"/>
+              </a:spcAft>
+              <a:buClrTx/>
+              <a:buSzTx/>
+              <a:buFontTx/>
+              <a:buNone/>
+              <a:tabLst/>
+              <a:defRPr/>
+            </a:pPr>
+            <a:r>
+              <a:rPr kumimoji="1" lang="ja-JP" altLang="en-US" dirty="0"/>
+              <a:t>薬物がその</a:t>
+            </a:r>
+            <a:endParaRPr kumimoji="1" lang="en-US" altLang="ja-JP" dirty="0"/>
+          </a:p>
+          <a:p>
             <a:endParaRPr kumimoji="1" lang="ja-JP" altLang="en-US" dirty="0"/>
           </a:p>
         </p:txBody>
@@ -1189,7 +1368,7 @@
           <a:p>
             <a:fld id="{DE38A0FA-1066-4405-A9B4-B20FDCFA17CE}" type="datetimeFigureOut">
               <a:rPr kumimoji="1" lang="ja-JP" altLang="en-US" smtClean="0"/>
-              <a:t>2020/11/27</a:t>
+              <a:t>2020/12/1</a:t>
             </a:fld>
             <a:endParaRPr kumimoji="1" lang="ja-JP" altLang="en-US"/>
           </a:p>
@@ -1419,7 +1598,7 @@
           <a:p>
             <a:fld id="{DE38A0FA-1066-4405-A9B4-B20FDCFA17CE}" type="datetimeFigureOut">
               <a:rPr kumimoji="1" lang="ja-JP" altLang="en-US" smtClean="0"/>
-              <a:t>2020/11/27</a:t>
+              <a:t>2020/12/1</a:t>
             </a:fld>
             <a:endParaRPr kumimoji="1" lang="ja-JP" altLang="en-US"/>
           </a:p>
@@ -1659,7 +1838,7 @@
           <a:p>
             <a:fld id="{DE38A0FA-1066-4405-A9B4-B20FDCFA17CE}" type="datetimeFigureOut">
               <a:rPr kumimoji="1" lang="ja-JP" altLang="en-US" smtClean="0"/>
-              <a:t>2020/11/27</a:t>
+              <a:t>2020/12/1</a:t>
             </a:fld>
             <a:endParaRPr kumimoji="1" lang="ja-JP" altLang="en-US"/>
           </a:p>
@@ -1889,7 +2068,7 @@
           <a:p>
             <a:fld id="{DE38A0FA-1066-4405-A9B4-B20FDCFA17CE}" type="datetimeFigureOut">
               <a:rPr kumimoji="1" lang="ja-JP" altLang="en-US" smtClean="0"/>
-              <a:t>2020/11/27</a:t>
+              <a:t>2020/12/1</a:t>
             </a:fld>
             <a:endParaRPr kumimoji="1" lang="ja-JP" altLang="en-US"/>
           </a:p>
@@ -2164,7 +2343,7 @@
           <a:p>
             <a:fld id="{DE38A0FA-1066-4405-A9B4-B20FDCFA17CE}" type="datetimeFigureOut">
               <a:rPr kumimoji="1" lang="ja-JP" altLang="en-US" smtClean="0"/>
-              <a:t>2020/11/27</a:t>
+              <a:t>2020/12/1</a:t>
             </a:fld>
             <a:endParaRPr kumimoji="1" lang="ja-JP" altLang="en-US"/>
           </a:p>
@@ -2493,7 +2672,7 @@
           <a:p>
             <a:fld id="{DE38A0FA-1066-4405-A9B4-B20FDCFA17CE}" type="datetimeFigureOut">
               <a:rPr kumimoji="1" lang="ja-JP" altLang="en-US" smtClean="0"/>
-              <a:t>2020/11/27</a:t>
+              <a:t>2020/12/1</a:t>
             </a:fld>
             <a:endParaRPr kumimoji="1" lang="ja-JP" altLang="en-US"/>
           </a:p>
@@ -2969,7 +3148,7 @@
           <a:p>
             <a:fld id="{DE38A0FA-1066-4405-A9B4-B20FDCFA17CE}" type="datetimeFigureOut">
               <a:rPr kumimoji="1" lang="ja-JP" altLang="en-US" smtClean="0"/>
-              <a:t>2020/11/27</a:t>
+              <a:t>2020/12/1</a:t>
             </a:fld>
             <a:endParaRPr kumimoji="1" lang="ja-JP" altLang="en-US"/>
           </a:p>
@@ -3110,7 +3289,7 @@
           <a:p>
             <a:fld id="{DE38A0FA-1066-4405-A9B4-B20FDCFA17CE}" type="datetimeFigureOut">
               <a:rPr kumimoji="1" lang="ja-JP" altLang="en-US" smtClean="0"/>
-              <a:t>2020/11/27</a:t>
+              <a:t>2020/12/1</a:t>
             </a:fld>
             <a:endParaRPr kumimoji="1" lang="ja-JP" altLang="en-US"/>
           </a:p>
@@ -3223,7 +3402,7 @@
           <a:p>
             <a:fld id="{DE38A0FA-1066-4405-A9B4-B20FDCFA17CE}" type="datetimeFigureOut">
               <a:rPr kumimoji="1" lang="ja-JP" altLang="en-US" smtClean="0"/>
-              <a:t>2020/11/27</a:t>
+              <a:t>2020/12/1</a:t>
             </a:fld>
             <a:endParaRPr kumimoji="1" lang="ja-JP" altLang="en-US"/>
           </a:p>
@@ -3566,7 +3745,7 @@
           <a:p>
             <a:fld id="{DE38A0FA-1066-4405-A9B4-B20FDCFA17CE}" type="datetimeFigureOut">
               <a:rPr kumimoji="1" lang="ja-JP" altLang="en-US" smtClean="0"/>
-              <a:t>2020/11/27</a:t>
+              <a:t>2020/12/1</a:t>
             </a:fld>
             <a:endParaRPr kumimoji="1" lang="ja-JP" altLang="en-US"/>
           </a:p>
@@ -3854,7 +4033,7 @@
           <a:p>
             <a:fld id="{DE38A0FA-1066-4405-A9B4-B20FDCFA17CE}" type="datetimeFigureOut">
               <a:rPr kumimoji="1" lang="ja-JP" altLang="en-US" smtClean="0"/>
-              <a:t>2020/11/27</a:t>
+              <a:t>2020/12/1</a:t>
             </a:fld>
             <a:endParaRPr kumimoji="1" lang="ja-JP" altLang="en-US"/>
           </a:p>
@@ -4127,7 +4306,7 @@
           <a:p>
             <a:fld id="{DE38A0FA-1066-4405-A9B4-B20FDCFA17CE}" type="datetimeFigureOut">
               <a:rPr kumimoji="1" lang="ja-JP" altLang="en-US" smtClean="0"/>
-              <a:t>2020/11/27</a:t>
+              <a:t>2020/12/1</a:t>
             </a:fld>
             <a:endParaRPr kumimoji="1" lang="ja-JP" altLang="en-US"/>
           </a:p>
@@ -4650,7 +4829,7 @@
         </p:nvSpPr>
         <p:spPr>
           <a:xfrm>
-            <a:off x="261257" y="84914"/>
+            <a:off x="440547" y="156630"/>
             <a:ext cx="11092543" cy="888488"/>
           </a:xfrm>
         </p:spPr>
@@ -4685,280 +4864,413 @@
         </p:nvSpPr>
         <p:spPr>
           <a:xfrm>
-            <a:off x="261257" y="1120877"/>
-            <a:ext cx="11092543" cy="5574890"/>
+            <a:off x="519953" y="1272989"/>
+            <a:ext cx="10833847" cy="5351061"/>
           </a:xfrm>
         </p:spPr>
         <p:txBody>
           <a:bodyPr>
-            <a:normAutofit fontScale="77500" lnSpcReduction="20000"/>
+            <a:noAutofit/>
           </a:bodyPr>
           <a:lstStyle/>
           <a:p>
-            <a:pPr>
+            <a:pPr marL="0" indent="0">
               <a:lnSpc>
-                <a:spcPct val="110000"/>
+                <a:spcPct val="100000"/>
               </a:lnSpc>
+              <a:spcBef>
+                <a:spcPts val="600"/>
+              </a:spcBef>
+              <a:buClr>
+                <a:schemeClr val="accent5"/>
+              </a:buClr>
+              <a:buNone/>
             </a:pPr>
             <a:r>
-              <a:rPr lang="ja-JP" altLang="en-US" b="0" i="0" dirty="0">
+              <a:rPr lang="ja-JP" altLang="en-US" sz="2400" b="1" i="0" spc="100" dirty="0">
+                <a:solidFill>
+                  <a:srgbClr val="24292E"/>
+                </a:solidFill>
+                <a:effectLst/>
+                <a:latin typeface="-apple-system"/>
+              </a:rPr>
+              <a:t>薬の作用機序</a:t>
+            </a:r>
+            <a:r>
+              <a:rPr lang="en-US" altLang="ja-JP" sz="2400" b="1" i="0" spc="100" dirty="0">
+                <a:solidFill>
+                  <a:srgbClr val="24292E"/>
+                </a:solidFill>
+                <a:effectLst/>
+                <a:latin typeface="-apple-system"/>
+              </a:rPr>
+              <a:t>(</a:t>
+            </a:r>
+            <a:r>
+              <a:rPr lang="en-US" altLang="ja-JP" sz="2400" b="1" i="0" spc="100" dirty="0" err="1">
+                <a:solidFill>
+                  <a:srgbClr val="24292E"/>
+                </a:solidFill>
+                <a:effectLst/>
+                <a:latin typeface="-apple-system"/>
+              </a:rPr>
+              <a:t>MoA</a:t>
+            </a:r>
+            <a:r>
+              <a:rPr lang="en-US" altLang="ja-JP" sz="2400" b="1" i="0" spc="100" dirty="0">
+                <a:solidFill>
+                  <a:srgbClr val="24292E"/>
+                </a:solidFill>
+                <a:effectLst/>
+                <a:latin typeface="-apple-system"/>
+              </a:rPr>
+              <a:t>)</a:t>
+            </a:r>
+            <a:r>
+              <a:rPr lang="ja-JP" altLang="en-US" sz="2400" b="1" i="0" spc="100" dirty="0">
+                <a:solidFill>
+                  <a:srgbClr val="24292E"/>
+                </a:solidFill>
+                <a:effectLst/>
+                <a:latin typeface="-apple-system"/>
+              </a:rPr>
+              <a:t>の応答を予測する</a:t>
+            </a:r>
+            <a:endParaRPr lang="en-US" altLang="ja-JP" sz="2400" b="1" spc="100" dirty="0">
+              <a:solidFill>
+                <a:srgbClr val="24292E"/>
+              </a:solidFill>
+              <a:latin typeface="Inter"/>
+            </a:endParaRPr>
+          </a:p>
+          <a:p>
+            <a:pPr indent="-360000">
+              <a:lnSpc>
+                <a:spcPct val="100000"/>
+              </a:lnSpc>
+              <a:spcBef>
+                <a:spcPts val="600"/>
+              </a:spcBef>
+              <a:buClr>
+                <a:schemeClr val="accent5"/>
+              </a:buClr>
+              <a:buFont typeface="Wingdings" panose="05000000000000000000" pitchFamily="2" charset="2"/>
+              <a:buChar char="l"/>
+            </a:pPr>
+            <a:r>
+              <a:rPr kumimoji="1" lang="en-US" altLang="ja-JP" sz="2000" spc="100" dirty="0" err="1"/>
+              <a:t>MoA</a:t>
+            </a:r>
+            <a:r>
+              <a:rPr lang="en-US" altLang="ja-JP" sz="2000" spc="100" dirty="0"/>
+              <a:t>(</a:t>
+            </a:r>
+            <a:r>
+              <a:rPr kumimoji="1" lang="en-US" altLang="ja-JP" sz="2000" spc="100" dirty="0"/>
+              <a:t>mechanism of action): </a:t>
+            </a:r>
+            <a:r>
+              <a:rPr kumimoji="1" lang="ja-JP" altLang="en-US" sz="2000" spc="100" dirty="0"/>
+              <a:t>薬理作用を生み出す生化学的相互作用</a:t>
+            </a:r>
+            <a:endParaRPr lang="en-US" altLang="ja-JP" sz="2000" spc="100" dirty="0"/>
+          </a:p>
+          <a:p>
+            <a:pPr indent="-360000">
+              <a:lnSpc>
+                <a:spcPct val="100000"/>
+              </a:lnSpc>
+              <a:spcBef>
+                <a:spcPts val="600"/>
+              </a:spcBef>
+              <a:buClr>
+                <a:schemeClr val="accent5"/>
+              </a:buClr>
+              <a:buFont typeface="Wingdings" panose="05000000000000000000" pitchFamily="2" charset="2"/>
+              <a:buChar char="l"/>
+            </a:pPr>
+            <a:r>
+              <a:rPr kumimoji="1" lang="ja-JP" altLang="en-US" sz="2000" spc="100" dirty="0"/>
+              <a:t>抗うつ薬は、脳のセロトニンに影響を与える選択的セロトニン再取り込み阻害薬（</a:t>
+            </a:r>
+            <a:r>
+              <a:rPr kumimoji="1" lang="en-US" altLang="ja-JP" sz="2000" spc="100" dirty="0"/>
+              <a:t>SSRI</a:t>
+            </a:r>
+            <a:r>
+              <a:rPr kumimoji="1" lang="ja-JP" altLang="en-US" sz="2000" spc="100" dirty="0"/>
+              <a:t>）を持っている</a:t>
+            </a:r>
+            <a:endParaRPr lang="en-US" altLang="ja-JP" sz="2000" spc="100" dirty="0"/>
+          </a:p>
+          <a:p>
+            <a:pPr indent="-360000">
+              <a:lnSpc>
+                <a:spcPct val="100000"/>
+              </a:lnSpc>
+              <a:spcBef>
+                <a:spcPts val="600"/>
+              </a:spcBef>
+              <a:buClr>
+                <a:schemeClr val="accent5"/>
+              </a:buClr>
+              <a:buFont typeface="Wingdings" panose="05000000000000000000" pitchFamily="2" charset="2"/>
+              <a:buChar char="l"/>
+            </a:pPr>
+            <a:r>
+              <a:rPr kumimoji="1" lang="en-US" altLang="ja-JP" sz="2000" spc="100" dirty="0"/>
+              <a:t>SSRI</a:t>
+            </a:r>
+            <a:r>
+              <a:rPr kumimoji="1" lang="ja-JP" altLang="en-US" sz="2000" spc="100" dirty="0"/>
+              <a:t>のような薬理作用の有り</a:t>
+            </a:r>
+            <a:r>
+              <a:rPr kumimoji="1" lang="en-US" altLang="ja-JP" sz="2000" spc="100" dirty="0"/>
+              <a:t>/</a:t>
+            </a:r>
+            <a:r>
+              <a:rPr kumimoji="1" lang="ja-JP" altLang="en-US" sz="2000" spc="100" dirty="0"/>
+              <a:t>無し</a:t>
+            </a:r>
+            <a:r>
+              <a:rPr kumimoji="1" lang="en-US" altLang="ja-JP" sz="2000" spc="100" dirty="0"/>
+              <a:t>(1/0</a:t>
+            </a:r>
+            <a:r>
+              <a:rPr lang="en-US" altLang="ja-JP" sz="2000" spc="100" dirty="0"/>
+              <a:t>)</a:t>
+            </a:r>
+            <a:r>
+              <a:rPr kumimoji="1" lang="ja-JP" altLang="en-US" sz="2000" spc="100" dirty="0"/>
+              <a:t>が本コンペのクラス</a:t>
+            </a:r>
+            <a:endParaRPr lang="en-US" altLang="ja-JP" sz="2000" spc="100" dirty="0"/>
+          </a:p>
+          <a:p>
+            <a:pPr marL="0" indent="0">
+              <a:lnSpc>
+                <a:spcPct val="100000"/>
+              </a:lnSpc>
+              <a:spcBef>
+                <a:spcPts val="600"/>
+              </a:spcBef>
+              <a:buClr>
+                <a:schemeClr val="accent5"/>
+              </a:buClr>
+              <a:buNone/>
+            </a:pPr>
+            <a:endParaRPr lang="en-US" altLang="ja-JP" sz="2400" spc="100" dirty="0"/>
+          </a:p>
+          <a:p>
+            <a:pPr marL="0" indent="0">
+              <a:lnSpc>
+                <a:spcPct val="100000"/>
+              </a:lnSpc>
+              <a:spcBef>
+                <a:spcPts val="600"/>
+              </a:spcBef>
+              <a:buClr>
+                <a:schemeClr val="accent5"/>
+              </a:buClr>
+              <a:buNone/>
+            </a:pPr>
+            <a:r>
+              <a:rPr kumimoji="1" lang="ja-JP" altLang="en-US" sz="2400" b="1" spc="100" dirty="0"/>
+              <a:t>マルチラベル分類問題</a:t>
+            </a:r>
+            <a:endParaRPr kumimoji="1" lang="en-US" altLang="ja-JP" sz="2400" b="1" spc="100" dirty="0"/>
+          </a:p>
+          <a:p>
+            <a:pPr indent="-360000">
+              <a:lnSpc>
+                <a:spcPct val="100000"/>
+              </a:lnSpc>
+              <a:spcBef>
+                <a:spcPts val="600"/>
+              </a:spcBef>
+              <a:buClr>
+                <a:schemeClr val="accent5"/>
+              </a:buClr>
+              <a:buFont typeface="Wingdings" panose="05000000000000000000" pitchFamily="2" charset="2"/>
+              <a:buChar char="l"/>
+            </a:pPr>
+            <a:r>
+              <a:rPr lang="ja-JP" altLang="en-US" sz="2000" b="0" i="0">
                 <a:effectLst/>
                 <a:latin typeface="Inter"/>
               </a:rPr>
-              <a:t>遺伝子発現値や細胞生存率から</a:t>
-            </a:r>
-            <a:r>
-              <a:rPr kumimoji="1" lang="ja-JP" altLang="en-US" dirty="0"/>
-              <a:t>薬（化合物）の作用機序</a:t>
-            </a:r>
-            <a:r>
-              <a:rPr kumimoji="1" lang="en-US" altLang="ja-JP" dirty="0"/>
-              <a:t>(</a:t>
-            </a:r>
-            <a:r>
-              <a:rPr kumimoji="1" lang="en-US" altLang="ja-JP" dirty="0" err="1"/>
-              <a:t>MoA</a:t>
-            </a:r>
-            <a:r>
-              <a:rPr kumimoji="1" lang="en-US" altLang="ja-JP" dirty="0"/>
-              <a:t>)</a:t>
-            </a:r>
-            <a:r>
-              <a:rPr kumimoji="1" lang="ja-JP" altLang="en-US" dirty="0"/>
-              <a:t>の</a:t>
-            </a:r>
-            <a:r>
-              <a:rPr lang="ja-JP" altLang="en-US" i="0" dirty="0">
+              <a:t>ラベルは非常</a:t>
+            </a:r>
+            <a:r>
+              <a:rPr lang="ja-JP" altLang="en-US" sz="2000" b="0" i="0" dirty="0">
                 <a:effectLst/>
                 <a:latin typeface="Inter"/>
               </a:rPr>
-              <a:t>応答</a:t>
-            </a:r>
-            <a:r>
-              <a:rPr kumimoji="1" lang="ja-JP" altLang="en-US" dirty="0"/>
-              <a:t>を予測する</a:t>
-            </a:r>
-            <a:endParaRPr kumimoji="1" lang="en-US" altLang="ja-JP" dirty="0"/>
-          </a:p>
-          <a:p>
-            <a:pPr lvl="1">
+              <a:t>に不均衡（</a:t>
+            </a:r>
+            <a:r>
+              <a:rPr lang="en-US" altLang="ja-JP" sz="2000" b="0" i="0" dirty="0">
+                <a:effectLst/>
+                <a:latin typeface="Inter"/>
+              </a:rPr>
+              <a:t>0</a:t>
+            </a:r>
+            <a:r>
+              <a:rPr lang="ja-JP" altLang="en-US" sz="2000" b="0" i="0" dirty="0">
+                <a:effectLst/>
+                <a:latin typeface="Inter"/>
+              </a:rPr>
+              <a:t>のラベルが大半で</a:t>
+            </a:r>
+            <a:r>
+              <a:rPr lang="en-US" altLang="ja-JP" sz="2000" b="0" i="0" dirty="0">
+                <a:effectLst/>
+                <a:latin typeface="Inter"/>
+              </a:rPr>
+              <a:t>1</a:t>
+            </a:r>
+            <a:r>
+              <a:rPr lang="ja-JP" altLang="en-US" sz="2000" b="0" i="0" dirty="0">
+                <a:effectLst/>
+                <a:latin typeface="Inter"/>
+              </a:rPr>
+              <a:t>のラベルが非常に少ない）</a:t>
+            </a:r>
+            <a:endParaRPr kumimoji="1" lang="en-US" altLang="ja-JP" sz="2000" dirty="0"/>
+          </a:p>
+          <a:p>
+            <a:pPr marL="0" indent="0">
               <a:lnSpc>
-                <a:spcPct val="110000"/>
+                <a:spcPct val="100000"/>
               </a:lnSpc>
+              <a:spcBef>
+                <a:spcPts val="600"/>
+              </a:spcBef>
+              <a:buClr>
+                <a:schemeClr val="accent5"/>
+              </a:buClr>
+              <a:buNone/>
             </a:pPr>
-            <a:r>
-              <a:rPr kumimoji="1" lang="en-US" altLang="ja-JP" dirty="0" err="1"/>
-              <a:t>MoA</a:t>
-            </a:r>
-            <a:r>
-              <a:rPr lang="en-US" altLang="ja-JP" dirty="0"/>
-              <a:t>(</a:t>
-            </a:r>
-            <a:r>
-              <a:rPr kumimoji="1" lang="en-US" altLang="ja-JP" dirty="0"/>
-              <a:t>mechanism of action): </a:t>
-            </a:r>
-            <a:r>
-              <a:rPr kumimoji="1" lang="ja-JP" altLang="en-US" dirty="0"/>
-              <a:t>薬物がその薬理作用を生み出す生化学的相互作用</a:t>
-            </a:r>
-            <a:endParaRPr kumimoji="1" lang="en-US" altLang="ja-JP" dirty="0"/>
-          </a:p>
-          <a:p>
-            <a:pPr lvl="2">
+            <a:endParaRPr lang="en-US" altLang="ja-JP" sz="2400" spc="100" dirty="0"/>
+          </a:p>
+          <a:p>
+            <a:pPr marL="0" indent="0">
               <a:lnSpc>
-                <a:spcPct val="110000"/>
+                <a:spcPct val="100000"/>
               </a:lnSpc>
+              <a:spcBef>
+                <a:spcPts val="600"/>
+              </a:spcBef>
+              <a:buClr>
+                <a:schemeClr val="accent5"/>
+              </a:buClr>
+              <a:buNone/>
             </a:pPr>
             <a:r>
-              <a:rPr kumimoji="1" lang="ja-JP" altLang="en-US" dirty="0"/>
-              <a:t>抗うつ薬は、脳のセロトニンに影響を与える選択的セロトニン再取り込み阻害薬（</a:t>
-            </a:r>
-            <a:r>
-              <a:rPr kumimoji="1" lang="en-US" altLang="ja-JP" dirty="0"/>
-              <a:t>SSRI</a:t>
-            </a:r>
-            <a:r>
-              <a:rPr kumimoji="1" lang="ja-JP" altLang="en-US" dirty="0"/>
-              <a:t>）を持っている</a:t>
-            </a:r>
-            <a:endParaRPr kumimoji="1" lang="en-US" altLang="ja-JP" dirty="0"/>
-          </a:p>
-          <a:p>
-            <a:pPr lvl="2">
+              <a:rPr lang="ja-JP" altLang="en-US" sz="2400" b="1" spc="100" dirty="0"/>
+              <a:t>テーブルデータ</a:t>
+            </a:r>
+            <a:endParaRPr lang="en-US" altLang="ja-JP" sz="2400" b="1" spc="100" dirty="0"/>
+          </a:p>
+          <a:p>
+            <a:pPr indent="-360000">
               <a:lnSpc>
-                <a:spcPct val="110000"/>
+                <a:spcPct val="100000"/>
               </a:lnSpc>
+              <a:spcBef>
+                <a:spcPts val="600"/>
+              </a:spcBef>
+              <a:buClr>
+                <a:schemeClr val="accent5"/>
+              </a:buClr>
+              <a:buFont typeface="Wingdings" panose="05000000000000000000" pitchFamily="2" charset="2"/>
+              <a:buChar char="l"/>
             </a:pPr>
             <a:r>
-              <a:rPr kumimoji="1" lang="en-US" altLang="ja-JP" dirty="0"/>
-              <a:t>SSRI</a:t>
-            </a:r>
-            <a:r>
-              <a:rPr kumimoji="1" lang="ja-JP" altLang="en-US" dirty="0"/>
-              <a:t>のような薬理作用の有り</a:t>
-            </a:r>
-            <a:r>
-              <a:rPr kumimoji="1" lang="en-US" altLang="ja-JP" dirty="0"/>
-              <a:t>/</a:t>
-            </a:r>
-            <a:r>
-              <a:rPr kumimoji="1" lang="ja-JP" altLang="en-US" dirty="0"/>
-              <a:t>無し（</a:t>
-            </a:r>
-            <a:r>
-              <a:rPr kumimoji="1" lang="en-US" altLang="ja-JP" dirty="0"/>
-              <a:t>1/0</a:t>
-            </a:r>
-            <a:r>
-              <a:rPr kumimoji="1" lang="ja-JP" altLang="en-US" dirty="0"/>
-              <a:t>）が本コンペのクラス</a:t>
-            </a:r>
-            <a:endParaRPr kumimoji="1" lang="en-US" altLang="ja-JP" dirty="0"/>
-          </a:p>
-          <a:p>
-            <a:pPr>
+              <a:rPr lang="en-US" altLang="ja-JP" sz="2000" spc="100" dirty="0"/>
+              <a:t>train data: 23,814</a:t>
+            </a:r>
+            <a:r>
+              <a:rPr lang="ja-JP" altLang="en-US" sz="2000" spc="100" dirty="0"/>
+              <a:t>行、</a:t>
+            </a:r>
+            <a:r>
+              <a:rPr lang="en-US" altLang="ja-JP" sz="2000" spc="100" dirty="0"/>
+              <a:t>public test data: 3,982</a:t>
+            </a:r>
+            <a:r>
+              <a:rPr lang="ja-JP" altLang="en-US" sz="2000" spc="100" dirty="0"/>
+              <a:t>行</a:t>
+            </a:r>
+            <a:endParaRPr lang="en-US" altLang="ja-JP" sz="2000" spc="100" dirty="0"/>
+          </a:p>
+          <a:p>
+            <a:pPr indent="-360000">
               <a:lnSpc>
-                <a:spcPct val="110000"/>
+                <a:spcPct val="100000"/>
               </a:lnSpc>
+              <a:spcBef>
+                <a:spcPts val="600"/>
+              </a:spcBef>
+              <a:buClr>
+                <a:schemeClr val="accent5"/>
+              </a:buClr>
+              <a:buFont typeface="Wingdings" panose="05000000000000000000" pitchFamily="2" charset="2"/>
+              <a:buChar char="l"/>
             </a:pPr>
-            <a:endParaRPr lang="en-US" altLang="ja-JP" dirty="0"/>
-          </a:p>
-          <a:p>
-            <a:pPr>
+            <a:r>
+              <a:rPr lang="en-US" altLang="ja-JP" sz="2000" spc="100" dirty="0"/>
+              <a:t>private test data</a:t>
+            </a:r>
+            <a:r>
+              <a:rPr lang="ja-JP" altLang="en-US" sz="2000" spc="100" dirty="0"/>
+              <a:t>は</a:t>
+            </a:r>
+            <a:r>
+              <a:rPr lang="en-US" altLang="ja-JP" sz="2000" spc="100" dirty="0"/>
+              <a:t>public</a:t>
+            </a:r>
+            <a:r>
+              <a:rPr lang="ja-JP" altLang="en-US" sz="2000" spc="100" dirty="0"/>
+              <a:t>の</a:t>
+            </a:r>
+            <a:r>
+              <a:rPr lang="en-US" altLang="ja-JP" sz="2000" spc="100" dirty="0"/>
+              <a:t>4</a:t>
+            </a:r>
+            <a:r>
+              <a:rPr lang="ja-JP" altLang="en-US" sz="2000" spc="100" dirty="0"/>
+              <a:t>倍。</a:t>
+            </a:r>
+            <a:r>
+              <a:rPr lang="ja-JP" altLang="en-US" sz="1800" spc="100" dirty="0"/>
+              <a:t>コンペ終了後</a:t>
+            </a:r>
+            <a:r>
+              <a:rPr lang="en-US" altLang="ja-JP" sz="1800" spc="100" dirty="0"/>
+              <a:t>private test set</a:t>
+            </a:r>
+            <a:r>
+              <a:rPr lang="ja-JP" altLang="en-US" sz="1800" spc="100" dirty="0"/>
+              <a:t>追加されて順位決まる</a:t>
+            </a:r>
+            <a:endParaRPr lang="en-US" altLang="ja-JP" sz="1800" spc="100" dirty="0"/>
+          </a:p>
+          <a:p>
+            <a:pPr marL="0" indent="0">
               <a:lnSpc>
-                <a:spcPct val="110000"/>
+                <a:spcPct val="100000"/>
               </a:lnSpc>
+              <a:spcBef>
+                <a:spcPts val="600"/>
+              </a:spcBef>
+              <a:buClr>
+                <a:schemeClr val="accent5"/>
+              </a:buClr>
+              <a:buNone/>
             </a:pPr>
-            <a:r>
-              <a:rPr lang="ja-JP" altLang="en-US" dirty="0"/>
-              <a:t>新薬（化合物）の実験で得られた生物学的活性値から、その新薬には何の</a:t>
-            </a:r>
-            <a:r>
-              <a:rPr lang="en-US" altLang="ja-JP" dirty="0" err="1"/>
-              <a:t>MoA</a:t>
-            </a:r>
-            <a:r>
-              <a:rPr lang="ja-JP" altLang="en-US" dirty="0"/>
-              <a:t>があるかを予測でき、創薬支援につながる</a:t>
-            </a:r>
-            <a:endParaRPr lang="en-US" altLang="ja-JP" dirty="0"/>
-          </a:p>
-          <a:p>
-            <a:pPr>
-              <a:lnSpc>
-                <a:spcPct val="110000"/>
-              </a:lnSpc>
-            </a:pPr>
-            <a:endParaRPr lang="en-US" altLang="ja-JP" dirty="0"/>
-          </a:p>
-          <a:p>
-            <a:pPr>
-              <a:lnSpc>
-                <a:spcPct val="110000"/>
-              </a:lnSpc>
-            </a:pPr>
-            <a:r>
-              <a:rPr lang="ja-JP" altLang="en-US" dirty="0"/>
-              <a:t>テーブルコンペ</a:t>
-            </a:r>
-            <a:endParaRPr lang="en-US" altLang="ja-JP" dirty="0"/>
-          </a:p>
-          <a:p>
-            <a:pPr lvl="1">
-              <a:lnSpc>
-                <a:spcPct val="110000"/>
-              </a:lnSpc>
-            </a:pPr>
-            <a:r>
-              <a:rPr lang="en-US" altLang="ja-JP" dirty="0"/>
-              <a:t>train data: 23,814</a:t>
-            </a:r>
-            <a:r>
-              <a:rPr lang="ja-JP" altLang="en-US" dirty="0"/>
-              <a:t>行、</a:t>
-            </a:r>
-            <a:r>
-              <a:rPr lang="en-US" altLang="ja-JP" dirty="0"/>
-              <a:t>public test data: 3,982</a:t>
-            </a:r>
-            <a:r>
-              <a:rPr lang="ja-JP" altLang="en-US" dirty="0"/>
-              <a:t>行</a:t>
-            </a:r>
-            <a:endParaRPr lang="en-US" altLang="ja-JP" dirty="0"/>
-          </a:p>
-          <a:p>
-            <a:pPr lvl="1">
-              <a:lnSpc>
-                <a:spcPct val="110000"/>
-              </a:lnSpc>
-            </a:pPr>
-            <a:r>
-              <a:rPr lang="en-US" altLang="ja-JP" dirty="0"/>
-              <a:t>private test data</a:t>
-            </a:r>
-            <a:r>
-              <a:rPr lang="ja-JP" altLang="en-US" dirty="0"/>
-              <a:t>は</a:t>
-            </a:r>
-            <a:r>
-              <a:rPr lang="en-US" altLang="ja-JP" dirty="0"/>
-              <a:t>public</a:t>
-            </a:r>
-            <a:r>
-              <a:rPr lang="ja-JP" altLang="en-US" dirty="0"/>
-              <a:t>の</a:t>
-            </a:r>
-            <a:r>
-              <a:rPr lang="en-US" altLang="ja-JP" dirty="0"/>
-              <a:t>4</a:t>
-            </a:r>
-            <a:r>
-              <a:rPr lang="ja-JP" altLang="en-US" dirty="0"/>
-              <a:t>倍</a:t>
-            </a:r>
-            <a:endParaRPr lang="en-US" altLang="ja-JP" dirty="0"/>
-          </a:p>
-          <a:p>
-            <a:pPr lvl="2">
-              <a:lnSpc>
-                <a:spcPct val="110000"/>
-              </a:lnSpc>
-            </a:pPr>
-            <a:r>
-              <a:rPr lang="ja-JP" altLang="en-US" dirty="0"/>
-              <a:t>コンペ終了後</a:t>
-            </a:r>
-            <a:r>
-              <a:rPr lang="en-US" altLang="ja-JP" dirty="0"/>
-              <a:t>private test set</a:t>
-            </a:r>
-            <a:r>
-              <a:rPr lang="ja-JP" altLang="en-US" dirty="0"/>
-              <a:t>追加されて順位決まる</a:t>
-            </a:r>
-            <a:endParaRPr lang="en-US" altLang="ja-JP" dirty="0"/>
-          </a:p>
-          <a:p>
-            <a:pPr>
-              <a:lnSpc>
-                <a:spcPct val="110000"/>
-              </a:lnSpc>
-            </a:pPr>
-            <a:endParaRPr lang="en-US" altLang="ja-JP" dirty="0"/>
-          </a:p>
-          <a:p>
-            <a:pPr>
-              <a:lnSpc>
-                <a:spcPct val="110000"/>
-              </a:lnSpc>
-            </a:pPr>
-            <a:r>
-              <a:rPr kumimoji="1" lang="ja-JP" altLang="en-US" dirty="0"/>
-              <a:t>マルチラベル分類問題</a:t>
-            </a:r>
-            <a:endParaRPr kumimoji="1" lang="en-US" altLang="ja-JP" dirty="0"/>
+            <a:endParaRPr kumimoji="1" lang="en-US" altLang="ja-JP" sz="2400" spc="100" dirty="0"/>
           </a:p>
         </p:txBody>
       </p:sp>
@@ -4984,8 +5296,8 @@
         </p:blipFill>
         <p:spPr>
           <a:xfrm>
-            <a:off x="7730009" y="84914"/>
-            <a:ext cx="4200734" cy="888488"/>
+            <a:off x="6759388" y="84914"/>
+            <a:ext cx="5171355" cy="888488"/>
           </a:xfrm>
           <a:prstGeom prst="rect">
             <a:avLst/>
@@ -5058,51 +5370,6 @@
           </a:p>
         </p:txBody>
       </p:sp>
-      <p:sp>
-        <p:nvSpPr>
-          <p:cNvPr id="3" name="コンテンツ プレースホルダー 2">
-            <a:extLst>
-              <a:ext uri="{FF2B5EF4-FFF2-40B4-BE49-F238E27FC236}">
-                <a16:creationId xmlns:a16="http://schemas.microsoft.com/office/drawing/2014/main" id="{7EF4750E-39A8-42FE-AEAA-01E439CBA84B}"/>
-              </a:ext>
-            </a:extLst>
-          </p:cNvPr>
-          <p:cNvSpPr>
-            <a:spLocks noGrp="1"/>
-          </p:cNvSpPr>
-          <p:nvPr>
-            <p:ph idx="1"/>
-          </p:nvPr>
-        </p:nvSpPr>
-        <p:spPr>
-          <a:xfrm>
-            <a:off x="261257" y="1120877"/>
-            <a:ext cx="11092543" cy="545692"/>
-          </a:xfrm>
-        </p:spPr>
-        <p:txBody>
-          <a:bodyPr>
-            <a:normAutofit/>
-          </a:bodyPr>
-          <a:lstStyle/>
-          <a:p>
-            <a:pPr>
-              <a:lnSpc>
-                <a:spcPct val="110000"/>
-              </a:lnSpc>
-            </a:pPr>
-            <a:r>
-              <a:rPr kumimoji="1" lang="en-US" altLang="ja-JP" dirty="0"/>
-              <a:t>5</a:t>
-            </a:r>
-            <a:r>
-              <a:rPr kumimoji="1" lang="ja-JP" altLang="en-US" dirty="0"/>
-              <a:t>ファイル</a:t>
-            </a:r>
-            <a:endParaRPr kumimoji="1" lang="en-US" altLang="ja-JP" dirty="0"/>
-          </a:p>
-        </p:txBody>
-      </p:sp>
       <p:graphicFrame>
         <p:nvGraphicFramePr>
           <p:cNvPr id="4" name="表 3">
@@ -5118,14 +5385,14 @@
           <p:nvPr>
             <p:extLst>
               <p:ext uri="{D42A27DB-BD31-4B8C-83A1-F6EECF244321}">
-                <p14:modId xmlns:p14="http://schemas.microsoft.com/office/powerpoint/2010/main" val="121383942"/>
+                <p14:modId xmlns:p14="http://schemas.microsoft.com/office/powerpoint/2010/main" val="519764240"/>
               </p:ext>
             </p:extLst>
           </p:nvPr>
         </p:nvGraphicFramePr>
         <p:xfrm>
-          <a:off x="549058" y="1814043"/>
-          <a:ext cx="11097350" cy="4425393"/>
+          <a:off x="549058" y="1255059"/>
+          <a:ext cx="11097350" cy="4984378"/>
         </p:xfrm>
         <a:graphic>
           <a:graphicData uri="http://schemas.openxmlformats.org/drawingml/2006/table">
@@ -5156,7 +5423,7 @@
                   </a:extLst>
                 </a:gridCol>
               </a:tblGrid>
-              <a:tr h="632199">
+              <a:tr h="712054">
                 <a:tc>
                   <a:txBody>
                     <a:bodyPr/>
@@ -5235,7 +5502,7 @@
                   </a:ext>
                 </a:extLst>
               </a:tr>
-              <a:tr h="632199">
+              <a:tr h="712054">
                 <a:tc>
                   <a:txBody>
                     <a:bodyPr/>
@@ -5320,7 +5587,7 @@
                   </a:ext>
                 </a:extLst>
               </a:tr>
-              <a:tr h="632199">
+              <a:tr h="712054">
                 <a:tc>
                   <a:txBody>
                     <a:bodyPr/>
@@ -5405,7 +5672,7 @@
                   </a:ext>
                 </a:extLst>
               </a:tr>
-              <a:tr h="632199">
+              <a:tr h="712054">
                 <a:tc>
                   <a:txBody>
                     <a:bodyPr/>
@@ -5484,7 +5751,7 @@
                   </a:ext>
                 </a:extLst>
               </a:tr>
-              <a:tr h="632199">
+              <a:tr h="712054">
                 <a:tc>
                   <a:txBody>
                     <a:bodyPr/>
@@ -5584,7 +5851,7 @@
                   </a:ext>
                 </a:extLst>
               </a:tr>
-              <a:tr h="632199">
+              <a:tr h="712054">
                 <a:tc>
                   <a:txBody>
                     <a:bodyPr/>
@@ -5663,7 +5930,7 @@
                   </a:ext>
                 </a:extLst>
               </a:tr>
-              <a:tr h="632199">
+              <a:tr h="712054">
                 <a:tc>
                   <a:txBody>
                     <a:bodyPr/>
@@ -5851,10 +6118,10 @@
         </p:nvGrpSpPr>
         <p:grpSpPr>
           <a:xfrm>
-            <a:off x="1215280" y="3429001"/>
-            <a:ext cx="9846010" cy="3274598"/>
-            <a:chOff x="812700" y="2174409"/>
-            <a:chExt cx="10705797" cy="3888744"/>
+            <a:off x="420147" y="3431153"/>
+            <a:ext cx="10641143" cy="3272447"/>
+            <a:chOff x="-51869" y="2176964"/>
+            <a:chExt cx="11570366" cy="3886189"/>
           </a:xfrm>
         </p:grpSpPr>
         <p:pic>
@@ -5901,13 +6168,13 @@
           </p:nvSpPr>
           <p:spPr>
             <a:xfrm>
-              <a:off x="1332278" y="2213018"/>
+              <a:off x="-51869" y="2596270"/>
               <a:ext cx="1219201" cy="542852"/>
             </a:xfrm>
             <a:prstGeom prst="wedgeRectCallout">
               <a:avLst>
-                <a:gd name="adj1" fmla="val -41967"/>
-                <a:gd name="adj2" fmla="val 132884"/>
+                <a:gd name="adj1" fmla="val 50775"/>
+                <a:gd name="adj2" fmla="val 93661"/>
               </a:avLst>
             </a:prstGeom>
           </p:spPr>
@@ -6045,13 +6312,13 @@
           </p:nvSpPr>
           <p:spPr>
             <a:xfrm>
-              <a:off x="2739213" y="2174409"/>
+              <a:off x="2703400" y="2443148"/>
               <a:ext cx="2900523" cy="620067"/>
             </a:xfrm>
             <a:prstGeom prst="wedgeRectCallout">
               <a:avLst>
-                <a:gd name="adj1" fmla="val -38073"/>
-                <a:gd name="adj2" fmla="val 123474"/>
+                <a:gd name="adj1" fmla="val -18581"/>
+                <a:gd name="adj2" fmla="val 96003"/>
               </a:avLst>
             </a:prstGeom>
           </p:spPr>
@@ -6189,13 +6456,13 @@
           </p:nvSpPr>
           <p:spPr>
             <a:xfrm>
-              <a:off x="6356556" y="2176964"/>
-              <a:ext cx="2900524" cy="857057"/>
+              <a:off x="6830402" y="2176964"/>
+              <a:ext cx="2705437" cy="857057"/>
             </a:xfrm>
             <a:prstGeom prst="wedgeRectCallout">
               <a:avLst>
-                <a:gd name="adj1" fmla="val -78053"/>
-                <a:gd name="adj2" fmla="val 149902"/>
+                <a:gd name="adj1" fmla="val -68685"/>
+                <a:gd name="adj2" fmla="val 90278"/>
               </a:avLst>
             </a:prstGeom>
           </p:spPr>
@@ -6360,8 +6627,8 @@
         </p:nvSpPr>
         <p:spPr>
           <a:xfrm>
-            <a:off x="261257" y="999726"/>
-            <a:ext cx="11625943" cy="3174066"/>
+            <a:off x="297116" y="999726"/>
+            <a:ext cx="11464578" cy="3174066"/>
           </a:xfrm>
         </p:spPr>
         <p:txBody>
@@ -6370,38 +6637,65 @@
           </a:bodyPr>
           <a:lstStyle/>
           <a:p>
-            <a:pPr>
+            <a:pPr marL="0" indent="0">
               <a:lnSpc>
-                <a:spcPct val="120000"/>
+                <a:spcPct val="100000"/>
               </a:lnSpc>
+              <a:buNone/>
             </a:pPr>
             <a:r>
-              <a:rPr lang="ja-JP" altLang="en-US" sz="2400" dirty="0">
+              <a:rPr lang="ja-JP" altLang="en-US" sz="2400" b="1" dirty="0">
                 <a:latin typeface="游ゴシック 本文"/>
               </a:rPr>
               <a:t>約</a:t>
             </a:r>
             <a:r>
-              <a:rPr lang="en-US" altLang="ja-JP" sz="2400" dirty="0">
+              <a:rPr lang="en-US" altLang="ja-JP" sz="2400" b="1" dirty="0">
                 <a:latin typeface="游ゴシック 本文"/>
               </a:rPr>
               <a:t>5,000</a:t>
             </a:r>
             <a:r>
-              <a:rPr lang="ja-JP" altLang="en-US" sz="2400" dirty="0">
+              <a:rPr lang="ja-JP" altLang="en-US" sz="2400" b="1" dirty="0">
                 <a:latin typeface="游ゴシック 本文"/>
               </a:rPr>
               <a:t>種類の薬を使った実験データ</a:t>
             </a:r>
-            <a:endParaRPr lang="en-US" altLang="ja-JP" sz="2400" dirty="0">
+            <a:endParaRPr lang="en-US" altLang="ja-JP" sz="2400" b="1" dirty="0">
               <a:latin typeface="游ゴシック 本文"/>
             </a:endParaRPr>
           </a:p>
           <a:p>
-            <a:pPr lvl="1">
+            <a:pPr marL="360000" indent="-360000">
               <a:lnSpc>
-                <a:spcPct val="120000"/>
+                <a:spcPct val="100000"/>
               </a:lnSpc>
+              <a:buClr>
+                <a:schemeClr val="accent5"/>
+              </a:buClr>
+              <a:buFont typeface="Wingdings" panose="05000000000000000000" pitchFamily="2" charset="2"/>
+              <a:buChar char="l"/>
+            </a:pPr>
+            <a:r>
+              <a:rPr lang="ja-JP" altLang="en-US" sz="2000" dirty="0">
+                <a:latin typeface="游ゴシック 本文"/>
+              </a:rPr>
+              <a:t>遺伝子発現値や細胞生存率</a:t>
+            </a:r>
+            <a:endParaRPr lang="en-US" altLang="ja-JP" sz="2000" dirty="0">
+              <a:latin typeface="游ゴシック 本文"/>
+            </a:endParaRPr>
+          </a:p>
+          <a:p>
+            <a:pPr marL="360000" indent="-360000">
+              <a:lnSpc>
+                <a:spcPct val="100000"/>
+              </a:lnSpc>
+              <a:buClr>
+                <a:schemeClr val="accent5"/>
+              </a:buClr>
+              <a:buFont typeface="Wingdings" panose="05000000000000000000" pitchFamily="2" charset="2"/>
+              <a:buChar char="l"/>
             </a:pPr>
             <a:r>
               <a:rPr lang="en-US" altLang="ja-JP" sz="2000" dirty="0">
@@ -6432,44 +6726,50 @@
             </a:endParaRPr>
           </a:p>
           <a:p>
-            <a:pPr>
+            <a:pPr marL="0" indent="0">
               <a:lnSpc>
-                <a:spcPct val="120000"/>
+                <a:spcPct val="100000"/>
               </a:lnSpc>
+              <a:buNone/>
             </a:pPr>
             <a:r>
-              <a:rPr lang="en-US" altLang="ja-JP" sz="2400" b="0" i="0" dirty="0">
+              <a:rPr lang="en-US" altLang="ja-JP" sz="2400" b="1" i="0" dirty="0">
                 <a:latin typeface="游ゴシック 本文"/>
               </a:rPr>
               <a:t>1</a:t>
             </a:r>
             <a:r>
-              <a:rPr lang="ja-JP" altLang="en-US" sz="2400" b="0" i="0" dirty="0">
+              <a:rPr lang="ja-JP" altLang="en-US" sz="2400" b="1" i="0" dirty="0">
                 <a:latin typeface="游ゴシック 本文"/>
               </a:rPr>
               <a:t>つの薬について</a:t>
             </a:r>
             <a:r>
-              <a:rPr lang="en-US" altLang="ja-JP" sz="2400" dirty="0">
+              <a:rPr lang="en-US" altLang="ja-JP" sz="2400" b="1" dirty="0">
                 <a:latin typeface="游ゴシック 本文"/>
               </a:rPr>
               <a:t>6*n</a:t>
             </a:r>
             <a:r>
-              <a:rPr lang="ja-JP" altLang="en-US" sz="2400" b="0" i="0" dirty="0">
+              <a:rPr lang="ja-JP" altLang="en-US" sz="2400" b="1" i="0" dirty="0">
                 <a:latin typeface="游ゴシック 本文"/>
               </a:rPr>
               <a:t>行ある</a:t>
             </a:r>
-            <a:endParaRPr lang="en-US" altLang="ja-JP" sz="2400" b="0" i="0" dirty="0">
+            <a:endParaRPr lang="en-US" altLang="ja-JP" sz="2400" b="1" dirty="0">
               <a:latin typeface="游ゴシック 本文"/>
             </a:endParaRPr>
           </a:p>
           <a:p>
-            <a:pPr lvl="1">
+            <a:pPr marL="360000" indent="-360000">
               <a:lnSpc>
-                <a:spcPct val="120000"/>
+                <a:spcPct val="100000"/>
               </a:lnSpc>
+              <a:buClr>
+                <a:schemeClr val="accent5"/>
+              </a:buClr>
+              <a:buFont typeface="Wingdings" panose="05000000000000000000" pitchFamily="2" charset="2"/>
+              <a:buChar char="l"/>
             </a:pPr>
             <a:r>
               <a:rPr lang="en-US" altLang="ja-JP" sz="2000" b="0" i="0" dirty="0">
@@ -6527,10 +6827,15 @@
             </a:r>
           </a:p>
           <a:p>
-            <a:pPr lvl="1">
+            <a:pPr marL="360000" indent="-360000">
               <a:lnSpc>
-                <a:spcPct val="120000"/>
+                <a:spcPct val="100000"/>
               </a:lnSpc>
+              <a:buClr>
+                <a:schemeClr val="accent5"/>
+              </a:buClr>
+              <a:buFont typeface="Wingdings" panose="05000000000000000000" pitchFamily="2" charset="2"/>
+              <a:buChar char="l"/>
             </a:pPr>
             <a:r>
               <a:rPr lang="ja-JP" altLang="en-US" sz="2000" b="0" i="0" dirty="0">
@@ -6644,155 +6949,184 @@
         </p:spPr>
         <p:txBody>
           <a:bodyPr>
-            <a:normAutofit lnSpcReduction="10000"/>
+            <a:normAutofit fontScale="92500" lnSpcReduction="10000"/>
           </a:bodyPr>
           <a:lstStyle/>
           <a:p>
-            <a:pPr>
+            <a:pPr marL="0" indent="0">
               <a:lnSpc>
                 <a:spcPct val="120000"/>
               </a:lnSpc>
+              <a:buNone/>
             </a:pPr>
             <a:r>
-              <a:rPr kumimoji="1" lang="en-US" altLang="ja-JP"/>
+              <a:rPr kumimoji="1" lang="en-US" altLang="ja-JP" b="1" dirty="0"/>
               <a:t>206</a:t>
             </a:r>
             <a:r>
-              <a:rPr kumimoji="1" lang="ja-JP" altLang="en-US"/>
+              <a:rPr kumimoji="1" lang="ja-JP" altLang="en-US" b="1" dirty="0"/>
               <a:t>種の薬の作用機序</a:t>
             </a:r>
             <a:r>
-              <a:rPr kumimoji="1" lang="en-US" altLang="ja-JP"/>
-              <a:t>(MoA)</a:t>
-            </a:r>
-            <a:r>
-              <a:rPr kumimoji="1" lang="ja-JP" altLang="en-US"/>
+              <a:rPr kumimoji="1" lang="en-US" altLang="ja-JP" b="1" dirty="0"/>
+              <a:t>(</a:t>
+            </a:r>
+            <a:r>
+              <a:rPr kumimoji="1" lang="en-US" altLang="ja-JP" b="1" dirty="0" err="1"/>
+              <a:t>MoA</a:t>
+            </a:r>
+            <a:r>
+              <a:rPr kumimoji="1" lang="en-US" altLang="ja-JP" b="1" dirty="0"/>
+              <a:t>)</a:t>
+            </a:r>
+            <a:r>
+              <a:rPr kumimoji="1" lang="ja-JP" altLang="en-US" b="1" dirty="0"/>
               <a:t>の応答</a:t>
             </a:r>
             <a:r>
-              <a:rPr lang="ja-JP" altLang="en-US"/>
+              <a:rPr lang="ja-JP" altLang="en-US" b="1" dirty="0"/>
               <a:t>（</a:t>
             </a:r>
             <a:r>
-              <a:rPr kumimoji="1" lang="en-US" altLang="ja-JP"/>
+              <a:rPr kumimoji="1" lang="en-US" altLang="ja-JP" b="1" dirty="0"/>
               <a:t>0/1</a:t>
             </a:r>
             <a:r>
-              <a:rPr lang="ja-JP" altLang="en-US"/>
+              <a:rPr lang="ja-JP" altLang="en-US" b="1" dirty="0"/>
               <a:t>）</a:t>
             </a:r>
-            <a:endParaRPr kumimoji="1" lang="en-US" altLang="ja-JP"/>
-          </a:p>
-          <a:p>
-            <a:pPr lvl="1">
+            <a:endParaRPr lang="en-US" altLang="ja-JP" b="1" dirty="0"/>
+          </a:p>
+          <a:p>
+            <a:pPr marL="360000" indent="-360000">
               <a:lnSpc>
                 <a:spcPct val="120000"/>
               </a:lnSpc>
+              <a:buClr>
+                <a:schemeClr val="accent5"/>
+              </a:buClr>
+              <a:buFont typeface="Wingdings" panose="05000000000000000000" pitchFamily="2" charset="2"/>
+              <a:buChar char="l"/>
             </a:pPr>
             <a:r>
-              <a:rPr kumimoji="1" lang="en-US" altLang="ja-JP"/>
+              <a:rPr kumimoji="1" lang="en-US" altLang="ja-JP" sz="2600" dirty="0"/>
               <a:t>1</a:t>
             </a:r>
             <a:r>
-              <a:rPr kumimoji="1" lang="ja-JP" altLang="en-US"/>
+              <a:rPr kumimoji="1" lang="ja-JP" altLang="en-US" sz="2600" dirty="0"/>
               <a:t>列</a:t>
             </a:r>
             <a:r>
-              <a:rPr kumimoji="1" lang="en-US" altLang="ja-JP"/>
+              <a:rPr kumimoji="1" lang="en-US" altLang="ja-JP" sz="2600" dirty="0"/>
               <a:t>1</a:t>
             </a:r>
             <a:r>
-              <a:rPr kumimoji="1" lang="ja-JP" altLang="en-US"/>
+              <a:rPr kumimoji="1" lang="ja-JP" altLang="en-US" sz="2600" dirty="0"/>
               <a:t>クラス</a:t>
             </a:r>
             <a:r>
-              <a:rPr lang="ja-JP" altLang="en-US"/>
+              <a:rPr lang="ja-JP" altLang="en-US" sz="2600" dirty="0"/>
               <a:t>。クラス名が薬の名前</a:t>
             </a:r>
-            <a:endParaRPr kumimoji="1" lang="en-US" altLang="ja-JP"/>
-          </a:p>
-          <a:p>
-            <a:pPr lvl="1">
+            <a:endParaRPr lang="en-US" altLang="ja-JP" sz="2600" dirty="0"/>
+          </a:p>
+          <a:p>
+            <a:pPr marL="360000" indent="-360000">
               <a:lnSpc>
                 <a:spcPct val="120000"/>
               </a:lnSpc>
+              <a:buClr>
+                <a:schemeClr val="accent5"/>
+              </a:buClr>
+              <a:buFont typeface="Wingdings" panose="05000000000000000000" pitchFamily="2" charset="2"/>
+              <a:buChar char="l"/>
             </a:pPr>
             <a:r>
-              <a:rPr kumimoji="1" lang="ja-JP" altLang="en-US"/>
+              <a:rPr kumimoji="1" lang="ja-JP" altLang="en-US" sz="2600" dirty="0"/>
               <a:t>薬は </a:t>
             </a:r>
             <a:r>
-              <a:rPr kumimoji="1" lang="en-US" altLang="ja-JP"/>
+              <a:rPr kumimoji="1" lang="en-US" altLang="ja-JP" sz="2600" dirty="0"/>
               <a:t>5α</a:t>
             </a:r>
             <a:r>
-              <a:rPr kumimoji="1" lang="ja-JP" altLang="en-US"/>
+              <a:rPr kumimoji="1" lang="ja-JP" altLang="en-US" sz="2600" dirty="0"/>
               <a:t>還元酵素阻害剤、</a:t>
             </a:r>
             <a:r>
-              <a:rPr kumimoji="1" lang="en-US" altLang="ja-JP"/>
+              <a:rPr kumimoji="1" lang="en-US" altLang="ja-JP" sz="2600" dirty="0"/>
               <a:t>11-β-HSD1</a:t>
             </a:r>
             <a:r>
-              <a:rPr kumimoji="1" lang="ja-JP" altLang="en-US"/>
+              <a:rPr kumimoji="1" lang="ja-JP" altLang="en-US" sz="2600" dirty="0"/>
               <a:t>阻害剤 など</a:t>
             </a:r>
-            <a:endParaRPr kumimoji="1" lang="en-US" altLang="ja-JP"/>
-          </a:p>
-          <a:p>
-            <a:pPr>
+            <a:endParaRPr kumimoji="1" lang="en-US" altLang="ja-JP" sz="2600" dirty="0"/>
+          </a:p>
+          <a:p>
+            <a:pPr marL="360000" indent="-360000">
               <a:lnSpc>
                 <a:spcPct val="120000"/>
               </a:lnSpc>
+              <a:buClr>
+                <a:schemeClr val="accent5"/>
+              </a:buClr>
+              <a:buFont typeface="Wingdings" panose="05000000000000000000" pitchFamily="2" charset="2"/>
+              <a:buChar char="l"/>
             </a:pPr>
             <a:r>
-              <a:rPr kumimoji="1" lang="ja-JP" altLang="en-US"/>
+              <a:rPr kumimoji="1" lang="ja-JP" altLang="en-US" sz="2600" dirty="0"/>
               <a:t>マルチラベル</a:t>
             </a:r>
-            <a:endParaRPr kumimoji="1" lang="en-US" altLang="ja-JP"/>
-          </a:p>
-          <a:p>
-            <a:pPr>
+            <a:endParaRPr kumimoji="1" lang="en-US" altLang="ja-JP" sz="2600" dirty="0"/>
+          </a:p>
+          <a:p>
+            <a:pPr marL="360000" indent="-360000">
               <a:lnSpc>
                 <a:spcPct val="120000"/>
               </a:lnSpc>
+              <a:buClr>
+                <a:schemeClr val="accent5"/>
+              </a:buClr>
+              <a:buFont typeface="Wingdings" panose="05000000000000000000" pitchFamily="2" charset="2"/>
+              <a:buChar char="l"/>
             </a:pPr>
             <a:r>
-              <a:rPr lang="ja-JP" altLang="en-US" b="0" i="0">
+              <a:rPr lang="ja-JP" altLang="en-US" sz="2600" b="0" i="0" dirty="0">
                 <a:effectLst/>
                 <a:latin typeface="Inter"/>
               </a:rPr>
               <a:t>非常に不均衡（</a:t>
             </a:r>
             <a:r>
-              <a:rPr lang="en-US" altLang="ja-JP" b="0" i="0">
+              <a:rPr lang="en-US" altLang="ja-JP" sz="2600" b="0" i="0" dirty="0">
                 <a:effectLst/>
                 <a:latin typeface="Inter"/>
               </a:rPr>
               <a:t>0</a:t>
             </a:r>
             <a:r>
-              <a:rPr lang="ja-JP" altLang="en-US" b="0" i="0">
+              <a:rPr lang="ja-JP" altLang="en-US" sz="2600" b="0" i="0" dirty="0">
                 <a:effectLst/>
                 <a:latin typeface="Inter"/>
               </a:rPr>
               <a:t>のラベルが大半で</a:t>
             </a:r>
             <a:r>
-              <a:rPr lang="en-US" altLang="ja-JP" b="0" i="0">
+              <a:rPr lang="en-US" altLang="ja-JP" sz="2600" b="0" i="0" dirty="0">
                 <a:effectLst/>
                 <a:latin typeface="Inter"/>
               </a:rPr>
               <a:t>1</a:t>
             </a:r>
             <a:r>
-              <a:rPr lang="ja-JP" altLang="en-US" b="0" i="0">
+              <a:rPr lang="ja-JP" altLang="en-US" sz="2600" b="0" i="0" dirty="0">
                 <a:effectLst/>
                 <a:latin typeface="Inter"/>
               </a:rPr>
               <a:t>のラベルが非常に少ない）</a:t>
             </a:r>
-            <a:endParaRPr kumimoji="1" lang="en-US" altLang="ja-JP" dirty="0"/>
+            <a:endParaRPr kumimoji="1" lang="en-US" altLang="ja-JP" sz="2600" dirty="0"/>
           </a:p>
         </p:txBody>
       </p:sp>
@@ -6919,24 +7253,25 @@
           </a:bodyPr>
           <a:lstStyle/>
           <a:p>
-            <a:pPr>
+            <a:pPr marL="0" indent="0">
               <a:lnSpc>
                 <a:spcPct val="110000"/>
               </a:lnSpc>
+              <a:buNone/>
             </a:pPr>
             <a:r>
-              <a:rPr kumimoji="1" lang="ja-JP" altLang="en-US" dirty="0"/>
+              <a:rPr kumimoji="1" lang="ja-JP" altLang="en-US" b="1" dirty="0"/>
               <a:t>各クラスの</a:t>
             </a:r>
             <a:r>
-              <a:rPr kumimoji="1" lang="en-US" altLang="ja-JP" dirty="0" err="1"/>
+              <a:rPr kumimoji="1" lang="en-US" altLang="ja-JP" b="1" dirty="0" err="1"/>
               <a:t>log_loss</a:t>
             </a:r>
             <a:r>
-              <a:rPr kumimoji="1" lang="ja-JP" altLang="en-US" dirty="0"/>
+              <a:rPr kumimoji="1" lang="ja-JP" altLang="en-US" b="1" dirty="0"/>
               <a:t>の平均値</a:t>
             </a:r>
-            <a:endParaRPr kumimoji="1" lang="en-US" altLang="ja-JP" dirty="0"/>
+            <a:endParaRPr kumimoji="1" lang="en-US" altLang="ja-JP" b="1" dirty="0"/>
           </a:p>
         </p:txBody>
       </p:sp>
